--- a/presentation/GraphY.pptx
+++ b/presentation/GraphY.pptx
@@ -1,11 +1,11 @@
 
 <file path=ppt/presentation.xml><?xml version="1.0" encoding="utf-8"?>
-<p:presentation xmlns:a="http://schemas.openxmlformats.org/drawingml/2006/main" xmlns:r="http://schemas.openxmlformats.org/officeDocument/2006/relationships" xmlns:p="http://schemas.openxmlformats.org/presentationml/2006/main" autoCompressPictures="0">
+<p:presentation xmlns:a="http://schemas.openxmlformats.org/drawingml/2006/main" xmlns:r="http://schemas.openxmlformats.org/officeDocument/2006/relationships" xmlns:p="http://schemas.openxmlformats.org/presentationml/2006/main" showSpecialPlsOnTitleSld="0" autoCompressPictures="0">
   <p:sldMasterIdLst>
     <p:sldMasterId id="2147483722" r:id="rId1"/>
   </p:sldMasterIdLst>
   <p:notesMasterIdLst>
-    <p:notesMasterId r:id="rId10"/>
+    <p:notesMasterId r:id="rId12"/>
   </p:notesMasterIdLst>
   <p:sldIdLst>
     <p:sldId id="256" r:id="rId2"/>
@@ -15,7 +15,9 @@
     <p:sldId id="260" r:id="rId6"/>
     <p:sldId id="261" r:id="rId7"/>
     <p:sldId id="262" r:id="rId8"/>
-    <p:sldId id="263" r:id="rId9"/>
+    <p:sldId id="264" r:id="rId9"/>
+    <p:sldId id="263" r:id="rId10"/>
+    <p:sldId id="265" r:id="rId11"/>
   </p:sldIdLst>
   <p:sldSz cx="9144000" cy="6858000" type="screen4x3"/>
   <p:notesSz cx="6858000" cy="9144000"/>
@@ -171,7 +173,7 @@
             </a:lvl1pPr>
           </a:lstStyle>
           <a:p>
-            <a:endParaRPr lang="fr-CH"/>
+            <a:endParaRPr lang="fr-CH" dirty="0"/>
           </a:p>
         </p:txBody>
       </p:sp>
@@ -206,7 +208,7 @@
               <a:rPr lang="fr-CH" smtClean="0"/>
               <a:t>03.06.2016</a:t>
             </a:fld>
-            <a:endParaRPr lang="fr-CH"/>
+            <a:endParaRPr lang="fr-CH" dirty="0"/>
           </a:p>
         </p:txBody>
       </p:sp>
@@ -239,7 +241,7 @@
           <a:bodyPr vert="horz" lIns="91440" tIns="45720" rIns="91440" bIns="45720" rtlCol="0" anchor="ctr"/>
           <a:lstStyle/>
           <a:p>
-            <a:endParaRPr lang="fr-CH"/>
+            <a:endParaRPr lang="fr-CH" dirty="0"/>
           </a:p>
         </p:txBody>
       </p:sp>
@@ -330,7 +332,7 @@
             </a:lvl1pPr>
           </a:lstStyle>
           <a:p>
-            <a:endParaRPr lang="fr-CH"/>
+            <a:endParaRPr lang="fr-CH" dirty="0"/>
           </a:p>
         </p:txBody>
       </p:sp>
@@ -363,9 +365,9 @@
           <a:p>
             <a:fld id="{135558CC-D944-408D-80C8-CC88573B5A11}" type="slidenum">
               <a:rPr lang="fr-CH" smtClean="0"/>
-              <a:t>‹N°›</a:t>
+              <a:t>‹#›</a:t>
             </a:fld>
-            <a:endParaRPr lang="fr-CH"/>
+            <a:endParaRPr lang="fr-CH" dirty="0"/>
           </a:p>
         </p:txBody>
       </p:sp>
@@ -516,7 +518,7 @@
           <a:bodyPr/>
           <a:lstStyle/>
           <a:p>
-            <a:endParaRPr lang="fr-CH"/>
+            <a:endParaRPr lang="fr-CH" dirty="0"/>
           </a:p>
         </p:txBody>
       </p:sp>
@@ -539,7 +541,7 @@
               <a:rPr lang="fr-CH" smtClean="0"/>
               <a:t>1</a:t>
             </a:fld>
-            <a:endParaRPr lang="fr-CH"/>
+            <a:endParaRPr lang="fr-CH" dirty="0"/>
           </a:p>
         </p:txBody>
       </p:sp>
@@ -547,6 +549,90 @@
     <p:extLst>
       <p:ext uri="{BB962C8B-B14F-4D97-AF65-F5344CB8AC3E}">
         <p14:creationId xmlns:p14="http://schemas.microsoft.com/office/powerpoint/2010/main" val="2734805808"/>
+      </p:ext>
+    </p:extLst>
+  </p:cSld>
+  <p:clrMapOvr>
+    <a:masterClrMapping/>
+  </p:clrMapOvr>
+</p:notes>
+</file>
+
+<file path=ppt/notesSlides/notesSlide2.xml><?xml version="1.0" encoding="utf-8"?>
+<p:notes xmlns:a="http://schemas.openxmlformats.org/drawingml/2006/main" xmlns:r="http://schemas.openxmlformats.org/officeDocument/2006/relationships" xmlns:p="http://schemas.openxmlformats.org/presentationml/2006/main">
+  <p:cSld>
+    <p:spTree>
+      <p:nvGrpSpPr>
+        <p:cNvPr id="1" name=""/>
+        <p:cNvGrpSpPr/>
+        <p:nvPr/>
+      </p:nvGrpSpPr>
+      <p:grpSpPr>
+        <a:xfrm>
+          <a:off x="0" y="0"/>
+          <a:ext cx="0" cy="0"/>
+          <a:chOff x="0" y="0"/>
+          <a:chExt cx="0" cy="0"/>
+        </a:xfrm>
+      </p:grpSpPr>
+      <p:sp>
+        <p:nvSpPr>
+          <p:cNvPr id="2" name="Slide Image Placeholder 1"/>
+          <p:cNvSpPr>
+            <a:spLocks noGrp="1" noRot="1" noChangeAspect="1"/>
+          </p:cNvSpPr>
+          <p:nvPr>
+            <p:ph type="sldImg"/>
+          </p:nvPr>
+        </p:nvSpPr>
+        <p:spPr/>
+      </p:sp>
+      <p:sp>
+        <p:nvSpPr>
+          <p:cNvPr id="3" name="Notes Placeholder 2"/>
+          <p:cNvSpPr>
+            <a:spLocks noGrp="1"/>
+          </p:cNvSpPr>
+          <p:nvPr>
+            <p:ph type="body" idx="1"/>
+          </p:nvPr>
+        </p:nvSpPr>
+        <p:spPr/>
+        <p:txBody>
+          <a:bodyPr/>
+          <a:lstStyle/>
+          <a:p>
+            <a:endParaRPr lang="fr-FR" dirty="0"/>
+          </a:p>
+        </p:txBody>
+      </p:sp>
+      <p:sp>
+        <p:nvSpPr>
+          <p:cNvPr id="4" name="Slide Number Placeholder 3"/>
+          <p:cNvSpPr>
+            <a:spLocks noGrp="1"/>
+          </p:cNvSpPr>
+          <p:nvPr>
+            <p:ph type="sldNum" sz="quarter" idx="10"/>
+          </p:nvPr>
+        </p:nvSpPr>
+        <p:spPr/>
+        <p:txBody>
+          <a:bodyPr/>
+          <a:lstStyle/>
+          <a:p>
+            <a:fld id="{135558CC-D944-408D-80C8-CC88573B5A11}" type="slidenum">
+              <a:rPr lang="fr-CH" smtClean="0"/>
+              <a:t>3</a:t>
+            </a:fld>
+            <a:endParaRPr lang="fr-CH" dirty="0"/>
+          </a:p>
+        </p:txBody>
+      </p:sp>
+    </p:spTree>
+    <p:extLst>
+      <p:ext uri="{BB962C8B-B14F-4D97-AF65-F5344CB8AC3E}">
+        <p14:creationId xmlns:p14="http://schemas.microsoft.com/office/powerpoint/2010/main" val="3227801442"/>
       </p:ext>
     </p:extLst>
   </p:cSld>
@@ -683,29 +769,6 @@
       </p:sp>
       <p:sp>
         <p:nvSpPr>
-          <p:cNvPr id="4" name="Date Placeholder 3"/>
-          <p:cNvSpPr>
-            <a:spLocks noGrp="1"/>
-          </p:cNvSpPr>
-          <p:nvPr>
-            <p:ph type="dt" sz="half" idx="10"/>
-          </p:nvPr>
-        </p:nvSpPr>
-        <p:spPr/>
-        <p:txBody>
-          <a:bodyPr/>
-          <a:lstStyle/>
-          <a:p>
-            <a:fld id="{31DF1B09-042A-48F0-8545-6DB834CC430A}" type="datetime1">
-              <a:rPr lang="en-US" smtClean="0"/>
-              <a:t>6/3/2016</a:t>
-            </a:fld>
-            <a:endParaRPr lang="en-US" dirty="0"/>
-          </a:p>
-        </p:txBody>
-      </p:sp>
-      <p:sp>
-        <p:nvSpPr>
           <p:cNvPr id="5" name="Footer Placeholder 4"/>
           <p:cNvSpPr>
             <a:spLocks noGrp="1"/>
@@ -719,6 +782,10 @@
           <a:bodyPr/>
           <a:lstStyle/>
           <a:p>
+            <a:r>
+              <a:rPr lang="en-US" dirty="0" smtClean="0"/>
+              <a:t>Browne, Champion, Djomo, Hardy, Richoz, Rochat</a:t>
+            </a:r>
             <a:endParaRPr lang="en-US" dirty="0"/>
           </a:p>
         </p:txBody>
@@ -741,7 +808,7 @@
             <a:fld id="{D57F1E4F-1CFF-5643-939E-217C01CDF565}" type="slidenum">
               <a:rPr lang="en-US" smtClean="0"/>
               <a:pPr/>
-              <a:t>‹N°›</a:t>
+              <a:t>‹#›</a:t>
             </a:fld>
             <a:endParaRPr lang="en-US" dirty="0"/>
           </a:p>
@@ -757,6 +824,13 @@
   <p:clrMapOvr>
     <a:masterClrMapping/>
   </p:clrMapOvr>
+  <p:timing>
+    <p:tnLst>
+      <p:par>
+        <p:cTn id="1" dur="indefinite" restart="never" nodeType="tmRoot"/>
+      </p:par>
+    </p:tnLst>
+  </p:timing>
 </p:sldLayout>
 </file>
 
@@ -867,7 +941,7 @@
           <a:bodyPr/>
           <a:lstStyle/>
           <a:p>
-            <a:fld id="{C329CC85-3B1A-4B63-92B7-09CCF5B2558C}" type="datetime1">
+            <a:fld id="{43C76626-FBB6-4B40-9410-F3906EB18262}" type="datetime1">
               <a:rPr lang="en-US" smtClean="0"/>
               <a:t>6/3/2016</a:t>
             </a:fld>
@@ -890,6 +964,10 @@
           <a:bodyPr/>
           <a:lstStyle/>
           <a:p>
+            <a:r>
+              <a:rPr lang="en-US" dirty="0" smtClean="0"/>
+              <a:t>Browne, Champion, Djomo, Hardy, Richoz, Rochat</a:t>
+            </a:r>
             <a:endParaRPr lang="en-US" dirty="0"/>
           </a:p>
         </p:txBody>
@@ -912,7 +990,7 @@
             <a:fld id="{D57F1E4F-1CFF-5643-939E-217C01CDF565}" type="slidenum">
               <a:rPr lang="en-US" smtClean="0"/>
               <a:pPr/>
-              <a:t>‹N°›</a:t>
+              <a:t>‹#›</a:t>
             </a:fld>
             <a:endParaRPr lang="en-US" dirty="0"/>
           </a:p>
@@ -1048,7 +1126,7 @@
           <a:bodyPr/>
           <a:lstStyle/>
           <a:p>
-            <a:fld id="{1142CC0D-532D-46DA-B4C0-2831E806E19A}" type="datetime1">
+            <a:fld id="{64691CF2-69BD-4C27-A2C7-A5FA9A447048}" type="datetime1">
               <a:rPr lang="en-US" smtClean="0"/>
               <a:t>6/3/2016</a:t>
             </a:fld>
@@ -1071,6 +1149,10 @@
           <a:bodyPr/>
           <a:lstStyle/>
           <a:p>
+            <a:r>
+              <a:rPr lang="en-US" dirty="0" smtClean="0"/>
+              <a:t>Browne, Champion, Djomo, Hardy, Richoz, Rochat</a:t>
+            </a:r>
             <a:endParaRPr lang="en-US" dirty="0"/>
           </a:p>
         </p:txBody>
@@ -1093,7 +1175,7 @@
             <a:fld id="{D57F1E4F-1CFF-5643-939E-217C01CDF565}" type="slidenum">
               <a:rPr lang="en-US" smtClean="0"/>
               <a:pPr/>
-              <a:t>‹N°›</a:t>
+              <a:t>‹#›</a:t>
             </a:fld>
             <a:endParaRPr lang="en-US" dirty="0"/>
           </a:p>
@@ -1219,7 +1301,7 @@
           <a:bodyPr/>
           <a:lstStyle/>
           <a:p>
-            <a:fld id="{38FB4B9E-A7AE-4CAE-8C05-34A6FAACBB25}" type="datetime1">
+            <a:fld id="{D6041FA5-4C6C-4B89-B1D2-82A8EB895517}" type="datetime1">
               <a:rPr lang="en-US" smtClean="0"/>
               <a:t>6/3/2016</a:t>
             </a:fld>
@@ -1242,6 +1324,10 @@
           <a:bodyPr/>
           <a:lstStyle/>
           <a:p>
+            <a:r>
+              <a:rPr lang="en-US" dirty="0" smtClean="0"/>
+              <a:t>Browne, Champion, Djomo, Hardy, Richoz, Rochat</a:t>
+            </a:r>
             <a:endParaRPr lang="en-US" dirty="0"/>
           </a:p>
         </p:txBody>
@@ -1264,12 +1350,42 @@
             <a:fld id="{D57F1E4F-1CFF-5643-939E-217C01CDF565}" type="slidenum">
               <a:rPr lang="en-US" smtClean="0"/>
               <a:pPr/>
-              <a:t>‹N°›</a:t>
+              <a:t>‹#›</a:t>
             </a:fld>
             <a:endParaRPr lang="en-US" dirty="0"/>
           </a:p>
         </p:txBody>
       </p:sp>
+      <p:pic>
+        <p:nvPicPr>
+          <p:cNvPr id="8" name="Picture 7"/>
+          <p:cNvPicPr>
+            <a:picLocks noChangeAspect="1"/>
+          </p:cNvPicPr>
+          <p:nvPr userDrawn="1"/>
+        </p:nvPicPr>
+        <p:blipFill>
+          <a:blip r:embed="rId2">
+            <a:extLst>
+              <a:ext uri="{28A0092B-C50C-407E-A947-70E740481C1C}">
+                <a14:useLocalDpi xmlns:a14="http://schemas.microsoft.com/office/drawing/2010/main" val="0"/>
+              </a:ext>
+            </a:extLst>
+          </a:blip>
+          <a:stretch>
+            <a:fillRect/>
+          </a:stretch>
+        </p:blipFill>
+        <p:spPr>
+          <a:xfrm>
+            <a:off x="628651" y="6338418"/>
+            <a:ext cx="408580" cy="408580"/>
+          </a:xfrm>
+          <a:prstGeom prst="rect">
+            <a:avLst/>
+          </a:prstGeom>
+        </p:spPr>
+      </p:pic>
     </p:spTree>
     <p:extLst>
       <p:ext uri="{BB962C8B-B14F-4D97-AF65-F5344CB8AC3E}">
@@ -1280,6 +1396,13 @@
   <p:clrMapOvr>
     <a:masterClrMapping/>
   </p:clrMapOvr>
+  <p:timing>
+    <p:tnLst>
+      <p:par>
+        <p:cTn id="1" dur="indefinite" restart="never" nodeType="tmRoot"/>
+      </p:par>
+    </p:tnLst>
+  </p:timing>
 </p:sldLayout>
 </file>
 
@@ -1471,7 +1594,7 @@
           <a:bodyPr/>
           <a:lstStyle/>
           <a:p>
-            <a:fld id="{7998B67A-199E-49F9-8255-7B7802241483}" type="datetime1">
+            <a:fld id="{C397C25B-BBA8-48E4-AE3C-71FABF613F7F}" type="datetime1">
               <a:rPr lang="en-US" smtClean="0"/>
               <a:t>6/3/2016</a:t>
             </a:fld>
@@ -1494,6 +1617,10 @@
           <a:bodyPr/>
           <a:lstStyle/>
           <a:p>
+            <a:r>
+              <a:rPr lang="en-US" dirty="0" smtClean="0"/>
+              <a:t>Browne, Champion, Djomo, Hardy, Richoz, Rochat</a:t>
+            </a:r>
             <a:endParaRPr lang="en-US" dirty="0"/>
           </a:p>
         </p:txBody>
@@ -1516,12 +1643,42 @@
             <a:fld id="{D57F1E4F-1CFF-5643-939E-217C01CDF565}" type="slidenum">
               <a:rPr lang="en-US" smtClean="0"/>
               <a:pPr/>
-              <a:t>‹N°›</a:t>
+              <a:t>‹#›</a:t>
             </a:fld>
             <a:endParaRPr lang="en-US" dirty="0"/>
           </a:p>
         </p:txBody>
       </p:sp>
+      <p:pic>
+        <p:nvPicPr>
+          <p:cNvPr id="7" name="Picture 6"/>
+          <p:cNvPicPr>
+            <a:picLocks noChangeAspect="1"/>
+          </p:cNvPicPr>
+          <p:nvPr userDrawn="1"/>
+        </p:nvPicPr>
+        <p:blipFill>
+          <a:blip r:embed="rId2">
+            <a:extLst>
+              <a:ext uri="{28A0092B-C50C-407E-A947-70E740481C1C}">
+                <a14:useLocalDpi xmlns:a14="http://schemas.microsoft.com/office/drawing/2010/main" val="0"/>
+              </a:ext>
+            </a:extLst>
+          </a:blip>
+          <a:stretch>
+            <a:fillRect/>
+          </a:stretch>
+        </p:blipFill>
+        <p:spPr>
+          <a:xfrm>
+            <a:off x="628651" y="6338418"/>
+            <a:ext cx="408580" cy="408580"/>
+          </a:xfrm>
+          <a:prstGeom prst="rect">
+            <a:avLst/>
+          </a:prstGeom>
+        </p:spPr>
+      </p:pic>
     </p:spTree>
     <p:extLst>
       <p:ext uri="{BB962C8B-B14F-4D97-AF65-F5344CB8AC3E}">
@@ -1532,6 +1689,13 @@
   <p:clrMapOvr>
     <a:masterClrMapping/>
   </p:clrMapOvr>
+  <p:timing>
+    <p:tnLst>
+      <p:par>
+        <p:cTn id="1" dur="indefinite" restart="never" nodeType="tmRoot"/>
+      </p:par>
+    </p:tnLst>
+  </p:timing>
 </p:sldLayout>
 </file>
 
@@ -1704,7 +1868,7 @@
           <a:bodyPr/>
           <a:lstStyle/>
           <a:p>
-            <a:fld id="{90188522-7505-40D5-9BCC-72E8E225C617}" type="datetime1">
+            <a:fld id="{C100E2E5-07F4-4D03-A0CD-BC739D20CF20}" type="datetime1">
               <a:rPr lang="en-US" smtClean="0"/>
               <a:t>6/3/2016</a:t>
             </a:fld>
@@ -1727,6 +1891,10 @@
           <a:bodyPr/>
           <a:lstStyle/>
           <a:p>
+            <a:r>
+              <a:rPr lang="en-US" dirty="0" smtClean="0"/>
+              <a:t>Browne, Champion, Djomo, Hardy, Richoz, Rochat</a:t>
+            </a:r>
             <a:endParaRPr lang="en-US" dirty="0"/>
           </a:p>
         </p:txBody>
@@ -1749,12 +1917,42 @@
             <a:fld id="{D57F1E4F-1CFF-5643-939E-217C01CDF565}" type="slidenum">
               <a:rPr lang="en-US" smtClean="0"/>
               <a:pPr/>
-              <a:t>‹N°›</a:t>
+              <a:t>‹#›</a:t>
             </a:fld>
             <a:endParaRPr lang="en-US" dirty="0"/>
           </a:p>
         </p:txBody>
       </p:sp>
+      <p:pic>
+        <p:nvPicPr>
+          <p:cNvPr id="8" name="Picture 7"/>
+          <p:cNvPicPr>
+            <a:picLocks noChangeAspect="1"/>
+          </p:cNvPicPr>
+          <p:nvPr userDrawn="1"/>
+        </p:nvPicPr>
+        <p:blipFill>
+          <a:blip r:embed="rId2">
+            <a:extLst>
+              <a:ext uri="{28A0092B-C50C-407E-A947-70E740481C1C}">
+                <a14:useLocalDpi xmlns:a14="http://schemas.microsoft.com/office/drawing/2010/main" val="0"/>
+              </a:ext>
+            </a:extLst>
+          </a:blip>
+          <a:stretch>
+            <a:fillRect/>
+          </a:stretch>
+        </p:blipFill>
+        <p:spPr>
+          <a:xfrm>
+            <a:off x="628651" y="6338418"/>
+            <a:ext cx="408580" cy="408580"/>
+          </a:xfrm>
+          <a:prstGeom prst="rect">
+            <a:avLst/>
+          </a:prstGeom>
+        </p:spPr>
+      </p:pic>
     </p:spTree>
     <p:extLst>
       <p:ext uri="{BB962C8B-B14F-4D97-AF65-F5344CB8AC3E}">
@@ -1765,6 +1963,13 @@
   <p:clrMapOvr>
     <a:masterClrMapping/>
   </p:clrMapOvr>
+  <p:timing>
+    <p:tnLst>
+      <p:par>
+        <p:cTn id="1" dur="indefinite" restart="never" nodeType="tmRoot"/>
+      </p:par>
+    </p:tnLst>
+  </p:timing>
 </p:sldLayout>
 </file>
 
@@ -2052,7 +2257,7 @@
           <a:bodyPr/>
           <a:lstStyle/>
           <a:p>
-            <a:fld id="{FA2C3600-C948-4BD1-8664-E6D19D2E1524}" type="datetime1">
+            <a:fld id="{E8D126B3-5846-4974-AA8E-48CF87B745B2}" type="datetime1">
               <a:rPr lang="en-US" smtClean="0"/>
               <a:t>6/3/2016</a:t>
             </a:fld>
@@ -2075,6 +2280,10 @@
           <a:bodyPr/>
           <a:lstStyle/>
           <a:p>
+            <a:r>
+              <a:rPr lang="en-US" dirty="0" smtClean="0"/>
+              <a:t>Browne, Champion, Djomo, Hardy, Richoz, Rochat</a:t>
+            </a:r>
             <a:endParaRPr lang="en-US" dirty="0"/>
           </a:p>
         </p:txBody>
@@ -2097,7 +2306,7 @@
             <a:fld id="{D57F1E4F-1CFF-5643-939E-217C01CDF565}" type="slidenum">
               <a:rPr lang="en-US" smtClean="0"/>
               <a:pPr/>
-              <a:t>‹N°›</a:t>
+              <a:t>‹#›</a:t>
             </a:fld>
             <a:endParaRPr lang="en-US" dirty="0"/>
           </a:p>
@@ -2126,6 +2335,36 @@
           </a:p>
         </p:txBody>
       </p:sp>
+      <p:pic>
+        <p:nvPicPr>
+          <p:cNvPr id="11" name="Picture 10"/>
+          <p:cNvPicPr>
+            <a:picLocks noChangeAspect="1"/>
+          </p:cNvPicPr>
+          <p:nvPr userDrawn="1"/>
+        </p:nvPicPr>
+        <p:blipFill>
+          <a:blip r:embed="rId2">
+            <a:extLst>
+              <a:ext uri="{28A0092B-C50C-407E-A947-70E740481C1C}">
+                <a14:useLocalDpi xmlns:a14="http://schemas.microsoft.com/office/drawing/2010/main" val="0"/>
+              </a:ext>
+            </a:extLst>
+          </a:blip>
+          <a:stretch>
+            <a:fillRect/>
+          </a:stretch>
+        </p:blipFill>
+        <p:spPr>
+          <a:xfrm>
+            <a:off x="628651" y="6338418"/>
+            <a:ext cx="408580" cy="408580"/>
+          </a:xfrm>
+          <a:prstGeom prst="rect">
+            <a:avLst/>
+          </a:prstGeom>
+        </p:spPr>
+      </p:pic>
     </p:spTree>
     <p:extLst>
       <p:ext uri="{BB962C8B-B14F-4D97-AF65-F5344CB8AC3E}">
@@ -2136,6 +2375,13 @@
   <p:clrMapOvr>
     <a:masterClrMapping/>
   </p:clrMapOvr>
+  <p:timing>
+    <p:tnLst>
+      <p:par>
+        <p:cTn id="1" dur="indefinite" restart="never" nodeType="tmRoot"/>
+      </p:par>
+    </p:tnLst>
+  </p:timing>
 </p:sldLayout>
 </file>
 
@@ -2171,7 +2417,7 @@
           <a:bodyPr/>
           <a:lstStyle/>
           <a:p>
-            <a:fld id="{8C1E613B-9CB0-4309-9B46-E22D6CADE43E}" type="datetime1">
+            <a:fld id="{1BFEB80F-15BA-446D-88FF-7F2FA067E768}" type="datetime1">
               <a:rPr lang="en-US" smtClean="0"/>
               <a:t>6/3/2016</a:t>
             </a:fld>
@@ -2194,6 +2440,10 @@
           <a:bodyPr/>
           <a:lstStyle/>
           <a:p>
+            <a:r>
+              <a:rPr lang="en-US" dirty="0" smtClean="0"/>
+              <a:t>Browne, Champion, Djomo, Hardy, Richoz, Rochat</a:t>
+            </a:r>
             <a:endParaRPr lang="en-US" dirty="0"/>
           </a:p>
         </p:txBody>
@@ -2216,7 +2466,7 @@
             <a:fld id="{D57F1E4F-1CFF-5643-939E-217C01CDF565}" type="slidenum">
               <a:rPr lang="en-US" smtClean="0"/>
               <a:pPr/>
-              <a:t>‹N°›</a:t>
+              <a:t>‹#›</a:t>
             </a:fld>
             <a:endParaRPr lang="en-US" dirty="0"/>
           </a:p>
@@ -2245,6 +2495,36 @@
           </a:p>
         </p:txBody>
       </p:sp>
+      <p:pic>
+        <p:nvPicPr>
+          <p:cNvPr id="7" name="Picture 6"/>
+          <p:cNvPicPr>
+            <a:picLocks noChangeAspect="1"/>
+          </p:cNvPicPr>
+          <p:nvPr userDrawn="1"/>
+        </p:nvPicPr>
+        <p:blipFill>
+          <a:blip r:embed="rId2">
+            <a:extLst>
+              <a:ext uri="{28A0092B-C50C-407E-A947-70E740481C1C}">
+                <a14:useLocalDpi xmlns:a14="http://schemas.microsoft.com/office/drawing/2010/main" val="0"/>
+              </a:ext>
+            </a:extLst>
+          </a:blip>
+          <a:stretch>
+            <a:fillRect/>
+          </a:stretch>
+        </p:blipFill>
+        <p:spPr>
+          <a:xfrm>
+            <a:off x="628651" y="6338418"/>
+            <a:ext cx="408580" cy="408580"/>
+          </a:xfrm>
+          <a:prstGeom prst="rect">
+            <a:avLst/>
+          </a:prstGeom>
+        </p:spPr>
+      </p:pic>
     </p:spTree>
     <p:extLst>
       <p:ext uri="{BB962C8B-B14F-4D97-AF65-F5344CB8AC3E}">
@@ -2255,6 +2535,13 @@
   <p:clrMapOvr>
     <a:masterClrMapping/>
   </p:clrMapOvr>
+  <p:timing>
+    <p:tnLst>
+      <p:par>
+        <p:cTn id="1" dur="indefinite" restart="never" nodeType="tmRoot"/>
+      </p:par>
+    </p:tnLst>
+  </p:timing>
 </p:sldLayout>
 </file>
 
@@ -2290,7 +2577,7 @@
           <a:bodyPr/>
           <a:lstStyle/>
           <a:p>
-            <a:fld id="{D0EB7F44-A5F6-481E-A0B8-7B4B84741762}" type="datetime1">
+            <a:fld id="{19985235-57B9-420B-8A26-966C0A54D3C8}" type="datetime1">
               <a:rPr lang="en-US" smtClean="0"/>
               <a:t>6/3/2016</a:t>
             </a:fld>
@@ -2313,6 +2600,10 @@
           <a:bodyPr/>
           <a:lstStyle/>
           <a:p>
+            <a:r>
+              <a:rPr lang="en-US" dirty="0" smtClean="0"/>
+              <a:t>Browne, Champion, Djomo, Hardy, Richoz, Rochat</a:t>
+            </a:r>
             <a:endParaRPr lang="en-US" dirty="0"/>
           </a:p>
         </p:txBody>
@@ -2335,7 +2626,7 @@
             <a:fld id="{D57F1E4F-1CFF-5643-939E-217C01CDF565}" type="slidenum">
               <a:rPr lang="en-US" smtClean="0"/>
               <a:pPr/>
-              <a:t>‹N°›</a:t>
+              <a:t>‹#›</a:t>
             </a:fld>
             <a:endParaRPr lang="en-US" dirty="0"/>
           </a:p>
@@ -2351,6 +2642,13 @@
   <p:clrMapOvr>
     <a:masterClrMapping/>
   </p:clrMapOvr>
+  <p:timing>
+    <p:tnLst>
+      <p:par>
+        <p:cTn id="1" dur="indefinite" restart="never" nodeType="tmRoot"/>
+      </p:par>
+    </p:tnLst>
+  </p:timing>
 </p:sldLayout>
 </file>
 
@@ -2575,7 +2873,7 @@
           <a:bodyPr/>
           <a:lstStyle/>
           <a:p>
-            <a:fld id="{DA65C17E-59FC-4FB0-9445-2485A19E2694}" type="datetime1">
+            <a:fld id="{9D6FD31D-1D97-42AB-8D33-C3831B8137FE}" type="datetime1">
               <a:rPr lang="en-US" smtClean="0"/>
               <a:t>6/3/2016</a:t>
             </a:fld>
@@ -2598,6 +2896,10 @@
           <a:bodyPr/>
           <a:lstStyle/>
           <a:p>
+            <a:r>
+              <a:rPr lang="en-US" dirty="0" smtClean="0"/>
+              <a:t>Browne, Champion, Djomo, Hardy, Richoz, Rochat</a:t>
+            </a:r>
             <a:endParaRPr lang="en-US" dirty="0"/>
           </a:p>
         </p:txBody>
@@ -2620,7 +2922,7 @@
             <a:fld id="{D57F1E4F-1CFF-5643-939E-217C01CDF565}" type="slidenum">
               <a:rPr lang="en-US" smtClean="0"/>
               <a:pPr/>
-              <a:t>‹N°›</a:t>
+              <a:t>‹#›</a:t>
             </a:fld>
             <a:endParaRPr lang="en-US" dirty="0"/>
           </a:p>
@@ -2748,7 +3050,7 @@
           </a:lstStyle>
           <a:p>
             <a:r>
-              <a:rPr lang="fr-FR" smtClean="0"/>
+              <a:rPr lang="fr-FR" dirty="0" smtClean="0"/>
               <a:t>Cliquez sur l'icône pour ajouter une image</a:t>
             </a:r>
             <a:endParaRPr lang="en-US" dirty="0"/>
@@ -2840,7 +3142,7 @@
           <a:bodyPr/>
           <a:lstStyle/>
           <a:p>
-            <a:fld id="{024D832D-AD5A-4769-AC09-41CD52BF79CB}" type="datetime1">
+            <a:fld id="{1AA1D5F0-8E8E-4500-84C2-CE4F83C611F0}" type="datetime1">
               <a:rPr lang="en-US" smtClean="0"/>
               <a:t>6/3/2016</a:t>
             </a:fld>
@@ -2863,6 +3165,10 @@
           <a:bodyPr/>
           <a:lstStyle/>
           <a:p>
+            <a:r>
+              <a:rPr lang="en-US" dirty="0" smtClean="0"/>
+              <a:t>Browne, Champion, Djomo, Hardy, Richoz, Rochat</a:t>
+            </a:r>
             <a:endParaRPr lang="en-US" dirty="0"/>
           </a:p>
         </p:txBody>
@@ -2885,7 +3191,7 @@
             <a:fld id="{D57F1E4F-1CFF-5643-939E-217C01CDF565}" type="slidenum">
               <a:rPr lang="en-US" smtClean="0"/>
               <a:pPr/>
-              <a:t>‹N°›</a:t>
+              <a:t>‹#›</a:t>
             </a:fld>
             <a:endParaRPr lang="en-US" dirty="0"/>
           </a:p>
@@ -3055,7 +3361,7 @@
             </a:lvl1pPr>
           </a:lstStyle>
           <a:p>
-            <a:fld id="{691E1B2D-DD52-4102-AAAB-B4D0B93D06DA}" type="datetime1">
+            <a:fld id="{3D30FC33-0DAA-4966-A924-06BA75148EF2}" type="datetime1">
               <a:rPr lang="en-US" smtClean="0"/>
               <a:t>6/3/2016</a:t>
             </a:fld>
@@ -3097,6 +3403,10 @@
             </a:lvl1pPr>
           </a:lstStyle>
           <a:p>
+            <a:r>
+              <a:rPr lang="en-US" dirty="0" smtClean="0"/>
+              <a:t>Browne, Champion, Djomo, Hardy, Richoz, Rochat</a:t>
+            </a:r>
             <a:endParaRPr lang="en-US" dirty="0"/>
           </a:p>
         </p:txBody>
@@ -3137,7 +3447,7 @@
             <a:fld id="{D57F1E4F-1CFF-5643-939E-217C01CDF565}" type="slidenum">
               <a:rPr lang="en-US" smtClean="0"/>
               <a:pPr/>
-              <a:t>‹N°›</a:t>
+              <a:t>‹#›</a:t>
             </a:fld>
             <a:endParaRPr lang="en-US" dirty="0"/>
           </a:p>
@@ -3164,7 +3474,14 @@
     <p:sldLayoutId id="2147483732" r:id="rId10"/>
     <p:sldLayoutId id="2147483733" r:id="rId11"/>
   </p:sldLayoutIdLst>
-  <p:hf hdr="0" ftr="0" dt="0"/>
+  <p:timing>
+    <p:tnLst>
+      <p:par>
+        <p:cTn id="1" dur="indefinite" restart="never" nodeType="tmRoot"/>
+      </p:par>
+    </p:tnLst>
+  </p:timing>
+  <p:hf hdr="0" dt="0"/>
   <p:txStyles>
     <p:titleStyle>
       <a:lvl1pPr algn="l" defTabSz="685800" rtl="0" eaLnBrk="1" latinLnBrk="0" hangingPunct="1">
@@ -3469,7 +3786,7 @@
           <a:lstStyle/>
           <a:p>
             <a:r>
-              <a:rPr lang="fr-CH" dirty="0" err="1" smtClean="0"/>
+              <a:rPr lang="fr-CH" dirty="0" smtClean="0"/>
               <a:t>GraphY</a:t>
             </a:r>
             <a:endParaRPr lang="fr-CH" dirty="0"/>
@@ -3498,73 +3815,33 @@
           </a:p>
           <a:p>
             <a:r>
-              <a:rPr lang="fr-CH" dirty="0" err="1" smtClean="0"/>
-              <a:t>Browne</a:t>
-            </a:r>
-            <a:r>
               <a:rPr lang="fr-CH" dirty="0" smtClean="0"/>
-              <a:t> Champion Hardy </a:t>
-            </a:r>
-            <a:r>
-              <a:rPr lang="fr-CH" dirty="0" err="1" smtClean="0"/>
-              <a:t>Richoz</a:t>
+              <a:t>Browne </a:t>
             </a:r>
             <a:r>
               <a:rPr lang="fr-CH" dirty="0" smtClean="0"/>
-              <a:t> </a:t>
-            </a:r>
-            <a:r>
-              <a:rPr lang="fr-CH" dirty="0" err="1" smtClean="0"/>
+              <a:t>Champion Djomo </a:t>
+            </a:r>
+            <a:r>
+              <a:rPr lang="fr-CH" dirty="0" smtClean="0"/>
+              <a:t>Hardy Richoz </a:t>
+            </a:r>
+            <a:r>
+              <a:rPr lang="fr-CH" dirty="0" smtClean="0"/>
               <a:t>Rochat</a:t>
             </a:r>
+            <a:endParaRPr lang="fr-CH" dirty="0"/>
+          </a:p>
+          <a:p>
             <a:r>
               <a:rPr lang="fr-CH" dirty="0" smtClean="0"/>
-              <a:t> </a:t>
-            </a:r>
-            <a:r>
-              <a:rPr lang="fr-CH" dirty="0" err="1" smtClean="0"/>
-              <a:t>Djomo</a:t>
-            </a:r>
-            <a:endParaRPr lang="fr-CH" dirty="0" smtClean="0"/>
-          </a:p>
-          <a:p>
-            <a:r>
-              <a:rPr lang="fr-CH" dirty="0" err="1" smtClean="0"/>
               <a:t>Resp</a:t>
             </a:r>
             <a:r>
               <a:rPr lang="fr-CH" dirty="0" smtClean="0"/>
-              <a:t>. René </a:t>
-            </a:r>
-            <a:r>
-              <a:rPr lang="fr-CH" dirty="0" err="1" smtClean="0"/>
-              <a:t>Rentsch</a:t>
+              <a:t>. René Rentsch</a:t>
             </a:r>
             <a:endParaRPr lang="fr-CH" dirty="0"/>
-          </a:p>
-        </p:txBody>
-      </p:sp>
-      <p:sp>
-        <p:nvSpPr>
-          <p:cNvPr id="4" name="Espace réservé du numéro de diapositive 3"/>
-          <p:cNvSpPr>
-            <a:spLocks noGrp="1"/>
-          </p:cNvSpPr>
-          <p:nvPr>
-            <p:ph type="sldNum" sz="quarter" idx="12"/>
-          </p:nvPr>
-        </p:nvSpPr>
-        <p:spPr/>
-        <p:txBody>
-          <a:bodyPr/>
-          <a:lstStyle/>
-          <a:p>
-            <a:fld id="{D57F1E4F-1CFF-5643-939E-217C01CDF565}" type="slidenum">
-              <a:rPr lang="en-US" smtClean="0"/>
-              <a:pPr/>
-              <a:t>1</a:t>
-            </a:fld>
-            <a:endParaRPr lang="en-US" dirty="0"/>
           </a:p>
         </p:txBody>
       </p:sp>
@@ -3618,6 +3895,132 @@
 </p:sld>
 </file>
 
+<file path=ppt/slides/slide10.xml><?xml version="1.0" encoding="utf-8"?>
+<p:sld xmlns:a="http://schemas.openxmlformats.org/drawingml/2006/main" xmlns:r="http://schemas.openxmlformats.org/officeDocument/2006/relationships" xmlns:p="http://schemas.openxmlformats.org/presentationml/2006/main">
+  <p:cSld>
+    <p:spTree>
+      <p:nvGrpSpPr>
+        <p:cNvPr id="1" name=""/>
+        <p:cNvGrpSpPr/>
+        <p:nvPr/>
+      </p:nvGrpSpPr>
+      <p:grpSpPr>
+        <a:xfrm>
+          <a:off x="0" y="0"/>
+          <a:ext cx="0" cy="0"/>
+          <a:chOff x="0" y="0"/>
+          <a:chExt cx="0" cy="0"/>
+        </a:xfrm>
+      </p:grpSpPr>
+      <p:sp>
+        <p:nvSpPr>
+          <p:cNvPr id="2" name="Title 1"/>
+          <p:cNvSpPr>
+            <a:spLocks noGrp="1"/>
+          </p:cNvSpPr>
+          <p:nvPr>
+            <p:ph type="title"/>
+          </p:nvPr>
+        </p:nvSpPr>
+        <p:spPr/>
+        <p:txBody>
+          <a:bodyPr/>
+          <a:lstStyle/>
+          <a:p>
+            <a:r>
+              <a:rPr lang="fr-FR" dirty="0" smtClean="0"/>
+              <a:t>Questions ?</a:t>
+            </a:r>
+            <a:endParaRPr lang="fr-FR" dirty="0"/>
+          </a:p>
+        </p:txBody>
+      </p:sp>
+      <p:sp>
+        <p:nvSpPr>
+          <p:cNvPr id="6" name="Text Placeholder 5"/>
+          <p:cNvSpPr>
+            <a:spLocks noGrp="1"/>
+          </p:cNvSpPr>
+          <p:nvPr>
+            <p:ph type="body" idx="1"/>
+          </p:nvPr>
+        </p:nvSpPr>
+        <p:spPr/>
+        <p:txBody>
+          <a:bodyPr/>
+          <a:lstStyle/>
+          <a:p>
+            <a:endParaRPr lang="fr-FR" dirty="0"/>
+          </a:p>
+        </p:txBody>
+      </p:sp>
+      <p:sp>
+        <p:nvSpPr>
+          <p:cNvPr id="4" name="Footer Placeholder 3"/>
+          <p:cNvSpPr>
+            <a:spLocks noGrp="1"/>
+          </p:cNvSpPr>
+          <p:nvPr>
+            <p:ph type="ftr" sz="quarter" idx="11"/>
+          </p:nvPr>
+        </p:nvSpPr>
+        <p:spPr/>
+        <p:txBody>
+          <a:bodyPr/>
+          <a:lstStyle/>
+          <a:p>
+            <a:r>
+              <a:rPr lang="en-US" dirty="0" smtClean="0"/>
+              <a:t>Browne, Champion, Djomo, Hardy, Richoz, Rochat</a:t>
+            </a:r>
+            <a:endParaRPr lang="en-US" dirty="0"/>
+          </a:p>
+        </p:txBody>
+      </p:sp>
+      <p:sp>
+        <p:nvSpPr>
+          <p:cNvPr id="5" name="Slide Number Placeholder 4"/>
+          <p:cNvSpPr>
+            <a:spLocks noGrp="1"/>
+          </p:cNvSpPr>
+          <p:nvPr>
+            <p:ph type="sldNum" sz="quarter" idx="12"/>
+          </p:nvPr>
+        </p:nvSpPr>
+        <p:spPr/>
+        <p:txBody>
+          <a:bodyPr/>
+          <a:lstStyle/>
+          <a:p>
+            <a:fld id="{D57F1E4F-1CFF-5643-939E-217C01CDF565}" type="slidenum">
+              <a:rPr lang="en-US" smtClean="0"/>
+              <a:pPr/>
+              <a:t>10</a:t>
+            </a:fld>
+            <a:endParaRPr lang="en-US" dirty="0"/>
+          </a:p>
+        </p:txBody>
+      </p:sp>
+    </p:spTree>
+    <p:extLst>
+      <p:ext uri="{BB962C8B-B14F-4D97-AF65-F5344CB8AC3E}">
+        <p14:creationId xmlns:p14="http://schemas.microsoft.com/office/powerpoint/2010/main" val="2051319704"/>
+      </p:ext>
+    </p:extLst>
+  </p:cSld>
+  <p:clrMapOvr>
+    <a:masterClrMapping/>
+  </p:clrMapOvr>
+  <p:timing>
+    <p:tnLst>
+      <p:par>
+        <p:cTn id="1" dur="indefinite" restart="never" nodeType="tmRoot"/>
+      </p:par>
+    </p:tnLst>
+  </p:timing>
+</p:sld>
+</file>
+
 <file path=ppt/slides/slide2.xml><?xml version="1.0" encoding="utf-8"?>
 <p:sld xmlns:a="http://schemas.openxmlformats.org/drawingml/2006/main" xmlns:r="http://schemas.openxmlformats.org/officeDocument/2006/relationships" xmlns:p="http://schemas.openxmlformats.org/presentationml/2006/main">
   <p:cSld>
@@ -3675,45 +4078,81 @@
           <a:p>
             <a:r>
               <a:rPr lang="fr-CH" dirty="0" smtClean="0"/>
-              <a:t>Description générale du projet</a:t>
-            </a:r>
+              <a:t>Présentation du projet - Brain</a:t>
+            </a:r>
+            <a:endParaRPr lang="fr-CH" dirty="0" smtClean="0"/>
           </a:p>
           <a:p>
             <a:r>
               <a:rPr lang="fr-CH" dirty="0" smtClean="0"/>
-              <a:t>Approches et technologies utilisées</a:t>
-            </a:r>
-          </a:p>
-          <a:p>
+              <a:t>Approche de la problématique – </a:t>
+            </a:r>
+            <a:r>
+              <a:rPr lang="fr-CH" dirty="0" err="1" smtClean="0"/>
+              <a:t>Modjo</a:t>
+            </a:r>
             <a:r>
               <a:rPr lang="fr-CH" dirty="0" smtClean="0"/>
-              <a:t>Architecture globale de l’application</a:t>
-            </a:r>
+              <a:t> jojo</a:t>
+            </a:r>
+            <a:endParaRPr lang="fr-CH" dirty="0" smtClean="0"/>
           </a:p>
           <a:p>
             <a:r>
               <a:rPr lang="fr-CH" dirty="0" smtClean="0"/>
-              <a:t>Principales difficultés rencontrées</a:t>
-            </a:r>
-          </a:p>
-          <a:p>
+              <a:t>Architecture </a:t>
+            </a:r>
             <a:r>
               <a:rPr lang="fr-CH" dirty="0" smtClean="0"/>
-              <a:t>Problèmes connus</a:t>
-            </a:r>
-          </a:p>
-          <a:p>
+              <a:t>de l’application - Champignon</a:t>
+            </a:r>
+            <a:endParaRPr lang="fr-CH" dirty="0" smtClean="0"/>
+          </a:p>
+          <a:p>
+            <a:r>
+              <a:rPr lang="fr-CH" dirty="0"/>
+              <a:t>D</a:t>
+            </a:r>
             <a:r>
               <a:rPr lang="fr-CH" dirty="0" smtClean="0"/>
-              <a:t>Conclusion</a:t>
-            </a:r>
+              <a:t>ifficultés rencontrées – Riz chaud</a:t>
+            </a:r>
+            <a:endParaRPr lang="fr-CH" dirty="0" smtClean="0"/>
           </a:p>
           <a:p>
             <a:r>
               <a:rPr lang="fr-CH" dirty="0" smtClean="0"/>
-              <a:t>(Démonstration)</a:t>
-            </a:r>
-            <a:endParaRPr lang="fr-CH" dirty="0"/>
+              <a:t>Problèmes </a:t>
+            </a:r>
+            <a:r>
+              <a:rPr lang="fr-CH" dirty="0" smtClean="0"/>
+              <a:t>connus - Ronchon</a:t>
+            </a:r>
+          </a:p>
+          <a:p>
+            <a:r>
+              <a:rPr lang="fr-CH" dirty="0" smtClean="0"/>
+              <a:t>Améliorations - </a:t>
+            </a:r>
+            <a:r>
+              <a:rPr lang="fr-CH" dirty="0" err="1" smtClean="0"/>
+              <a:t>Hardu</a:t>
+            </a:r>
+            <a:endParaRPr lang="fr-CH" dirty="0" smtClean="0"/>
+          </a:p>
+          <a:p>
+            <a:r>
+              <a:rPr lang="fr-CH" dirty="0" smtClean="0"/>
+              <a:t>Conclusion - Brain</a:t>
+            </a:r>
+            <a:endParaRPr lang="fr-CH" dirty="0" smtClean="0"/>
+          </a:p>
+          <a:p>
+            <a:pPr lvl="1"/>
+            <a:r>
+              <a:rPr lang="fr-CH" dirty="0" smtClean="0"/>
+              <a:t>Démonstration</a:t>
+            </a:r>
           </a:p>
         </p:txBody>
       </p:sp>
@@ -3737,6 +4176,29 @@
               <a:pPr/>
               <a:t>2</a:t>
             </a:fld>
+            <a:endParaRPr lang="en-US" dirty="0"/>
+          </a:p>
+        </p:txBody>
+      </p:sp>
+      <p:sp>
+        <p:nvSpPr>
+          <p:cNvPr id="5" name="Footer Placeholder 4"/>
+          <p:cNvSpPr>
+            <a:spLocks noGrp="1"/>
+          </p:cNvSpPr>
+          <p:nvPr>
+            <p:ph type="ftr" sz="quarter" idx="11"/>
+          </p:nvPr>
+        </p:nvSpPr>
+        <p:spPr/>
+        <p:txBody>
+          <a:bodyPr/>
+          <a:lstStyle/>
+          <a:p>
+            <a:r>
+              <a:rPr lang="en-US" dirty="0" smtClean="0"/>
+              <a:t>Browne, Champion, Djomo, Hardy, Richoz, Rochat</a:t>
+            </a:r>
             <a:endParaRPr lang="en-US" dirty="0"/>
           </a:p>
         </p:txBody>
@@ -3751,6 +4213,13 @@
   <p:clrMapOvr>
     <a:masterClrMapping/>
   </p:clrMapOvr>
+  <p:timing>
+    <p:tnLst>
+      <p:par>
+        <p:cTn id="1" dur="indefinite" restart="never" nodeType="tmRoot"/>
+      </p:par>
+    </p:tnLst>
+  </p:timing>
 </p:sld>
 </file>
 
@@ -3811,8 +4280,51 @@
           <a:p>
             <a:r>
               <a:rPr lang="fr-CH" dirty="0" smtClean="0"/>
-              <a:t>…</a:t>
-            </a:r>
+              <a:t>Application de traitements de graphes</a:t>
+            </a:r>
+          </a:p>
+          <a:p>
+            <a:r>
+              <a:rPr lang="fr-CH" dirty="0" smtClean="0"/>
+              <a:t>Fonctionnalités</a:t>
+            </a:r>
+          </a:p>
+          <a:p>
+            <a:pPr lvl="1"/>
+            <a:r>
+              <a:rPr lang="fr-CH" dirty="0" smtClean="0"/>
+              <a:t>Saisie de graphe (langage spécifique)</a:t>
+            </a:r>
+          </a:p>
+          <a:p>
+            <a:pPr lvl="1"/>
+            <a:r>
+              <a:rPr lang="fr-CH" dirty="0" smtClean="0"/>
+              <a:t>Application d’algorithmes classiques</a:t>
+            </a:r>
+          </a:p>
+          <a:p>
+            <a:pPr lvl="1"/>
+            <a:r>
+              <a:rPr lang="fr-CH" dirty="0" smtClean="0"/>
+              <a:t>Représentation visuelle</a:t>
+            </a:r>
+          </a:p>
+          <a:p>
+            <a:pPr lvl="2"/>
+            <a:r>
+              <a:rPr lang="fr-CH" dirty="0" smtClean="0"/>
+              <a:t>Exportation en SVG</a:t>
+            </a:r>
+          </a:p>
+          <a:p>
+            <a:pPr lvl="1"/>
+            <a:r>
+              <a:rPr lang="fr-CH" dirty="0" smtClean="0"/>
+              <a:t>Menu d’aide</a:t>
+            </a:r>
+          </a:p>
+          <a:p>
             <a:endParaRPr lang="fr-CH" dirty="0"/>
           </a:p>
         </p:txBody>
@@ -3837,6 +4349,29 @@
               <a:pPr/>
               <a:t>3</a:t>
             </a:fld>
+            <a:endParaRPr lang="en-US" dirty="0"/>
+          </a:p>
+        </p:txBody>
+      </p:sp>
+      <p:sp>
+        <p:nvSpPr>
+          <p:cNvPr id="5" name="Footer Placeholder 4"/>
+          <p:cNvSpPr>
+            <a:spLocks noGrp="1"/>
+          </p:cNvSpPr>
+          <p:nvPr>
+            <p:ph type="ftr" sz="quarter" idx="11"/>
+          </p:nvPr>
+        </p:nvSpPr>
+        <p:spPr/>
+        <p:txBody>
+          <a:bodyPr/>
+          <a:lstStyle/>
+          <a:p>
+            <a:r>
+              <a:rPr lang="en-US" dirty="0" smtClean="0"/>
+              <a:t>Browne, Champion, Djomo, Hardy, Richoz, Rochat</a:t>
+            </a:r>
             <a:endParaRPr lang="en-US" dirty="0"/>
           </a:p>
         </p:txBody>
@@ -3851,6 +4386,13 @@
   <p:clrMapOvr>
     <a:masterClrMapping/>
   </p:clrMapOvr>
+  <p:timing>
+    <p:tnLst>
+      <p:par>
+        <p:cTn id="1" dur="indefinite" restart="never" nodeType="tmRoot"/>
+      </p:par>
+    </p:tnLst>
+  </p:timing>
 </p:sld>
 </file>
 
@@ -3911,14 +4453,22 @@
           <a:p>
             <a:r>
               <a:rPr lang="fr-CH" dirty="0" smtClean="0"/>
-              <a:t>Approche:</a:t>
-            </a:r>
+              <a:t>Approche</a:t>
+            </a:r>
+            <a:endParaRPr lang="fr-CH" dirty="0"/>
           </a:p>
           <a:p>
             <a:pPr lvl="1"/>
             <a:r>
               <a:rPr lang="fr-CH" dirty="0" smtClean="0"/>
-              <a:t>…</a:t>
+              <a:t>Division du problème en couches</a:t>
+            </a:r>
+          </a:p>
+          <a:p>
+            <a:pPr lvl="1"/>
+            <a:r>
+              <a:rPr lang="fr-CH" dirty="0" smtClean="0"/>
+              <a:t>Modèles de conception réutilisables</a:t>
             </a:r>
           </a:p>
           <a:p>
@@ -3931,9 +4481,30 @@
             <a:pPr lvl="1"/>
             <a:r>
               <a:rPr lang="fr-CH" dirty="0" smtClean="0"/>
-              <a:t>…</a:t>
-            </a:r>
-            <a:endParaRPr lang="fr-CH" dirty="0"/>
+              <a:t>C++11</a:t>
+            </a:r>
+          </a:p>
+          <a:p>
+            <a:pPr lvl="1"/>
+            <a:r>
+              <a:rPr lang="fr-CH" dirty="0" smtClean="0"/>
+              <a:t>Boost.Spirit</a:t>
+            </a:r>
+          </a:p>
+          <a:p>
+            <a:pPr lvl="1"/>
+            <a:r>
+              <a:rPr lang="fr-CH" dirty="0" smtClean="0"/>
+              <a:t>Qt 5</a:t>
+            </a:r>
+          </a:p>
+          <a:p>
+            <a:pPr lvl="1"/>
+            <a:r>
+              <a:rPr lang="fr-CH" dirty="0" smtClean="0"/>
+              <a:t>HTML</a:t>
+            </a:r>
+            <a:endParaRPr lang="fr-CH" dirty="0" smtClean="0"/>
           </a:p>
         </p:txBody>
       </p:sp>
@@ -3957,6 +4528,29 @@
               <a:pPr/>
               <a:t>4</a:t>
             </a:fld>
+            <a:endParaRPr lang="en-US" dirty="0"/>
+          </a:p>
+        </p:txBody>
+      </p:sp>
+      <p:sp>
+        <p:nvSpPr>
+          <p:cNvPr id="5" name="Footer Placeholder 4"/>
+          <p:cNvSpPr>
+            <a:spLocks noGrp="1"/>
+          </p:cNvSpPr>
+          <p:nvPr>
+            <p:ph type="ftr" sz="quarter" idx="11"/>
+          </p:nvPr>
+        </p:nvSpPr>
+        <p:spPr/>
+        <p:txBody>
+          <a:bodyPr/>
+          <a:lstStyle/>
+          <a:p>
+            <a:r>
+              <a:rPr lang="en-US" dirty="0" smtClean="0"/>
+              <a:t>Browne, Champion, Djomo, Hardy, Richoz, Rochat</a:t>
+            </a:r>
             <a:endParaRPr lang="en-US" dirty="0"/>
           </a:p>
         </p:txBody>
@@ -3971,6 +4565,13 @@
   <p:clrMapOvr>
     <a:masterClrMapping/>
   </p:clrMapOvr>
+  <p:timing>
+    <p:tnLst>
+      <p:par>
+        <p:cTn id="1" dur="indefinite" restart="never" nodeType="tmRoot"/>
+      </p:par>
+    </p:tnLst>
+  </p:timing>
 </p:sld>
 </file>
 
@@ -4038,7 +4639,7 @@
         </p:blipFill>
         <p:spPr>
           <a:xfrm>
-            <a:off x="887358" y="2152648"/>
+            <a:off x="859649" y="1958685"/>
             <a:ext cx="4922947" cy="3703641"/>
           </a:xfrm>
         </p:spPr>
@@ -4103,6 +4704,29 @@
               <a:pPr/>
               <a:t>5</a:t>
             </a:fld>
+            <a:endParaRPr lang="en-US" dirty="0"/>
+          </a:p>
+        </p:txBody>
+      </p:sp>
+      <p:sp>
+        <p:nvSpPr>
+          <p:cNvPr id="3" name="Footer Placeholder 2"/>
+          <p:cNvSpPr>
+            <a:spLocks noGrp="1"/>
+          </p:cNvSpPr>
+          <p:nvPr>
+            <p:ph type="ftr" sz="quarter" idx="11"/>
+          </p:nvPr>
+        </p:nvSpPr>
+        <p:spPr/>
+        <p:txBody>
+          <a:bodyPr/>
+          <a:lstStyle/>
+          <a:p>
+            <a:r>
+              <a:rPr lang="en-US" dirty="0" smtClean="0"/>
+              <a:t>Browne, Champion, Djomo, Hardy, Richoz, Rochat</a:t>
+            </a:r>
             <a:endParaRPr lang="en-US" dirty="0"/>
           </a:p>
         </p:txBody>
@@ -4117,6 +4741,13 @@
   <p:clrMapOvr>
     <a:masterClrMapping/>
   </p:clrMapOvr>
+  <p:timing>
+    <p:tnLst>
+      <p:par>
+        <p:cTn id="1" dur="indefinite" restart="never" nodeType="tmRoot"/>
+      </p:par>
+    </p:tnLst>
+  </p:timing>
 </p:sld>
 </file>
 
@@ -4177,9 +4808,34 @@
           <a:p>
             <a:r>
               <a:rPr lang="fr-CH" dirty="0" smtClean="0"/>
-              <a:t>…</a:t>
-            </a:r>
-            <a:endParaRPr lang="fr-CH" dirty="0"/>
+              <a:t>Apprentissage de Qt</a:t>
+            </a:r>
+          </a:p>
+          <a:p>
+            <a:pPr lvl="1"/>
+            <a:r>
+              <a:rPr lang="fr-CH" dirty="0" smtClean="0"/>
+              <a:t>Beaucoup de choix </a:t>
+            </a:r>
+            <a:endParaRPr lang="fr-CH" dirty="0" smtClean="0"/>
+          </a:p>
+          <a:p>
+            <a:r>
+              <a:rPr lang="fr-CH" dirty="0" smtClean="0"/>
+              <a:t>Conception plus longue que prévue</a:t>
+            </a:r>
+          </a:p>
+          <a:p>
+            <a:r>
+              <a:rPr lang="fr-CH" dirty="0" smtClean="0"/>
+              <a:t>Couche graphe sous-estimée</a:t>
+            </a:r>
+          </a:p>
+          <a:p>
+            <a:r>
+              <a:rPr lang="fr-CH" dirty="0" smtClean="0"/>
+              <a:t>Mise en commun des différentes couches</a:t>
+            </a:r>
           </a:p>
         </p:txBody>
       </p:sp>
@@ -4207,6 +4863,59 @@
           </a:p>
         </p:txBody>
       </p:sp>
+      <p:sp>
+        <p:nvSpPr>
+          <p:cNvPr id="5" name="Footer Placeholder 4"/>
+          <p:cNvSpPr>
+            <a:spLocks noGrp="1"/>
+          </p:cNvSpPr>
+          <p:nvPr>
+            <p:ph type="ftr" sz="quarter" idx="11"/>
+          </p:nvPr>
+        </p:nvSpPr>
+        <p:spPr/>
+        <p:txBody>
+          <a:bodyPr/>
+          <a:lstStyle/>
+          <a:p>
+            <a:r>
+              <a:rPr lang="en-US" dirty="0" smtClean="0"/>
+              <a:t>Browne, Champion, Djomo, Hardy, Richoz, Rochat</a:t>
+            </a:r>
+            <a:endParaRPr lang="en-US" dirty="0"/>
+          </a:p>
+        </p:txBody>
+      </p:sp>
+      <p:pic>
+        <p:nvPicPr>
+          <p:cNvPr id="7" name="Picture 6"/>
+          <p:cNvPicPr>
+            <a:picLocks noChangeAspect="1"/>
+          </p:cNvPicPr>
+          <p:nvPr/>
+        </p:nvPicPr>
+        <p:blipFill>
+          <a:blip r:embed="rId2">
+            <a:extLst>
+              <a:ext uri="{28A0092B-C50C-407E-A947-70E740481C1C}">
+                <a14:useLocalDpi xmlns:a14="http://schemas.microsoft.com/office/drawing/2010/main" val="0"/>
+              </a:ext>
+            </a:extLst>
+          </a:blip>
+          <a:stretch>
+            <a:fillRect/>
+          </a:stretch>
+        </p:blipFill>
+        <p:spPr>
+          <a:xfrm>
+            <a:off x="575409" y="822960"/>
+            <a:ext cx="7945136" cy="5120640"/>
+          </a:xfrm>
+          <a:prstGeom prst="rect">
+            <a:avLst/>
+          </a:prstGeom>
+        </p:spPr>
+      </p:pic>
     </p:spTree>
     <p:extLst>
       <p:ext uri="{BB962C8B-B14F-4D97-AF65-F5344CB8AC3E}">
@@ -4217,6 +4926,89 @@
   <p:clrMapOvr>
     <a:masterClrMapping/>
   </p:clrMapOvr>
+  <p:timing>
+    <p:tnLst>
+      <p:par>
+        <p:cTn id="1" dur="indefinite" restart="never" nodeType="tmRoot">
+          <p:childTnLst>
+            <p:seq concurrent="1" nextAc="seek">
+              <p:cTn id="2" dur="indefinite" nodeType="mainSeq">
+                <p:childTnLst>
+                  <p:par>
+                    <p:cTn id="3" fill="hold">
+                      <p:stCondLst>
+                        <p:cond delay="indefinite"/>
+                      </p:stCondLst>
+                      <p:childTnLst>
+                        <p:par>
+                          <p:cTn id="4" fill="hold">
+                            <p:stCondLst>
+                              <p:cond delay="0"/>
+                            </p:stCondLst>
+                            <p:childTnLst>
+                              <p:par>
+                                <p:cTn id="5" presetID="10" presetClass="entr" presetSubtype="0" fill="hold" nodeType="clickEffect">
+                                  <p:stCondLst>
+                                    <p:cond delay="0"/>
+                                  </p:stCondLst>
+                                  <p:childTnLst>
+                                    <p:set>
+                                      <p:cBhvr>
+                                        <p:cTn id="6" dur="1" fill="hold">
+                                          <p:stCondLst>
+                                            <p:cond delay="0"/>
+                                          </p:stCondLst>
+                                        </p:cTn>
+                                        <p:tgtEl>
+                                          <p:spTgt spid="7"/>
+                                        </p:tgtEl>
+                                        <p:attrNameLst>
+                                          <p:attrName>style.visibility</p:attrName>
+                                        </p:attrNameLst>
+                                      </p:cBhvr>
+                                      <p:to>
+                                        <p:strVal val="visible"/>
+                                      </p:to>
+                                    </p:set>
+                                    <p:animEffect transition="in" filter="fade">
+                                      <p:cBhvr>
+                                        <p:cTn id="7" dur="500"/>
+                                        <p:tgtEl>
+                                          <p:spTgt spid="7"/>
+                                        </p:tgtEl>
+                                      </p:cBhvr>
+                                    </p:animEffect>
+                                  </p:childTnLst>
+                                </p:cTn>
+                              </p:par>
+                            </p:childTnLst>
+                          </p:cTn>
+                        </p:par>
+                      </p:childTnLst>
+                    </p:cTn>
+                  </p:par>
+                </p:childTnLst>
+              </p:cTn>
+              <p:prevCondLst>
+                <p:cond evt="onPrev" delay="0">
+                  <p:tgtEl>
+                    <p:sldTgt/>
+                  </p:tgtEl>
+                </p:cond>
+              </p:prevCondLst>
+              <p:nextCondLst>
+                <p:cond evt="onNext" delay="0">
+                  <p:tgtEl>
+                    <p:sldTgt/>
+                  </p:tgtEl>
+                </p:cond>
+              </p:nextCondLst>
+            </p:seq>
+          </p:childTnLst>
+        </p:cTn>
+      </p:par>
+    </p:tnLst>
+  </p:timing>
 </p:sld>
 </file>
 
@@ -4277,9 +5069,47 @@
           <a:p>
             <a:r>
               <a:rPr lang="fr-CH" dirty="0" smtClean="0"/>
-              <a:t>…</a:t>
+              <a:t>Plantage avec certains graphes</a:t>
+            </a:r>
+          </a:p>
+          <a:p>
+            <a:pPr lvl="1"/>
+            <a:r>
+              <a:rPr lang="fr-CH" dirty="0" smtClean="0"/>
+              <a:t>Lors de la visualisation</a:t>
+            </a:r>
+          </a:p>
+          <a:p>
+            <a:pPr lvl="1"/>
+            <a:r>
+              <a:rPr lang="fr-CH" dirty="0" smtClean="0"/>
+              <a:t>Avec certaines fonctions</a:t>
+            </a:r>
+          </a:p>
+          <a:p>
+            <a:r>
+              <a:rPr lang="fr-CH" dirty="0" smtClean="0"/>
+              <a:t>Fuites mémoire</a:t>
             </a:r>
             <a:endParaRPr lang="fr-CH" dirty="0"/>
+          </a:p>
+          <a:p>
+            <a:endParaRPr lang="fr-CH" dirty="0"/>
+          </a:p>
+          <a:p>
+            <a:pPr marL="0" indent="0">
+              <a:buNone/>
+            </a:pPr>
+            <a:endParaRPr lang="fr-CH" dirty="0" smtClean="0"/>
+          </a:p>
+          <a:p>
+            <a:pPr marL="0" indent="0">
+              <a:buNone/>
+            </a:pPr>
+            <a:r>
+              <a:rPr lang="fr-CH" dirty="0" smtClean="0"/>
+              <a:t>Cependant, les causes sont connues</a:t>
+            </a:r>
           </a:p>
         </p:txBody>
       </p:sp>
@@ -4303,6 +5133,29 @@
               <a:pPr/>
               <a:t>7</a:t>
             </a:fld>
+            <a:endParaRPr lang="en-US" dirty="0"/>
+          </a:p>
+        </p:txBody>
+      </p:sp>
+      <p:sp>
+        <p:nvSpPr>
+          <p:cNvPr id="5" name="Footer Placeholder 4"/>
+          <p:cNvSpPr>
+            <a:spLocks noGrp="1"/>
+          </p:cNvSpPr>
+          <p:nvPr>
+            <p:ph type="ftr" sz="quarter" idx="11"/>
+          </p:nvPr>
+        </p:nvSpPr>
+        <p:spPr/>
+        <p:txBody>
+          <a:bodyPr/>
+          <a:lstStyle/>
+          <a:p>
+            <a:r>
+              <a:rPr lang="en-US" dirty="0" smtClean="0"/>
+              <a:t>Browne, Champion, Djomo, Hardy, Richoz, Rochat</a:t>
+            </a:r>
             <a:endParaRPr lang="en-US" dirty="0"/>
           </a:p>
         </p:txBody>
@@ -4317,6 +5170,13 @@
   <p:clrMapOvr>
     <a:masterClrMapping/>
   </p:clrMapOvr>
+  <p:timing>
+    <p:tnLst>
+      <p:par>
+        <p:cTn id="1" dur="indefinite" restart="never" nodeType="tmRoot"/>
+      </p:par>
+    </p:tnLst>
+  </p:timing>
 </p:sld>
 </file>
 
@@ -4339,7 +5199,7 @@
       </p:grpSpPr>
       <p:sp>
         <p:nvSpPr>
-          <p:cNvPr id="2" name="Titre 1"/>
+          <p:cNvPr id="2" name="Title 1"/>
           <p:cNvSpPr>
             <a:spLocks noGrp="1"/>
           </p:cNvSpPr>
@@ -4353,16 +5213,16 @@
           <a:lstStyle/>
           <a:p>
             <a:r>
-              <a:rPr lang="fr-CH" dirty="0" smtClean="0"/>
-              <a:t>Conclusion</a:t>
-            </a:r>
-            <a:endParaRPr lang="fr-CH" dirty="0"/>
-          </a:p>
-        </p:txBody>
-      </p:sp>
-      <p:sp>
-        <p:nvSpPr>
-          <p:cNvPr id="3" name="Espace réservé du contenu 2"/>
+              <a:rPr lang="fr-FR" dirty="0" smtClean="0"/>
+              <a:t>Améliorations</a:t>
+            </a:r>
+            <a:endParaRPr lang="fr-FR" dirty="0"/>
+          </a:p>
+        </p:txBody>
+      </p:sp>
+      <p:sp>
+        <p:nvSpPr>
+          <p:cNvPr id="3" name="Content Placeholder 2"/>
           <p:cNvSpPr>
             <a:spLocks noGrp="1"/>
           </p:cNvSpPr>
@@ -4376,16 +5236,77 @@
           <a:lstStyle/>
           <a:p>
             <a:r>
-              <a:rPr lang="fr-CH" dirty="0" smtClean="0"/>
-              <a:t>… et démonstration ?</a:t>
-            </a:r>
-            <a:endParaRPr lang="fr-CH" dirty="0"/>
-          </a:p>
-        </p:txBody>
-      </p:sp>
-      <p:sp>
-        <p:nvSpPr>
-          <p:cNvPr id="4" name="Espace réservé du numéro de diapositive 3"/>
+              <a:rPr lang="fr-FR" dirty="0" smtClean="0"/>
+              <a:t>Correction des bugs </a:t>
+            </a:r>
+          </a:p>
+          <a:p>
+            <a:r>
+              <a:rPr lang="fr-FR" dirty="0" smtClean="0"/>
+              <a:t>Design de la GUI</a:t>
+            </a:r>
+          </a:p>
+          <a:p>
+            <a:pPr lvl="1"/>
+            <a:r>
+              <a:rPr lang="fr-FR" dirty="0" smtClean="0"/>
+              <a:t>Affichage des variables créées</a:t>
+            </a:r>
+          </a:p>
+          <a:p>
+            <a:pPr lvl="1"/>
+            <a:r>
+              <a:rPr lang="fr-FR" dirty="0" smtClean="0"/>
+              <a:t>Coloration syntaxique</a:t>
+            </a:r>
+          </a:p>
+          <a:p>
+            <a:r>
+              <a:rPr lang="fr-FR" dirty="0" smtClean="0"/>
+              <a:t>Davantage d’algorithmes</a:t>
+            </a:r>
+          </a:p>
+          <a:p>
+            <a:r>
+              <a:rPr lang="fr-FR" dirty="0" smtClean="0"/>
+              <a:t>Exportation dans d’autres formats</a:t>
+            </a:r>
+          </a:p>
+          <a:p>
+            <a:r>
+              <a:rPr lang="fr-FR" dirty="0" smtClean="0"/>
+              <a:t>Dessin avec un minimum de chevauchements</a:t>
+            </a:r>
+            <a:endParaRPr lang="fr-FR" dirty="0"/>
+          </a:p>
+        </p:txBody>
+      </p:sp>
+      <p:sp>
+        <p:nvSpPr>
+          <p:cNvPr id="4" name="Footer Placeholder 3"/>
+          <p:cNvSpPr>
+            <a:spLocks noGrp="1"/>
+          </p:cNvSpPr>
+          <p:nvPr>
+            <p:ph type="ftr" sz="quarter" idx="11"/>
+          </p:nvPr>
+        </p:nvSpPr>
+        <p:spPr/>
+        <p:txBody>
+          <a:bodyPr/>
+          <a:lstStyle/>
+          <a:p>
+            <a:r>
+              <a:rPr lang="en-US" dirty="0" smtClean="0"/>
+              <a:t>Browne, Champion, Djomo, Hardy, Richoz, Rochat</a:t>
+            </a:r>
+            <a:endParaRPr lang="en-US" dirty="0"/>
+          </a:p>
+        </p:txBody>
+      </p:sp>
+      <p:sp>
+        <p:nvSpPr>
+          <p:cNvPr id="5" name="Slide Number Placeholder 4"/>
           <p:cNvSpPr>
             <a:spLocks noGrp="1"/>
           </p:cNvSpPr>
@@ -4402,6 +5323,208 @@
               <a:rPr lang="en-US" smtClean="0"/>
               <a:pPr/>
               <a:t>8</a:t>
+            </a:fld>
+            <a:endParaRPr lang="en-US" dirty="0"/>
+          </a:p>
+        </p:txBody>
+      </p:sp>
+    </p:spTree>
+    <p:extLst>
+      <p:ext uri="{BB962C8B-B14F-4D97-AF65-F5344CB8AC3E}">
+        <p14:creationId xmlns:p14="http://schemas.microsoft.com/office/powerpoint/2010/main" val="2845275094"/>
+      </p:ext>
+    </p:extLst>
+  </p:cSld>
+  <p:clrMapOvr>
+    <a:masterClrMapping/>
+  </p:clrMapOvr>
+  <p:timing>
+    <p:tnLst>
+      <p:par>
+        <p:cTn id="1" dur="indefinite" restart="never" nodeType="tmRoot"/>
+      </p:par>
+    </p:tnLst>
+  </p:timing>
+</p:sld>
+</file>
+
+<file path=ppt/slides/slide9.xml><?xml version="1.0" encoding="utf-8"?>
+<p:sld xmlns:a="http://schemas.openxmlformats.org/drawingml/2006/main" xmlns:r="http://schemas.openxmlformats.org/officeDocument/2006/relationships" xmlns:p="http://schemas.openxmlformats.org/presentationml/2006/main">
+  <p:cSld>
+    <p:spTree>
+      <p:nvGrpSpPr>
+        <p:cNvPr id="1" name=""/>
+        <p:cNvGrpSpPr/>
+        <p:nvPr/>
+      </p:nvGrpSpPr>
+      <p:grpSpPr>
+        <a:xfrm>
+          <a:off x="0" y="0"/>
+          <a:ext cx="0" cy="0"/>
+          <a:chOff x="0" y="0"/>
+          <a:chExt cx="0" cy="0"/>
+        </a:xfrm>
+      </p:grpSpPr>
+      <p:sp>
+        <p:nvSpPr>
+          <p:cNvPr id="2" name="Titre 1"/>
+          <p:cNvSpPr>
+            <a:spLocks noGrp="1"/>
+          </p:cNvSpPr>
+          <p:nvPr>
+            <p:ph type="title"/>
+          </p:nvPr>
+        </p:nvSpPr>
+        <p:spPr/>
+        <p:txBody>
+          <a:bodyPr/>
+          <a:lstStyle/>
+          <a:p>
+            <a:r>
+              <a:rPr lang="fr-CH" dirty="0" smtClean="0"/>
+              <a:t>Conclusion</a:t>
+            </a:r>
+            <a:endParaRPr lang="fr-CH" dirty="0"/>
+          </a:p>
+        </p:txBody>
+      </p:sp>
+      <p:sp>
+        <p:nvSpPr>
+          <p:cNvPr id="7" name="Content Placeholder 6"/>
+          <p:cNvSpPr>
+            <a:spLocks noGrp="1"/>
+          </p:cNvSpPr>
+          <p:nvPr>
+            <p:ph idx="1"/>
+          </p:nvPr>
+        </p:nvSpPr>
+        <p:spPr/>
+        <p:txBody>
+          <a:bodyPr/>
+          <a:lstStyle/>
+          <a:p>
+            <a:r>
+              <a:rPr lang="fr-FR" dirty="0" smtClean="0"/>
+              <a:t>Application</a:t>
+            </a:r>
+          </a:p>
+          <a:p>
+            <a:pPr lvl="1"/>
+            <a:r>
+              <a:rPr lang="fr-FR" dirty="0" smtClean="0"/>
+              <a:t>Satisfaits de l’application</a:t>
+            </a:r>
+          </a:p>
+          <a:p>
+            <a:pPr lvl="2"/>
+            <a:r>
+              <a:rPr lang="fr-FR" dirty="0" smtClean="0"/>
+              <a:t>malgré la présence de bugs</a:t>
+            </a:r>
+          </a:p>
+          <a:p>
+            <a:pPr lvl="1"/>
+            <a:r>
+              <a:rPr lang="fr-FR" dirty="0" smtClean="0"/>
+              <a:t>Couches indépendantes et réutilisables</a:t>
+            </a:r>
+          </a:p>
+          <a:p>
+            <a:r>
+              <a:rPr lang="fr-FR" dirty="0" smtClean="0"/>
+              <a:t>Travail en groupe</a:t>
+            </a:r>
+          </a:p>
+          <a:p>
+            <a:pPr lvl="1"/>
+            <a:r>
+              <a:rPr lang="fr-FR" dirty="0" smtClean="0"/>
+              <a:t>Laxisme en début de semestre</a:t>
+            </a:r>
+          </a:p>
+          <a:p>
+            <a:pPr lvl="1"/>
+            <a:r>
+              <a:rPr lang="fr-FR" dirty="0" smtClean="0"/>
+              <a:t>« Rushes » productifs et motivants</a:t>
+            </a:r>
+          </a:p>
+          <a:p>
+            <a:pPr lvl="2"/>
+            <a:r>
+              <a:rPr lang="fr-FR" dirty="0"/>
+              <a:t>à</a:t>
+            </a:r>
+            <a:r>
+              <a:rPr lang="fr-FR" dirty="0" smtClean="0"/>
+              <a:t> faire plus souvent</a:t>
+            </a:r>
+          </a:p>
+          <a:p>
+            <a:r>
+              <a:rPr lang="fr-FR" dirty="0" smtClean="0"/>
+              <a:t>Planification</a:t>
+            </a:r>
+          </a:p>
+          <a:p>
+            <a:pPr lvl="1"/>
+            <a:r>
+              <a:rPr lang="fr-FR" dirty="0" smtClean="0"/>
+              <a:t>Tâches personnelles pas assez parallélisées </a:t>
+            </a:r>
+          </a:p>
+          <a:p>
+            <a:pPr lvl="1"/>
+            <a:endParaRPr lang="fr-FR" dirty="0" smtClean="0"/>
+          </a:p>
+          <a:p>
+            <a:pPr lvl="1"/>
+            <a:endParaRPr lang="fr-FR" dirty="0"/>
+          </a:p>
+        </p:txBody>
+      </p:sp>
+      <p:sp>
+        <p:nvSpPr>
+          <p:cNvPr id="5" name="Footer Placeholder 4"/>
+          <p:cNvSpPr>
+            <a:spLocks noGrp="1"/>
+          </p:cNvSpPr>
+          <p:nvPr>
+            <p:ph type="ftr" sz="quarter" idx="11"/>
+          </p:nvPr>
+        </p:nvSpPr>
+        <p:spPr/>
+        <p:txBody>
+          <a:bodyPr/>
+          <a:lstStyle/>
+          <a:p>
+            <a:r>
+              <a:rPr lang="en-US" dirty="0" smtClean="0"/>
+              <a:t>Browne, Champion, Djomo, Hardy, Richoz, Rochat</a:t>
+            </a:r>
+            <a:endParaRPr lang="en-US" dirty="0"/>
+          </a:p>
+        </p:txBody>
+      </p:sp>
+      <p:sp>
+        <p:nvSpPr>
+          <p:cNvPr id="4" name="Espace réservé du numéro de diapositive 3"/>
+          <p:cNvSpPr>
+            <a:spLocks noGrp="1"/>
+          </p:cNvSpPr>
+          <p:nvPr>
+            <p:ph type="sldNum" sz="quarter" idx="12"/>
+          </p:nvPr>
+        </p:nvSpPr>
+        <p:spPr/>
+        <p:txBody>
+          <a:bodyPr/>
+          <a:lstStyle/>
+          <a:p>
+            <a:fld id="{D57F1E4F-1CFF-5643-939E-217C01CDF565}" type="slidenum">
+              <a:rPr lang="en-US" smtClean="0"/>
+              <a:pPr/>
+              <a:t>9</a:t>
             </a:fld>
             <a:endParaRPr lang="en-US" dirty="0"/>
           </a:p>
@@ -4417,6 +5540,13 @@
   <p:clrMapOvr>
     <a:masterClrMapping/>
   </p:clrMapOvr>
+  <p:timing>
+    <p:tnLst>
+      <p:par>
+        <p:cTn id="1" dur="indefinite" restart="never" nodeType="tmRoot"/>
+      </p:par>
+    </p:tnLst>
+  </p:timing>
 </p:sld>
 </file>
 

--- a/presentation/GraphY.pptx
+++ b/presentation/GraphY.pptx
@@ -206,7 +206,7 @@
           <a:p>
             <a:fld id="{AF28B09F-0466-45BE-9E78-25D72A7FABFF}" type="datetimeFigureOut">
               <a:rPr lang="fr-CH" smtClean="0"/>
-              <a:t>03.06.2016</a:t>
+              <a:t>06.06.2016</a:t>
             </a:fld>
             <a:endParaRPr lang="fr-CH" dirty="0"/>
           </a:p>
@@ -943,7 +943,7 @@
           <a:p>
             <a:fld id="{43C76626-FBB6-4B40-9410-F3906EB18262}" type="datetime1">
               <a:rPr lang="en-US" smtClean="0"/>
-              <a:t>6/3/2016</a:t>
+              <a:t>6/6/2016</a:t>
             </a:fld>
             <a:endParaRPr lang="en-US" dirty="0"/>
           </a:p>
@@ -1128,7 +1128,7 @@
           <a:p>
             <a:fld id="{64691CF2-69BD-4C27-A2C7-A5FA9A447048}" type="datetime1">
               <a:rPr lang="en-US" smtClean="0"/>
-              <a:t>6/3/2016</a:t>
+              <a:t>6/6/2016</a:t>
             </a:fld>
             <a:endParaRPr lang="en-US" dirty="0"/>
           </a:p>
@@ -1303,7 +1303,7 @@
           <a:p>
             <a:fld id="{D6041FA5-4C6C-4B89-B1D2-82A8EB895517}" type="datetime1">
               <a:rPr lang="en-US" smtClean="0"/>
-              <a:t>6/3/2016</a:t>
+              <a:t>6/6/2016</a:t>
             </a:fld>
             <a:endParaRPr lang="en-US" dirty="0"/>
           </a:p>
@@ -1596,7 +1596,7 @@
           <a:p>
             <a:fld id="{C397C25B-BBA8-48E4-AE3C-71FABF613F7F}" type="datetime1">
               <a:rPr lang="en-US" smtClean="0"/>
-              <a:t>6/3/2016</a:t>
+              <a:t>6/6/2016</a:t>
             </a:fld>
             <a:endParaRPr lang="en-US" dirty="0"/>
           </a:p>
@@ -1870,7 +1870,7 @@
           <a:p>
             <a:fld id="{C100E2E5-07F4-4D03-A0CD-BC739D20CF20}" type="datetime1">
               <a:rPr lang="en-US" smtClean="0"/>
-              <a:t>6/3/2016</a:t>
+              <a:t>6/6/2016</a:t>
             </a:fld>
             <a:endParaRPr lang="en-US" dirty="0"/>
           </a:p>
@@ -2259,7 +2259,7 @@
           <a:p>
             <a:fld id="{E8D126B3-5846-4974-AA8E-48CF87B745B2}" type="datetime1">
               <a:rPr lang="en-US" smtClean="0"/>
-              <a:t>6/3/2016</a:t>
+              <a:t>6/6/2016</a:t>
             </a:fld>
             <a:endParaRPr lang="en-US" dirty="0"/>
           </a:p>
@@ -2419,7 +2419,7 @@
           <a:p>
             <a:fld id="{1BFEB80F-15BA-446D-88FF-7F2FA067E768}" type="datetime1">
               <a:rPr lang="en-US" smtClean="0"/>
-              <a:t>6/3/2016</a:t>
+              <a:t>6/6/2016</a:t>
             </a:fld>
             <a:endParaRPr lang="en-US" dirty="0"/>
           </a:p>
@@ -2579,7 +2579,7 @@
           <a:p>
             <a:fld id="{19985235-57B9-420B-8A26-966C0A54D3C8}" type="datetime1">
               <a:rPr lang="en-US" smtClean="0"/>
-              <a:t>6/3/2016</a:t>
+              <a:t>6/6/2016</a:t>
             </a:fld>
             <a:endParaRPr lang="en-US" dirty="0"/>
           </a:p>
@@ -2875,7 +2875,7 @@
           <a:p>
             <a:fld id="{9D6FD31D-1D97-42AB-8D33-C3831B8137FE}" type="datetime1">
               <a:rPr lang="en-US" smtClean="0"/>
-              <a:t>6/3/2016</a:t>
+              <a:t>6/6/2016</a:t>
             </a:fld>
             <a:endParaRPr lang="en-US" dirty="0"/>
           </a:p>
@@ -3144,7 +3144,7 @@
           <a:p>
             <a:fld id="{1AA1D5F0-8E8E-4500-84C2-CE4F83C611F0}" type="datetime1">
               <a:rPr lang="en-US" smtClean="0"/>
-              <a:t>6/3/2016</a:t>
+              <a:t>6/6/2016</a:t>
             </a:fld>
             <a:endParaRPr lang="en-US" dirty="0"/>
           </a:p>
@@ -3363,7 +3363,7 @@
           <a:p>
             <a:fld id="{3D30FC33-0DAA-4966-A924-06BA75148EF2}" type="datetime1">
               <a:rPr lang="en-US" smtClean="0"/>
-              <a:t>6/3/2016</a:t>
+              <a:t>6/6/2016</a:t>
             </a:fld>
             <a:endParaRPr lang="en-US" dirty="0"/>
           </a:p>
@@ -3816,30 +3816,14 @@
           <a:p>
             <a:r>
               <a:rPr lang="fr-CH" dirty="0" smtClean="0"/>
-              <a:t>Browne </a:t>
-            </a:r>
+              <a:t>Browne Champion Djomo Hardy Richoz Rochat</a:t>
+            </a:r>
+            <a:endParaRPr lang="fr-CH" dirty="0"/>
+          </a:p>
+          <a:p>
             <a:r>
               <a:rPr lang="fr-CH" dirty="0" smtClean="0"/>
-              <a:t>Champion Djomo </a:t>
-            </a:r>
-            <a:r>
-              <a:rPr lang="fr-CH" dirty="0" smtClean="0"/>
-              <a:t>Hardy Richoz </a:t>
-            </a:r>
-            <a:r>
-              <a:rPr lang="fr-CH" dirty="0" smtClean="0"/>
-              <a:t>Rochat</a:t>
-            </a:r>
-            <a:endParaRPr lang="fr-CH" dirty="0"/>
-          </a:p>
-          <a:p>
-            <a:r>
-              <a:rPr lang="fr-CH" dirty="0" smtClean="0"/>
-              <a:t>Resp</a:t>
-            </a:r>
-            <a:r>
-              <a:rPr lang="fr-CH" dirty="0" smtClean="0"/>
-              <a:t>. René Rentsch</a:t>
+              <a:t>Resp. René Rentsch</a:t>
             </a:r>
             <a:endParaRPr lang="fr-CH" dirty="0"/>
           </a:p>
@@ -4078,44 +4062,34 @@
           <a:p>
             <a:r>
               <a:rPr lang="fr-CH" dirty="0" smtClean="0"/>
-              <a:t>Présentation du projet - Brain</a:t>
+              <a:t>Présentation du </a:t>
+            </a:r>
+            <a:r>
+              <a:rPr lang="fr-CH" dirty="0" smtClean="0"/>
+              <a:t>projet</a:t>
             </a:r>
             <a:endParaRPr lang="fr-CH" dirty="0" smtClean="0"/>
           </a:p>
           <a:p>
             <a:r>
               <a:rPr lang="fr-CH" dirty="0" smtClean="0"/>
-              <a:t>Approche de la problématique – </a:t>
-            </a:r>
-            <a:r>
-              <a:rPr lang="fr-CH" dirty="0" err="1" smtClean="0"/>
-              <a:t>Modjo</a:t>
+              <a:t>Approche de la </a:t>
             </a:r>
             <a:r>
               <a:rPr lang="fr-CH" dirty="0" smtClean="0"/>
-              <a:t> jojo</a:t>
-            </a:r>
-            <a:endParaRPr lang="fr-CH" dirty="0" smtClean="0"/>
+              <a:t>problématique</a:t>
+            </a:r>
           </a:p>
           <a:p>
             <a:r>
               <a:rPr lang="fr-CH" dirty="0" smtClean="0"/>
-              <a:t>Architecture </a:t>
-            </a:r>
+              <a:t>Architecture de l’application</a:t>
+            </a:r>
+          </a:p>
+          <a:p>
             <a:r>
               <a:rPr lang="fr-CH" dirty="0" smtClean="0"/>
-              <a:t>de l’application - Champignon</a:t>
-            </a:r>
-            <a:endParaRPr lang="fr-CH" dirty="0" smtClean="0"/>
-          </a:p>
-          <a:p>
-            <a:r>
-              <a:rPr lang="fr-CH" dirty="0"/>
-              <a:t>D</a:t>
-            </a:r>
-            <a:r>
-              <a:rPr lang="fr-CH" dirty="0" smtClean="0"/>
-              <a:t>ifficultés rencontrées – Riz chaud</a:t>
+              <a:t>Difficultés rencontrées</a:t>
             </a:r>
             <a:endParaRPr lang="fr-CH" dirty="0" smtClean="0"/>
           </a:p>
@@ -4126,24 +4100,21 @@
             </a:r>
             <a:r>
               <a:rPr lang="fr-CH" dirty="0" smtClean="0"/>
-              <a:t>connus - Ronchon</a:t>
-            </a:r>
+              <a:t>connus</a:t>
+            </a:r>
+            <a:endParaRPr lang="fr-CH" dirty="0" smtClean="0"/>
           </a:p>
           <a:p>
             <a:r>
               <a:rPr lang="fr-CH" dirty="0" smtClean="0"/>
-              <a:t>Améliorations - </a:t>
-            </a:r>
-            <a:r>
-              <a:rPr lang="fr-CH" dirty="0" err="1" smtClean="0"/>
-              <a:t>Hardu</a:t>
+              <a:t>Améliorations</a:t>
             </a:r>
             <a:endParaRPr lang="fr-CH" dirty="0" smtClean="0"/>
           </a:p>
           <a:p>
             <a:r>
               <a:rPr lang="fr-CH" dirty="0" smtClean="0"/>
-              <a:t>Conclusion - Brain</a:t>
+              <a:t>Conclusion</a:t>
             </a:r>
             <a:endParaRPr lang="fr-CH" dirty="0" smtClean="0"/>
           </a:p>
@@ -4494,15 +4465,16 @@
           <a:p>
             <a:pPr lvl="1"/>
             <a:r>
-              <a:rPr lang="fr-CH" dirty="0" smtClean="0"/>
-              <a:t>Qt 5</a:t>
-            </a:r>
-          </a:p>
-          <a:p>
-            <a:pPr lvl="1"/>
-            <a:r>
-              <a:rPr lang="fr-CH" dirty="0" smtClean="0"/>
-              <a:t>HTML</a:t>
+              <a:rPr lang="fr-CH" dirty="0" err="1" smtClean="0"/>
+              <a:t>Qt</a:t>
+            </a:r>
+            <a:r>
+              <a:rPr lang="fr-CH" smtClean="0"/>
+              <a:t> </a:t>
+            </a:r>
+            <a:r>
+              <a:rPr lang="fr-CH" smtClean="0"/>
+              <a:t>5</a:t>
             </a:r>
             <a:endParaRPr lang="fr-CH" dirty="0" smtClean="0"/>
           </a:p>
@@ -4817,7 +4789,6 @@
               <a:rPr lang="fr-CH" dirty="0" smtClean="0"/>
               <a:t>Beaucoup de choix </a:t>
             </a:r>
-            <a:endParaRPr lang="fr-CH" dirty="0" smtClean="0"/>
           </a:p>
           <a:p>
             <a:r>

--- a/presentation/GraphY.pptx
+++ b/presentation/GraphY.pptx
@@ -365,7 +365,7 @@
           <a:p>
             <a:fld id="{135558CC-D944-408D-80C8-CC88573B5A11}" type="slidenum">
               <a:rPr lang="fr-CH" smtClean="0"/>
-              <a:t>‹#›</a:t>
+              <a:t>‹N°›</a:t>
             </a:fld>
             <a:endParaRPr lang="fr-CH" dirty="0"/>
           </a:p>
@@ -642,6 +642,132 @@
 </p:notes>
 </file>
 
+<file path=ppt/notesSlides/notesSlide3.xml><?xml version="1.0" encoding="utf-8"?>
+<p:notes xmlns:a="http://schemas.openxmlformats.org/drawingml/2006/main" xmlns:r="http://schemas.openxmlformats.org/officeDocument/2006/relationships" xmlns:p="http://schemas.openxmlformats.org/presentationml/2006/main">
+  <p:cSld>
+    <p:spTree>
+      <p:nvGrpSpPr>
+        <p:cNvPr id="1" name=""/>
+        <p:cNvGrpSpPr/>
+        <p:nvPr/>
+      </p:nvGrpSpPr>
+      <p:grpSpPr>
+        <a:xfrm>
+          <a:off x="0" y="0"/>
+          <a:ext cx="0" cy="0"/>
+          <a:chOff x="0" y="0"/>
+          <a:chExt cx="0" cy="0"/>
+        </a:xfrm>
+      </p:grpSpPr>
+      <p:sp>
+        <p:nvSpPr>
+          <p:cNvPr id="2" name="Espace réservé de l'image des diapositives 1"/>
+          <p:cNvSpPr>
+            <a:spLocks noGrp="1" noRot="1" noChangeAspect="1"/>
+          </p:cNvSpPr>
+          <p:nvPr>
+            <p:ph type="sldImg"/>
+          </p:nvPr>
+        </p:nvSpPr>
+        <p:spPr/>
+      </p:sp>
+      <p:sp>
+        <p:nvSpPr>
+          <p:cNvPr id="3" name="Espace réservé des commentaires 2"/>
+          <p:cNvSpPr>
+            <a:spLocks noGrp="1"/>
+          </p:cNvSpPr>
+          <p:nvPr>
+            <p:ph type="body" idx="1"/>
+          </p:nvPr>
+        </p:nvSpPr>
+        <p:spPr/>
+        <p:txBody>
+          <a:bodyPr/>
+          <a:lstStyle/>
+          <a:p>
+            <a:pPr marL="171450" indent="-171450">
+              <a:buFontTx/>
+              <a:buChar char="-"/>
+            </a:pPr>
+            <a:r>
+              <a:rPr lang="fr-CH" dirty="0" smtClean="0"/>
+              <a:t>Expliquer chaque couche</a:t>
+            </a:r>
+          </a:p>
+          <a:p>
+            <a:pPr marL="628650" lvl="1" indent="-171450">
+              <a:buFontTx/>
+              <a:buChar char="-"/>
+            </a:pPr>
+            <a:r>
+              <a:rPr lang="fr-CH" dirty="0" smtClean="0"/>
+              <a:t>Avec</a:t>
+            </a:r>
+            <a:r>
+              <a:rPr lang="fr-CH" baseline="0" dirty="0" smtClean="0"/>
+              <a:t> ses dépendances</a:t>
+            </a:r>
+          </a:p>
+          <a:p>
+            <a:pPr marL="171450" lvl="0" indent="-171450">
+              <a:buFontTx/>
+              <a:buChar char="-"/>
+            </a:pPr>
+            <a:r>
+              <a:rPr lang="fr-CH" baseline="0" dirty="0" smtClean="0"/>
+              <a:t>Expliquer la réutilisabilité</a:t>
+            </a:r>
+          </a:p>
+          <a:p>
+            <a:pPr marL="628650" lvl="1" indent="-171450">
+              <a:buFontTx/>
+              <a:buChar char="-"/>
+            </a:pPr>
+            <a:r>
+              <a:rPr lang="fr-CH" baseline="0" dirty="0" smtClean="0"/>
+              <a:t>Pour toutes les couches</a:t>
+            </a:r>
+            <a:endParaRPr lang="fr-CH" dirty="0"/>
+          </a:p>
+        </p:txBody>
+      </p:sp>
+      <p:sp>
+        <p:nvSpPr>
+          <p:cNvPr id="4" name="Espace réservé du numéro de diapositive 3"/>
+          <p:cNvSpPr>
+            <a:spLocks noGrp="1"/>
+          </p:cNvSpPr>
+          <p:nvPr>
+            <p:ph type="sldNum" sz="quarter" idx="10"/>
+          </p:nvPr>
+        </p:nvSpPr>
+        <p:spPr/>
+        <p:txBody>
+          <a:bodyPr/>
+          <a:lstStyle/>
+          <a:p>
+            <a:fld id="{135558CC-D944-408D-80C8-CC88573B5A11}" type="slidenum">
+              <a:rPr lang="fr-CH" smtClean="0"/>
+              <a:t>5</a:t>
+            </a:fld>
+            <a:endParaRPr lang="fr-CH" dirty="0"/>
+          </a:p>
+        </p:txBody>
+      </p:sp>
+    </p:spTree>
+    <p:extLst>
+      <p:ext uri="{BB962C8B-B14F-4D97-AF65-F5344CB8AC3E}">
+        <p14:creationId xmlns:p14="http://schemas.microsoft.com/office/powerpoint/2010/main" val="2688613341"/>
+      </p:ext>
+    </p:extLst>
+  </p:cSld>
+  <p:clrMapOvr>
+    <a:masterClrMapping/>
+  </p:clrMapOvr>
+</p:notes>
+</file>
+
 <file path=ppt/slideLayouts/slideLayout1.xml><?xml version="1.0" encoding="utf-8"?>
 <p:sldLayout xmlns:a="http://schemas.openxmlformats.org/drawingml/2006/main" xmlns:r="http://schemas.openxmlformats.org/officeDocument/2006/relationships" xmlns:p="http://schemas.openxmlformats.org/presentationml/2006/main" type="title" preserve="1">
   <p:cSld name="Diapositive de titre">
@@ -808,7 +934,7 @@
             <a:fld id="{D57F1E4F-1CFF-5643-939E-217C01CDF565}" type="slidenum">
               <a:rPr lang="en-US" smtClean="0"/>
               <a:pPr/>
-              <a:t>‹#›</a:t>
+              <a:t>‹N°›</a:t>
             </a:fld>
             <a:endParaRPr lang="en-US" dirty="0"/>
           </a:p>
@@ -990,7 +1116,7 @@
             <a:fld id="{D57F1E4F-1CFF-5643-939E-217C01CDF565}" type="slidenum">
               <a:rPr lang="en-US" smtClean="0"/>
               <a:pPr/>
-              <a:t>‹#›</a:t>
+              <a:t>‹N°›</a:t>
             </a:fld>
             <a:endParaRPr lang="en-US" dirty="0"/>
           </a:p>
@@ -1175,7 +1301,7 @@
             <a:fld id="{D57F1E4F-1CFF-5643-939E-217C01CDF565}" type="slidenum">
               <a:rPr lang="en-US" smtClean="0"/>
               <a:pPr/>
-              <a:t>‹#›</a:t>
+              <a:t>‹N°›</a:t>
             </a:fld>
             <a:endParaRPr lang="en-US" dirty="0"/>
           </a:p>
@@ -1350,7 +1476,7 @@
             <a:fld id="{D57F1E4F-1CFF-5643-939E-217C01CDF565}" type="slidenum">
               <a:rPr lang="en-US" smtClean="0"/>
               <a:pPr/>
-              <a:t>‹#›</a:t>
+              <a:t>‹N°›</a:t>
             </a:fld>
             <a:endParaRPr lang="en-US" dirty="0"/>
           </a:p>
@@ -1643,7 +1769,7 @@
             <a:fld id="{D57F1E4F-1CFF-5643-939E-217C01CDF565}" type="slidenum">
               <a:rPr lang="en-US" smtClean="0"/>
               <a:pPr/>
-              <a:t>‹#›</a:t>
+              <a:t>‹N°›</a:t>
             </a:fld>
             <a:endParaRPr lang="en-US" dirty="0"/>
           </a:p>
@@ -1917,7 +2043,7 @@
             <a:fld id="{D57F1E4F-1CFF-5643-939E-217C01CDF565}" type="slidenum">
               <a:rPr lang="en-US" smtClean="0"/>
               <a:pPr/>
-              <a:t>‹#›</a:t>
+              <a:t>‹N°›</a:t>
             </a:fld>
             <a:endParaRPr lang="en-US" dirty="0"/>
           </a:p>
@@ -2306,7 +2432,7 @@
             <a:fld id="{D57F1E4F-1CFF-5643-939E-217C01CDF565}" type="slidenum">
               <a:rPr lang="en-US" smtClean="0"/>
               <a:pPr/>
-              <a:t>‹#›</a:t>
+              <a:t>‹N°›</a:t>
             </a:fld>
             <a:endParaRPr lang="en-US" dirty="0"/>
           </a:p>
@@ -2466,7 +2592,7 @@
             <a:fld id="{D57F1E4F-1CFF-5643-939E-217C01CDF565}" type="slidenum">
               <a:rPr lang="en-US" smtClean="0"/>
               <a:pPr/>
-              <a:t>‹#›</a:t>
+              <a:t>‹N°›</a:t>
             </a:fld>
             <a:endParaRPr lang="en-US" dirty="0"/>
           </a:p>
@@ -2626,7 +2752,7 @@
             <a:fld id="{D57F1E4F-1CFF-5643-939E-217C01CDF565}" type="slidenum">
               <a:rPr lang="en-US" smtClean="0"/>
               <a:pPr/>
-              <a:t>‹#›</a:t>
+              <a:t>‹N°›</a:t>
             </a:fld>
             <a:endParaRPr lang="en-US" dirty="0"/>
           </a:p>
@@ -2922,7 +3048,7 @@
             <a:fld id="{D57F1E4F-1CFF-5643-939E-217C01CDF565}" type="slidenum">
               <a:rPr lang="en-US" smtClean="0"/>
               <a:pPr/>
-              <a:t>‹#›</a:t>
+              <a:t>‹N°›</a:t>
             </a:fld>
             <a:endParaRPr lang="en-US" dirty="0"/>
           </a:p>
@@ -3191,7 +3317,7 @@
             <a:fld id="{D57F1E4F-1CFF-5643-939E-217C01CDF565}" type="slidenum">
               <a:rPr lang="en-US" smtClean="0"/>
               <a:pPr/>
-              <a:t>‹#›</a:t>
+              <a:t>‹N°›</a:t>
             </a:fld>
             <a:endParaRPr lang="en-US" dirty="0"/>
           </a:p>
@@ -3447,7 +3573,7 @@
             <a:fld id="{D57F1E4F-1CFF-5643-939E-217C01CDF565}" type="slidenum">
               <a:rPr lang="en-US" smtClean="0"/>
               <a:pPr/>
-              <a:t>‹#›</a:t>
+              <a:t>‹N°›</a:t>
             </a:fld>
             <a:endParaRPr lang="en-US" dirty="0"/>
           </a:p>
@@ -4062,22 +4188,13 @@
           <a:p>
             <a:r>
               <a:rPr lang="fr-CH" dirty="0" smtClean="0"/>
-              <a:t>Présentation du </a:t>
-            </a:r>
+              <a:t>Présentation du projet</a:t>
+            </a:r>
+          </a:p>
+          <a:p>
             <a:r>
               <a:rPr lang="fr-CH" dirty="0" smtClean="0"/>
-              <a:t>projet</a:t>
-            </a:r>
-            <a:endParaRPr lang="fr-CH" dirty="0" smtClean="0"/>
-          </a:p>
-          <a:p>
-            <a:r>
-              <a:rPr lang="fr-CH" dirty="0" smtClean="0"/>
-              <a:t>Approche de la </a:t>
-            </a:r>
-            <a:r>
-              <a:rPr lang="fr-CH" dirty="0" smtClean="0"/>
-              <a:t>problématique</a:t>
+              <a:t>Approche de la problématique</a:t>
             </a:r>
           </a:p>
           <a:p>
@@ -4091,32 +4208,24 @@
               <a:rPr lang="fr-CH" dirty="0" smtClean="0"/>
               <a:t>Difficultés rencontrées</a:t>
             </a:r>
-            <a:endParaRPr lang="fr-CH" dirty="0" smtClean="0"/>
           </a:p>
           <a:p>
             <a:r>
               <a:rPr lang="fr-CH" dirty="0" smtClean="0"/>
-              <a:t>Problèmes </a:t>
-            </a:r>
-            <a:r>
-              <a:rPr lang="fr-CH" dirty="0" smtClean="0"/>
-              <a:t>connus</a:t>
-            </a:r>
-            <a:endParaRPr lang="fr-CH" dirty="0" smtClean="0"/>
+              <a:t>Problèmes connus</a:t>
+            </a:r>
           </a:p>
           <a:p>
             <a:r>
               <a:rPr lang="fr-CH" dirty="0" smtClean="0"/>
               <a:t>Améliorations</a:t>
             </a:r>
-            <a:endParaRPr lang="fr-CH" dirty="0" smtClean="0"/>
           </a:p>
           <a:p>
             <a:r>
               <a:rPr lang="fr-CH" dirty="0" smtClean="0"/>
               <a:t>Conclusion</a:t>
             </a:r>
-            <a:endParaRPr lang="fr-CH" dirty="0" smtClean="0"/>
           </a:p>
           <a:p>
             <a:pPr lvl="1"/>
@@ -4470,11 +4579,7 @@
             </a:r>
             <a:r>
               <a:rPr lang="fr-CH" smtClean="0"/>
-              <a:t> </a:t>
-            </a:r>
-            <a:r>
-              <a:rPr lang="fr-CH" smtClean="0"/>
-              <a:t>5</a:t>
+              <a:t> 5</a:t>
             </a:r>
             <a:endParaRPr lang="fr-CH" dirty="0" smtClean="0"/>
           </a:p>
@@ -4598,7 +4703,7 @@
           </p:nvPr>
         </p:nvPicPr>
         <p:blipFill>
-          <a:blip r:embed="rId2">
+          <a:blip r:embed="rId3">
             <a:extLst>
               <a:ext uri="{28A0092B-C50C-407E-A947-70E740481C1C}">
                 <a14:useLocalDpi xmlns:a14="http://schemas.microsoft.com/office/drawing/2010/main" val="0"/>

--- a/presentation/GraphY.pptx
+++ b/presentation/GraphY.pptx
@@ -759,6 +759,504 @@
     <p:extLst>
       <p:ext uri="{BB962C8B-B14F-4D97-AF65-F5344CB8AC3E}">
         <p14:creationId xmlns:p14="http://schemas.microsoft.com/office/powerpoint/2010/main" val="2688613341"/>
+      </p:ext>
+    </p:extLst>
+  </p:cSld>
+  <p:clrMapOvr>
+    <a:masterClrMapping/>
+  </p:clrMapOvr>
+</p:notes>
+</file>
+
+<file path=ppt/notesSlides/notesSlide4.xml><?xml version="1.0" encoding="utf-8"?>
+<p:notes xmlns:a="http://schemas.openxmlformats.org/drawingml/2006/main" xmlns:r="http://schemas.openxmlformats.org/officeDocument/2006/relationships" xmlns:p="http://schemas.openxmlformats.org/presentationml/2006/main">
+  <p:cSld>
+    <p:spTree>
+      <p:nvGrpSpPr>
+        <p:cNvPr id="1" name=""/>
+        <p:cNvGrpSpPr/>
+        <p:nvPr/>
+      </p:nvGrpSpPr>
+      <p:grpSpPr>
+        <a:xfrm>
+          <a:off x="0" y="0"/>
+          <a:ext cx="0" cy="0"/>
+          <a:chOff x="0" y="0"/>
+          <a:chExt cx="0" cy="0"/>
+        </a:xfrm>
+      </p:grpSpPr>
+      <p:sp>
+        <p:nvSpPr>
+          <p:cNvPr id="2" name="Espace réservé de l'image des diapositives 1"/>
+          <p:cNvSpPr>
+            <a:spLocks noGrp="1" noRot="1" noChangeAspect="1"/>
+          </p:cNvSpPr>
+          <p:nvPr>
+            <p:ph type="sldImg"/>
+          </p:nvPr>
+        </p:nvSpPr>
+        <p:spPr/>
+      </p:sp>
+      <p:sp>
+        <p:nvSpPr>
+          <p:cNvPr id="3" name="Espace réservé des commentaires 2"/>
+          <p:cNvSpPr>
+            <a:spLocks noGrp="1"/>
+          </p:cNvSpPr>
+          <p:nvPr>
+            <p:ph type="body" idx="1"/>
+          </p:nvPr>
+        </p:nvSpPr>
+        <p:spPr/>
+        <p:txBody>
+          <a:bodyPr/>
+          <a:lstStyle/>
+          <a:p>
+            <a:r>
+              <a:rPr lang="fr-CH" dirty="0" smtClean="0"/>
+              <a:t>Apprentissage </a:t>
+            </a:r>
+            <a:r>
+              <a:rPr lang="fr-CH" dirty="0" err="1" smtClean="0"/>
+              <a:t>Qt</a:t>
+            </a:r>
+            <a:endParaRPr lang="fr-CH" dirty="0" smtClean="0"/>
+          </a:p>
+          <a:p>
+            <a:r>
+              <a:rPr lang="fr-CH" dirty="0" smtClean="0"/>
+              <a:t>    - Beaucoup de choix pour réaliser la même chose</a:t>
+            </a:r>
+          </a:p>
+          <a:p>
+            <a:r>
+              <a:rPr lang="fr-CH" dirty="0" smtClean="0"/>
+              <a:t>    - Perte de temps lorsqu’on part</a:t>
+            </a:r>
+            <a:r>
+              <a:rPr lang="fr-CH" baseline="0" dirty="0" smtClean="0"/>
+              <a:t> dans la mauvaise direction</a:t>
+            </a:r>
+            <a:endParaRPr lang="fr-CH" dirty="0" smtClean="0"/>
+          </a:p>
+          <a:p>
+            <a:endParaRPr lang="fr-CH" dirty="0" smtClean="0"/>
+          </a:p>
+          <a:p>
+            <a:r>
+              <a:rPr lang="fr-CH" dirty="0" smtClean="0"/>
+              <a:t>Conception plus longue que prévue</a:t>
+            </a:r>
+          </a:p>
+          <a:p>
+            <a:r>
+              <a:rPr lang="fr-CH" dirty="0" smtClean="0"/>
+              <a:t>    - Décalage des tâches</a:t>
+            </a:r>
+          </a:p>
+          <a:p>
+            <a:endParaRPr lang="fr-CH" dirty="0" smtClean="0"/>
+          </a:p>
+          <a:p>
+            <a:r>
+              <a:rPr lang="fr-CH" dirty="0" smtClean="0"/>
+              <a:t>Couche</a:t>
+            </a:r>
+            <a:r>
+              <a:rPr lang="fr-CH" baseline="0" dirty="0" smtClean="0"/>
+              <a:t> graphe sous-estimée</a:t>
+            </a:r>
+          </a:p>
+          <a:p>
+            <a:r>
+              <a:rPr lang="fr-CH" baseline="0" dirty="0" smtClean="0"/>
+              <a:t>    - conception faite et refaite car n’était pas optimale</a:t>
+            </a:r>
+          </a:p>
+          <a:p>
+            <a:endParaRPr lang="fr-CH" baseline="0" dirty="0" smtClean="0"/>
+          </a:p>
+          <a:p>
+            <a:r>
+              <a:rPr lang="fr-CH" baseline="0" dirty="0" smtClean="0"/>
+              <a:t>Mise en commun des différentes couches</a:t>
+            </a:r>
+          </a:p>
+          <a:p>
+            <a:r>
+              <a:rPr lang="fr-CH" baseline="0" dirty="0" smtClean="0"/>
+              <a:t>    - identifier la provenance des </a:t>
+            </a:r>
+            <a:r>
+              <a:rPr lang="fr-CH" baseline="0" smtClean="0"/>
+              <a:t>bugs occasionnés</a:t>
+            </a:r>
+            <a:endParaRPr lang="fr-FR" dirty="0"/>
+          </a:p>
+        </p:txBody>
+      </p:sp>
+      <p:sp>
+        <p:nvSpPr>
+          <p:cNvPr id="4" name="Espace réservé du numéro de diapositive 3"/>
+          <p:cNvSpPr>
+            <a:spLocks noGrp="1"/>
+          </p:cNvSpPr>
+          <p:nvPr>
+            <p:ph type="sldNum" sz="quarter" idx="10"/>
+          </p:nvPr>
+        </p:nvSpPr>
+        <p:spPr/>
+        <p:txBody>
+          <a:bodyPr/>
+          <a:lstStyle/>
+          <a:p>
+            <a:fld id="{135558CC-D944-408D-80C8-CC88573B5A11}" type="slidenum">
+              <a:rPr lang="fr-CH" smtClean="0"/>
+              <a:t>6</a:t>
+            </a:fld>
+            <a:endParaRPr lang="fr-CH" dirty="0"/>
+          </a:p>
+        </p:txBody>
+      </p:sp>
+    </p:spTree>
+    <p:extLst>
+      <p:ext uri="{BB962C8B-B14F-4D97-AF65-F5344CB8AC3E}">
+        <p14:creationId xmlns:p14="http://schemas.microsoft.com/office/powerpoint/2010/main" val="3256337822"/>
+      </p:ext>
+    </p:extLst>
+  </p:cSld>
+  <p:clrMapOvr>
+    <a:masterClrMapping/>
+  </p:clrMapOvr>
+</p:notes>
+</file>
+
+<file path=ppt/notesSlides/notesSlide5.xml><?xml version="1.0" encoding="utf-8"?>
+<p:notes xmlns:a="http://schemas.openxmlformats.org/drawingml/2006/main" xmlns:r="http://schemas.openxmlformats.org/officeDocument/2006/relationships" xmlns:p="http://schemas.openxmlformats.org/presentationml/2006/main">
+  <p:cSld>
+    <p:spTree>
+      <p:nvGrpSpPr>
+        <p:cNvPr id="1" name=""/>
+        <p:cNvGrpSpPr/>
+        <p:nvPr/>
+      </p:nvGrpSpPr>
+      <p:grpSpPr>
+        <a:xfrm>
+          <a:off x="0" y="0"/>
+          <a:ext cx="0" cy="0"/>
+          <a:chOff x="0" y="0"/>
+          <a:chExt cx="0" cy="0"/>
+        </a:xfrm>
+      </p:grpSpPr>
+      <p:sp>
+        <p:nvSpPr>
+          <p:cNvPr id="2" name="Espace réservé de l'image des diapositives 1"/>
+          <p:cNvSpPr>
+            <a:spLocks noGrp="1" noRot="1" noChangeAspect="1"/>
+          </p:cNvSpPr>
+          <p:nvPr>
+            <p:ph type="sldImg"/>
+          </p:nvPr>
+        </p:nvSpPr>
+        <p:spPr/>
+      </p:sp>
+      <p:sp>
+        <p:nvSpPr>
+          <p:cNvPr id="3" name="Espace réservé des commentaires 2"/>
+          <p:cNvSpPr>
+            <a:spLocks noGrp="1"/>
+          </p:cNvSpPr>
+          <p:nvPr>
+            <p:ph type="body" idx="1"/>
+          </p:nvPr>
+        </p:nvSpPr>
+        <p:spPr/>
+        <p:txBody>
+          <a:bodyPr/>
+          <a:lstStyle/>
+          <a:p>
+            <a:r>
+              <a:rPr lang="fr-CH" sz="1200" b="0" i="0" u="none" strike="noStrike" kern="1200" baseline="0" dirty="0" smtClean="0">
+                <a:solidFill>
+                  <a:schemeClr val="tx1"/>
+                </a:solidFill>
+                <a:latin typeface="+mn-lt"/>
+                <a:ea typeface="+mn-ea"/>
+                <a:cs typeface="+mn-cs"/>
+              </a:rPr>
+              <a:t>1. Un graphe ne possédant pas tous les sommets dans l’ordre (ex : g=</a:t>
+            </a:r>
+            <a:r>
+              <a:rPr lang="fr-CH" sz="1200" b="0" i="0" u="none" strike="noStrike" kern="1200" baseline="0" dirty="0" err="1" smtClean="0">
+                <a:solidFill>
+                  <a:schemeClr val="tx1"/>
+                </a:solidFill>
+                <a:latin typeface="+mn-lt"/>
+                <a:ea typeface="+mn-ea"/>
+                <a:cs typeface="+mn-cs"/>
+              </a:rPr>
+              <a:t>dfs</a:t>
+            </a:r>
+            <a:r>
+              <a:rPr lang="fr-CH" sz="1200" b="0" i="0" u="none" strike="noStrike" kern="1200" baseline="0" dirty="0" smtClean="0">
+                <a:solidFill>
+                  <a:schemeClr val="tx1"/>
+                </a:solidFill>
+                <a:latin typeface="+mn-lt"/>
+                <a:ea typeface="+mn-ea"/>
+                <a:cs typeface="+mn-cs"/>
+              </a:rPr>
+              <a:t>({#2}, 1);) pose problème à certaines fonctionnalités (ex : </a:t>
+            </a:r>
+            <a:r>
+              <a:rPr lang="fr-CH" sz="1200" b="0" i="0" u="none" strike="noStrike" kern="1200" baseline="0" dirty="0" err="1" smtClean="0">
+                <a:solidFill>
+                  <a:schemeClr val="tx1"/>
+                </a:solidFill>
+                <a:latin typeface="+mn-lt"/>
+                <a:ea typeface="+mn-ea"/>
+                <a:cs typeface="+mn-cs"/>
+              </a:rPr>
+              <a:t>draw</a:t>
+            </a:r>
+            <a:r>
+              <a:rPr lang="fr-CH" sz="1200" b="0" i="0" u="none" strike="noStrike" kern="1200" baseline="0" dirty="0" smtClean="0">
+                <a:solidFill>
+                  <a:schemeClr val="tx1"/>
+                </a:solidFill>
+                <a:latin typeface="+mn-lt"/>
+                <a:ea typeface="+mn-ea"/>
+                <a:cs typeface="+mn-cs"/>
+              </a:rPr>
+              <a:t>(g);, </a:t>
+            </a:r>
+            <a:r>
+              <a:rPr lang="fr-CH" sz="1200" b="0" i="0" u="none" strike="noStrike" kern="1200" baseline="0" dirty="0" err="1" smtClean="0">
+                <a:solidFill>
+                  <a:schemeClr val="tx1"/>
+                </a:solidFill>
+                <a:latin typeface="+mn-lt"/>
+                <a:ea typeface="+mn-ea"/>
+                <a:cs typeface="+mn-cs"/>
+              </a:rPr>
+              <a:t>egli</a:t>
+            </a:r>
+            <a:r>
+              <a:rPr lang="fr-CH" sz="1200" b="0" i="0" u="none" strike="noStrike" kern="1200" baseline="0" dirty="0" smtClean="0">
+                <a:solidFill>
+                  <a:schemeClr val="tx1"/>
+                </a:solidFill>
+                <a:latin typeface="+mn-lt"/>
+                <a:ea typeface="+mn-ea"/>
+                <a:cs typeface="+mn-cs"/>
+              </a:rPr>
+              <a:t>::</a:t>
+            </a:r>
+            <a:r>
+              <a:rPr lang="fr-CH" sz="1200" b="0" i="0" u="none" strike="noStrike" kern="1200" baseline="0" dirty="0" err="1" smtClean="0">
+                <a:solidFill>
+                  <a:schemeClr val="tx1"/>
+                </a:solidFill>
+                <a:latin typeface="+mn-lt"/>
+                <a:ea typeface="+mn-ea"/>
+                <a:cs typeface="+mn-cs"/>
+              </a:rPr>
+              <a:t>deserialize</a:t>
+            </a:r>
+            <a:r>
+              <a:rPr lang="fr-CH" sz="1200" b="0" i="0" u="none" strike="noStrike" kern="1200" baseline="0" dirty="0" smtClean="0">
+                <a:solidFill>
+                  <a:schemeClr val="tx1"/>
+                </a:solidFill>
+                <a:latin typeface="+mn-lt"/>
+                <a:ea typeface="+mn-ea"/>
+                <a:cs typeface="+mn-cs"/>
+              </a:rPr>
+              <a:t>(...);)</a:t>
+            </a:r>
+          </a:p>
+          <a:p>
+            <a:r>
+              <a:rPr lang="fr-CH" sz="1200" b="0" i="0" u="none" strike="noStrike" kern="1200" baseline="0" dirty="0" smtClean="0">
+                <a:solidFill>
+                  <a:schemeClr val="tx1"/>
+                </a:solidFill>
+                <a:latin typeface="+mn-lt"/>
+                <a:ea typeface="+mn-ea"/>
+                <a:cs typeface="+mn-cs"/>
+              </a:rPr>
+              <a:t>2. Fuites mémoires détectées au niveau de la couche </a:t>
+            </a:r>
+            <a:r>
+              <a:rPr lang="fr-CH" sz="1200" b="0" i="1" u="none" strike="noStrike" kern="1200" baseline="0" dirty="0" smtClean="0">
+                <a:solidFill>
+                  <a:schemeClr val="tx1"/>
+                </a:solidFill>
+                <a:latin typeface="+mn-lt"/>
+                <a:ea typeface="+mn-ea"/>
+                <a:cs typeface="+mn-cs"/>
+              </a:rPr>
+              <a:t>graphes et algorithmes</a:t>
+            </a:r>
+          </a:p>
+          <a:p>
+            <a:r>
+              <a:rPr lang="fr-CH" sz="1200" b="0" i="0" u="none" strike="noStrike" kern="1200" baseline="0" dirty="0" smtClean="0">
+                <a:solidFill>
+                  <a:schemeClr val="tx1"/>
+                </a:solidFill>
+                <a:latin typeface="+mn-lt"/>
+                <a:ea typeface="+mn-ea"/>
+                <a:cs typeface="+mn-cs"/>
+              </a:rPr>
+              <a:t>3. La fenêtre d’aide ne se ferme pas lorsque que l’on quitte la fenêtre principale (avec la croix en haut </a:t>
+            </a:r>
+            <a:r>
+              <a:rPr lang="fr-FR" sz="1200" b="0" i="0" u="none" strike="noStrike" kern="1200" baseline="0" dirty="0" smtClean="0">
+                <a:solidFill>
+                  <a:schemeClr val="tx1"/>
+                </a:solidFill>
+                <a:latin typeface="+mn-lt"/>
+                <a:ea typeface="+mn-ea"/>
+                <a:cs typeface="+mn-cs"/>
+              </a:rPr>
+              <a:t>à droite)</a:t>
+            </a:r>
+          </a:p>
+          <a:p>
+            <a:r>
+              <a:rPr lang="fr-CH" sz="1200" b="0" i="0" u="none" strike="noStrike" kern="1200" baseline="0" dirty="0" smtClean="0">
+                <a:solidFill>
+                  <a:schemeClr val="tx1"/>
+                </a:solidFill>
+                <a:latin typeface="+mn-lt"/>
+                <a:ea typeface="+mn-ea"/>
+                <a:cs typeface="+mn-cs"/>
+              </a:rPr>
+              <a:t>4. La grammaire du langage ne permet pas de tout faire (ex : v=(0); g={v};, v=(0::-1);, </a:t>
+            </a:r>
+            <a:r>
+              <a:rPr lang="fr-CH" sz="1200" b="0" i="0" u="none" strike="noStrike" kern="1200" baseline="0" dirty="0" err="1" smtClean="0">
+                <a:solidFill>
+                  <a:schemeClr val="tx1"/>
+                </a:solidFill>
+                <a:latin typeface="+mn-lt"/>
+                <a:ea typeface="+mn-ea"/>
+                <a:cs typeface="+mn-cs"/>
+              </a:rPr>
+              <a:t>draw</a:t>
+            </a:r>
+            <a:r>
+              <a:rPr lang="fr-CH" sz="1200" b="0" i="0" u="none" strike="noStrike" kern="1200" baseline="0" dirty="0" smtClean="0">
+                <a:solidFill>
+                  <a:schemeClr val="tx1"/>
+                </a:solidFill>
+                <a:latin typeface="+mn-lt"/>
+                <a:ea typeface="+mn-ea"/>
+                <a:cs typeface="+mn-cs"/>
+              </a:rPr>
+              <a:t>(</a:t>
+            </a:r>
+            <a:r>
+              <a:rPr lang="fr-CH" sz="1200" b="0" i="0" u="none" strike="noStrike" kern="1200" baseline="0" dirty="0" err="1" smtClean="0">
+                <a:solidFill>
+                  <a:schemeClr val="tx1"/>
+                </a:solidFill>
+                <a:latin typeface="+mn-lt"/>
+                <a:ea typeface="+mn-ea"/>
+                <a:cs typeface="+mn-cs"/>
+              </a:rPr>
+              <a:t>dfs</a:t>
+            </a:r>
+            <a:r>
+              <a:rPr lang="fr-CH" sz="1200" b="0" i="0" u="none" strike="noStrike" kern="1200" baseline="0" dirty="0" smtClean="0">
+                <a:solidFill>
+                  <a:schemeClr val="tx1"/>
+                </a:solidFill>
+                <a:latin typeface="+mn-lt"/>
+                <a:ea typeface="+mn-ea"/>
+                <a:cs typeface="+mn-cs"/>
+              </a:rPr>
+              <a:t>(g,</a:t>
+            </a:r>
+            <a:r>
+              <a:rPr lang="fr-FR" sz="1200" b="0" i="0" u="none" strike="noStrike" kern="1200" baseline="0" dirty="0" smtClean="0">
+                <a:solidFill>
+                  <a:schemeClr val="tx1"/>
+                </a:solidFill>
+                <a:latin typeface="+mn-lt"/>
+                <a:ea typeface="+mn-ea"/>
+                <a:cs typeface="+mn-cs"/>
+              </a:rPr>
+              <a:t>0)[0]);)</a:t>
+            </a:r>
+            <a:endParaRPr lang="fr-CH" dirty="0" smtClean="0"/>
+          </a:p>
+          <a:p>
+            <a:endParaRPr lang="fr-CH" dirty="0" smtClean="0"/>
+          </a:p>
+          <a:p>
+            <a:r>
+              <a:rPr lang="fr-CH" dirty="0" smtClean="0"/>
+              <a:t>Fuites mémoire</a:t>
+            </a:r>
+            <a:r>
+              <a:rPr lang="fr-CH" baseline="0" dirty="0" smtClean="0"/>
+              <a:t> : objets qui ne sont pas </a:t>
+            </a:r>
+            <a:r>
+              <a:rPr lang="fr-CH" baseline="0" dirty="0" err="1" smtClean="0"/>
+              <a:t>désalloués</a:t>
+            </a:r>
+            <a:r>
+              <a:rPr lang="fr-CH" baseline="0" dirty="0" smtClean="0"/>
+              <a:t> dans le code.</a:t>
+            </a:r>
+          </a:p>
+          <a:p>
+            <a:endParaRPr lang="fr-CH" baseline="0" dirty="0" smtClean="0"/>
+          </a:p>
+          <a:p>
+            <a:r>
+              <a:rPr lang="fr-CH" baseline="0" dirty="0" smtClean="0"/>
+              <a:t>Causes connues : on a repéré les problèmes, ceux-ci seraient facilement résolus, nous avons cependant manqué de temps jusqu’à maintenant.</a:t>
+            </a:r>
+          </a:p>
+          <a:p>
+            <a:endParaRPr lang="fr-CH" baseline="0" dirty="0" smtClean="0"/>
+          </a:p>
+          <a:p>
+            <a:endParaRPr lang="fr-FR" dirty="0"/>
+          </a:p>
+        </p:txBody>
+      </p:sp>
+      <p:sp>
+        <p:nvSpPr>
+          <p:cNvPr id="4" name="Espace réservé du numéro de diapositive 3"/>
+          <p:cNvSpPr>
+            <a:spLocks noGrp="1"/>
+          </p:cNvSpPr>
+          <p:nvPr>
+            <p:ph type="sldNum" sz="quarter" idx="10"/>
+          </p:nvPr>
+        </p:nvSpPr>
+        <p:spPr/>
+        <p:txBody>
+          <a:bodyPr/>
+          <a:lstStyle/>
+          <a:p>
+            <a:fld id="{135558CC-D944-408D-80C8-CC88573B5A11}" type="slidenum">
+              <a:rPr lang="fr-CH" smtClean="0"/>
+              <a:t>7</a:t>
+            </a:fld>
+            <a:endParaRPr lang="fr-CH" dirty="0"/>
+          </a:p>
+        </p:txBody>
+      </p:sp>
+    </p:spTree>
+    <p:extLst>
+      <p:ext uri="{BB962C8B-B14F-4D97-AF65-F5344CB8AC3E}">
+        <p14:creationId xmlns:p14="http://schemas.microsoft.com/office/powerpoint/2010/main" val="3918479408"/>
       </p:ext>
     </p:extLst>
   </p:cSld>
@@ -4971,7 +5469,7 @@
           <p:nvPr/>
         </p:nvPicPr>
         <p:blipFill>
-          <a:blip r:embed="rId2">
+          <a:blip r:embed="rId3">
             <a:extLst>
               <a:ext uri="{28A0092B-C50C-407E-A947-70E740481C1C}">
                 <a14:useLocalDpi xmlns:a14="http://schemas.microsoft.com/office/drawing/2010/main" val="0"/>

--- a/presentation/GraphY.pptx
+++ b/presentation/GraphY.pptx
@@ -124,6 +124,18 @@
 </p:presentation>
 </file>
 
+<file path=ppt/commentAuthors.xml><?xml version="1.0" encoding="utf-8"?>
+<p:cmAuthorLst xmlns:a="http://schemas.openxmlformats.org/drawingml/2006/main" xmlns:r="http://schemas.openxmlformats.org/officeDocument/2006/relationships" xmlns:p="http://schemas.openxmlformats.org/presentationml/2006/main">
+  <p:cmAuthor id="1" name="Patrick Deslé Djomo" initials="PDD" lastIdx="3" clrIdx="0">
+    <p:extLst>
+      <p:ext uri="{19B8F6BF-5375-455C-9EA6-DF929625EA0E}">
+        <p15:presenceInfo xmlns:p15="http://schemas.microsoft.com/office/powerpoint/2012/main" userId="83454cb298a537fa" providerId="Windows Live"/>
+      </p:ext>
+    </p:extLst>
+  </p:cmAuthor>
+</p:cmAuthorLst>
+</file>
+
 <file path=ppt/notesMasters/notesMaster1.xml><?xml version="1.0" encoding="utf-8"?>
 <p:notesMaster xmlns:a="http://schemas.openxmlformats.org/drawingml/2006/main" xmlns:r="http://schemas.openxmlformats.org/officeDocument/2006/relationships" xmlns:p="http://schemas.openxmlformats.org/presentationml/2006/main">
   <p:cSld>
@@ -206,7 +218,7 @@
           <a:p>
             <a:fld id="{AF28B09F-0466-45BE-9E78-25D72A7FABFF}" type="datetimeFigureOut">
               <a:rPr lang="fr-CH" smtClean="0"/>
-              <a:t>03.06.2016</a:t>
+              <a:t>06.06.2016</a:t>
             </a:fld>
             <a:endParaRPr lang="fr-CH" dirty="0"/>
           </a:p>
@@ -365,7 +377,7 @@
           <a:p>
             <a:fld id="{135558CC-D944-408D-80C8-CC88573B5A11}" type="slidenum">
               <a:rPr lang="fr-CH" smtClean="0"/>
-              <a:t>‹#›</a:t>
+              <a:t>‹N°›</a:t>
             </a:fld>
             <a:endParaRPr lang="fr-CH" dirty="0"/>
           </a:p>
@@ -642,6 +654,169 @@
 </p:notes>
 </file>
 
+<file path=ppt/notesSlides/notesSlide3.xml><?xml version="1.0" encoding="utf-8"?>
+<p:notes xmlns:a="http://schemas.openxmlformats.org/drawingml/2006/main" xmlns:r="http://schemas.openxmlformats.org/officeDocument/2006/relationships" xmlns:p="http://schemas.openxmlformats.org/presentationml/2006/main">
+  <p:cSld>
+    <p:spTree>
+      <p:nvGrpSpPr>
+        <p:cNvPr id="1" name=""/>
+        <p:cNvGrpSpPr/>
+        <p:nvPr/>
+      </p:nvGrpSpPr>
+      <p:grpSpPr>
+        <a:xfrm>
+          <a:off x="0" y="0"/>
+          <a:ext cx="0" cy="0"/>
+          <a:chOff x="0" y="0"/>
+          <a:chExt cx="0" cy="0"/>
+        </a:xfrm>
+      </p:grpSpPr>
+      <p:sp>
+        <p:nvSpPr>
+          <p:cNvPr id="2" name="Espace réservé de l'image des diapositives 1"/>
+          <p:cNvSpPr>
+            <a:spLocks noGrp="1" noRot="1" noChangeAspect="1"/>
+          </p:cNvSpPr>
+          <p:nvPr>
+            <p:ph type="sldImg"/>
+          </p:nvPr>
+        </p:nvSpPr>
+        <p:spPr/>
+      </p:sp>
+      <p:sp>
+        <p:nvSpPr>
+          <p:cNvPr id="3" name="Espace réservé des commentaires 2"/>
+          <p:cNvSpPr>
+            <a:spLocks noGrp="1"/>
+          </p:cNvSpPr>
+          <p:nvPr>
+            <p:ph type="body" idx="1"/>
+          </p:nvPr>
+        </p:nvSpPr>
+        <p:spPr/>
+        <p:txBody>
+          <a:bodyPr/>
+          <a:lstStyle/>
+          <a:p>
+            <a:r>
+              <a:rPr lang="fr-CH" dirty="0" smtClean="0"/>
+              <a:t>-Tout d'abord, nous avons divisé le projet en sous couches donc on</a:t>
+            </a:r>
+            <a:r>
+              <a:rPr lang="fr-CH" baseline="0" dirty="0" smtClean="0"/>
+              <a:t> reviendra dessus dans le slide qui suit</a:t>
+            </a:r>
+            <a:r>
+              <a:rPr lang="fr-CH" dirty="0" smtClean="0"/>
+              <a:t>.</a:t>
+            </a:r>
+          </a:p>
+          <a:p>
+            <a:r>
+              <a:rPr lang="fr-CH" dirty="0" smtClean="0"/>
+              <a:t>-ensuite</a:t>
+            </a:r>
+            <a:r>
+              <a:rPr lang="fr-CH" baseline="0" dirty="0" smtClean="0"/>
+              <a:t> nous avons utilisé le pattern </a:t>
+            </a:r>
+            <a:r>
+              <a:rPr lang="fr-CH" baseline="0" dirty="0" err="1" smtClean="0"/>
+              <a:t>visitor</a:t>
+            </a:r>
+            <a:r>
+              <a:rPr lang="fr-CH" baseline="0" dirty="0" smtClean="0"/>
+              <a:t> pour implémenter nos algorithmes.</a:t>
+            </a:r>
+          </a:p>
+          <a:p>
+            <a:r>
+              <a:rPr lang="fr-CH" baseline="0" dirty="0" smtClean="0"/>
+              <a:t>-L’application a été </a:t>
+            </a:r>
+            <a:r>
+              <a:rPr lang="fr-CH" baseline="0" dirty="0" err="1" smtClean="0"/>
+              <a:t>dévéloppée</a:t>
+            </a:r>
+            <a:r>
+              <a:rPr lang="fr-CH" baseline="0" dirty="0" smtClean="0"/>
+              <a:t> en </a:t>
+            </a:r>
+            <a:r>
+              <a:rPr lang="fr-CH" baseline="0" dirty="0" err="1" smtClean="0"/>
+              <a:t>c++</a:t>
+            </a:r>
+            <a:r>
+              <a:rPr lang="fr-CH" baseline="0" dirty="0" smtClean="0"/>
+              <a:t>11 standard avec la </a:t>
+            </a:r>
+            <a:r>
+              <a:rPr lang="fr-CH" baseline="0" dirty="0" err="1" smtClean="0"/>
+              <a:t>biblothèque</a:t>
+            </a:r>
+            <a:r>
+              <a:rPr lang="fr-CH" baseline="0" dirty="0" smtClean="0"/>
+              <a:t> qt5. </a:t>
+            </a:r>
+            <a:r>
+              <a:rPr lang="fr-CH" baseline="0" smtClean="0"/>
+              <a:t>par ailleurs</a:t>
+            </a:r>
+            <a:r>
+              <a:rPr lang="fr-CH" baseline="0" dirty="0" smtClean="0"/>
+              <a:t>, nous aussi utilisé </a:t>
+            </a:r>
+            <a:r>
+              <a:rPr lang="fr-CH" baseline="0" dirty="0" err="1" smtClean="0"/>
+              <a:t>Boost.Spirit</a:t>
+            </a:r>
+            <a:r>
+              <a:rPr lang="fr-CH" baseline="0" dirty="0" smtClean="0"/>
+              <a:t> pour implémenter le parseur.</a:t>
+            </a:r>
+            <a:endParaRPr lang="fr-CH" dirty="0" smtClean="0"/>
+          </a:p>
+          <a:p>
+            <a:endParaRPr lang="fr-CH" dirty="0"/>
+          </a:p>
+        </p:txBody>
+      </p:sp>
+      <p:sp>
+        <p:nvSpPr>
+          <p:cNvPr id="4" name="Espace réservé du numéro de diapositive 3"/>
+          <p:cNvSpPr>
+            <a:spLocks noGrp="1"/>
+          </p:cNvSpPr>
+          <p:nvPr>
+            <p:ph type="sldNum" sz="quarter" idx="10"/>
+          </p:nvPr>
+        </p:nvSpPr>
+        <p:spPr/>
+        <p:txBody>
+          <a:bodyPr/>
+          <a:lstStyle/>
+          <a:p>
+            <a:fld id="{135558CC-D944-408D-80C8-CC88573B5A11}" type="slidenum">
+              <a:rPr lang="fr-CH" smtClean="0"/>
+              <a:t>4</a:t>
+            </a:fld>
+            <a:endParaRPr lang="fr-CH" dirty="0"/>
+          </a:p>
+        </p:txBody>
+      </p:sp>
+    </p:spTree>
+    <p:extLst>
+      <p:ext uri="{BB962C8B-B14F-4D97-AF65-F5344CB8AC3E}">
+        <p14:creationId xmlns:p14="http://schemas.microsoft.com/office/powerpoint/2010/main" val="1473012900"/>
+      </p:ext>
+    </p:extLst>
+  </p:cSld>
+  <p:clrMapOvr>
+    <a:masterClrMapping/>
+  </p:clrMapOvr>
+</p:notes>
+</file>
+
 <file path=ppt/slideLayouts/slideLayout1.xml><?xml version="1.0" encoding="utf-8"?>
 <p:sldLayout xmlns:a="http://schemas.openxmlformats.org/drawingml/2006/main" xmlns:r="http://schemas.openxmlformats.org/officeDocument/2006/relationships" xmlns:p="http://schemas.openxmlformats.org/presentationml/2006/main" type="title" preserve="1">
   <p:cSld name="Diapositive de titre">
@@ -808,7 +983,7 @@
             <a:fld id="{D57F1E4F-1CFF-5643-939E-217C01CDF565}" type="slidenum">
               <a:rPr lang="en-US" smtClean="0"/>
               <a:pPr/>
-              <a:t>‹#›</a:t>
+              <a:t>‹N°›</a:t>
             </a:fld>
             <a:endParaRPr lang="en-US" dirty="0"/>
           </a:p>
@@ -943,7 +1118,7 @@
           <a:p>
             <a:fld id="{43C76626-FBB6-4B40-9410-F3906EB18262}" type="datetime1">
               <a:rPr lang="en-US" smtClean="0"/>
-              <a:t>6/3/2016</a:t>
+              <a:t>6/6/2016</a:t>
             </a:fld>
             <a:endParaRPr lang="en-US" dirty="0"/>
           </a:p>
@@ -990,7 +1165,7 @@
             <a:fld id="{D57F1E4F-1CFF-5643-939E-217C01CDF565}" type="slidenum">
               <a:rPr lang="en-US" smtClean="0"/>
               <a:pPr/>
-              <a:t>‹#›</a:t>
+              <a:t>‹N°›</a:t>
             </a:fld>
             <a:endParaRPr lang="en-US" dirty="0"/>
           </a:p>
@@ -1128,7 +1303,7 @@
           <a:p>
             <a:fld id="{64691CF2-69BD-4C27-A2C7-A5FA9A447048}" type="datetime1">
               <a:rPr lang="en-US" smtClean="0"/>
-              <a:t>6/3/2016</a:t>
+              <a:t>6/6/2016</a:t>
             </a:fld>
             <a:endParaRPr lang="en-US" dirty="0"/>
           </a:p>
@@ -1175,7 +1350,7 @@
             <a:fld id="{D57F1E4F-1CFF-5643-939E-217C01CDF565}" type="slidenum">
               <a:rPr lang="en-US" smtClean="0"/>
               <a:pPr/>
-              <a:t>‹#›</a:t>
+              <a:t>‹N°›</a:t>
             </a:fld>
             <a:endParaRPr lang="en-US" dirty="0"/>
           </a:p>
@@ -1303,7 +1478,7 @@
           <a:p>
             <a:fld id="{D6041FA5-4C6C-4B89-B1D2-82A8EB895517}" type="datetime1">
               <a:rPr lang="en-US" smtClean="0"/>
-              <a:t>6/3/2016</a:t>
+              <a:t>6/6/2016</a:t>
             </a:fld>
             <a:endParaRPr lang="en-US" dirty="0"/>
           </a:p>
@@ -1350,7 +1525,7 @@
             <a:fld id="{D57F1E4F-1CFF-5643-939E-217C01CDF565}" type="slidenum">
               <a:rPr lang="en-US" smtClean="0"/>
               <a:pPr/>
-              <a:t>‹#›</a:t>
+              <a:t>‹N°›</a:t>
             </a:fld>
             <a:endParaRPr lang="en-US" dirty="0"/>
           </a:p>
@@ -1596,7 +1771,7 @@
           <a:p>
             <a:fld id="{C397C25B-BBA8-48E4-AE3C-71FABF613F7F}" type="datetime1">
               <a:rPr lang="en-US" smtClean="0"/>
-              <a:t>6/3/2016</a:t>
+              <a:t>6/6/2016</a:t>
             </a:fld>
             <a:endParaRPr lang="en-US" dirty="0"/>
           </a:p>
@@ -1643,7 +1818,7 @@
             <a:fld id="{D57F1E4F-1CFF-5643-939E-217C01CDF565}" type="slidenum">
               <a:rPr lang="en-US" smtClean="0"/>
               <a:pPr/>
-              <a:t>‹#›</a:t>
+              <a:t>‹N°›</a:t>
             </a:fld>
             <a:endParaRPr lang="en-US" dirty="0"/>
           </a:p>
@@ -1870,7 +2045,7 @@
           <a:p>
             <a:fld id="{C100E2E5-07F4-4D03-A0CD-BC739D20CF20}" type="datetime1">
               <a:rPr lang="en-US" smtClean="0"/>
-              <a:t>6/3/2016</a:t>
+              <a:t>6/6/2016</a:t>
             </a:fld>
             <a:endParaRPr lang="en-US" dirty="0"/>
           </a:p>
@@ -1917,7 +2092,7 @@
             <a:fld id="{D57F1E4F-1CFF-5643-939E-217C01CDF565}" type="slidenum">
               <a:rPr lang="en-US" smtClean="0"/>
               <a:pPr/>
-              <a:t>‹#›</a:t>
+              <a:t>‹N°›</a:t>
             </a:fld>
             <a:endParaRPr lang="en-US" dirty="0"/>
           </a:p>
@@ -2259,7 +2434,7 @@
           <a:p>
             <a:fld id="{E8D126B3-5846-4974-AA8E-48CF87B745B2}" type="datetime1">
               <a:rPr lang="en-US" smtClean="0"/>
-              <a:t>6/3/2016</a:t>
+              <a:t>6/6/2016</a:t>
             </a:fld>
             <a:endParaRPr lang="en-US" dirty="0"/>
           </a:p>
@@ -2306,7 +2481,7 @@
             <a:fld id="{D57F1E4F-1CFF-5643-939E-217C01CDF565}" type="slidenum">
               <a:rPr lang="en-US" smtClean="0"/>
               <a:pPr/>
-              <a:t>‹#›</a:t>
+              <a:t>‹N°›</a:t>
             </a:fld>
             <a:endParaRPr lang="en-US" dirty="0"/>
           </a:p>
@@ -2419,7 +2594,7 @@
           <a:p>
             <a:fld id="{1BFEB80F-15BA-446D-88FF-7F2FA067E768}" type="datetime1">
               <a:rPr lang="en-US" smtClean="0"/>
-              <a:t>6/3/2016</a:t>
+              <a:t>6/6/2016</a:t>
             </a:fld>
             <a:endParaRPr lang="en-US" dirty="0"/>
           </a:p>
@@ -2466,7 +2641,7 @@
             <a:fld id="{D57F1E4F-1CFF-5643-939E-217C01CDF565}" type="slidenum">
               <a:rPr lang="en-US" smtClean="0"/>
               <a:pPr/>
-              <a:t>‹#›</a:t>
+              <a:t>‹N°›</a:t>
             </a:fld>
             <a:endParaRPr lang="en-US" dirty="0"/>
           </a:p>
@@ -2579,7 +2754,7 @@
           <a:p>
             <a:fld id="{19985235-57B9-420B-8A26-966C0A54D3C8}" type="datetime1">
               <a:rPr lang="en-US" smtClean="0"/>
-              <a:t>6/3/2016</a:t>
+              <a:t>6/6/2016</a:t>
             </a:fld>
             <a:endParaRPr lang="en-US" dirty="0"/>
           </a:p>
@@ -2626,7 +2801,7 @@
             <a:fld id="{D57F1E4F-1CFF-5643-939E-217C01CDF565}" type="slidenum">
               <a:rPr lang="en-US" smtClean="0"/>
               <a:pPr/>
-              <a:t>‹#›</a:t>
+              <a:t>‹N°›</a:t>
             </a:fld>
             <a:endParaRPr lang="en-US" dirty="0"/>
           </a:p>
@@ -2875,7 +3050,7 @@
           <a:p>
             <a:fld id="{9D6FD31D-1D97-42AB-8D33-C3831B8137FE}" type="datetime1">
               <a:rPr lang="en-US" smtClean="0"/>
-              <a:t>6/3/2016</a:t>
+              <a:t>6/6/2016</a:t>
             </a:fld>
             <a:endParaRPr lang="en-US" dirty="0"/>
           </a:p>
@@ -2922,7 +3097,7 @@
             <a:fld id="{D57F1E4F-1CFF-5643-939E-217C01CDF565}" type="slidenum">
               <a:rPr lang="en-US" smtClean="0"/>
               <a:pPr/>
-              <a:t>‹#›</a:t>
+              <a:t>‹N°›</a:t>
             </a:fld>
             <a:endParaRPr lang="en-US" dirty="0"/>
           </a:p>
@@ -3144,7 +3319,7 @@
           <a:p>
             <a:fld id="{1AA1D5F0-8E8E-4500-84C2-CE4F83C611F0}" type="datetime1">
               <a:rPr lang="en-US" smtClean="0"/>
-              <a:t>6/3/2016</a:t>
+              <a:t>6/6/2016</a:t>
             </a:fld>
             <a:endParaRPr lang="en-US" dirty="0"/>
           </a:p>
@@ -3191,7 +3366,7 @@
             <a:fld id="{D57F1E4F-1CFF-5643-939E-217C01CDF565}" type="slidenum">
               <a:rPr lang="en-US" smtClean="0"/>
               <a:pPr/>
-              <a:t>‹#›</a:t>
+              <a:t>‹N°›</a:t>
             </a:fld>
             <a:endParaRPr lang="en-US" dirty="0"/>
           </a:p>
@@ -3363,7 +3538,7 @@
           <a:p>
             <a:fld id="{3D30FC33-0DAA-4966-A924-06BA75148EF2}" type="datetime1">
               <a:rPr lang="en-US" smtClean="0"/>
-              <a:t>6/3/2016</a:t>
+              <a:t>6/6/2016</a:t>
             </a:fld>
             <a:endParaRPr lang="en-US" dirty="0"/>
           </a:p>
@@ -3447,7 +3622,7 @@
             <a:fld id="{D57F1E4F-1CFF-5643-939E-217C01CDF565}" type="slidenum">
               <a:rPr lang="en-US" smtClean="0"/>
               <a:pPr/>
-              <a:t>‹#›</a:t>
+              <a:t>‹N°›</a:t>
             </a:fld>
             <a:endParaRPr lang="en-US" dirty="0"/>
           </a:p>
@@ -3816,30 +3991,14 @@
           <a:p>
             <a:r>
               <a:rPr lang="fr-CH" dirty="0" smtClean="0"/>
-              <a:t>Browne </a:t>
-            </a:r>
+              <a:t>Browne Champion Djomo Hardy Richoz Rochat</a:t>
+            </a:r>
+            <a:endParaRPr lang="fr-CH" dirty="0"/>
+          </a:p>
+          <a:p>
             <a:r>
               <a:rPr lang="fr-CH" dirty="0" smtClean="0"/>
-              <a:t>Champion Djomo </a:t>
-            </a:r>
-            <a:r>
-              <a:rPr lang="fr-CH" dirty="0" smtClean="0"/>
-              <a:t>Hardy Richoz </a:t>
-            </a:r>
-            <a:r>
-              <a:rPr lang="fr-CH" dirty="0" smtClean="0"/>
-              <a:t>Rochat</a:t>
-            </a:r>
-            <a:endParaRPr lang="fr-CH" dirty="0"/>
-          </a:p>
-          <a:p>
-            <a:r>
-              <a:rPr lang="fr-CH" dirty="0" smtClean="0"/>
-              <a:t>Resp</a:t>
-            </a:r>
-            <a:r>
-              <a:rPr lang="fr-CH" dirty="0" smtClean="0"/>
-              <a:t>. René Rentsch</a:t>
+              <a:t>Resp. René Rentsch</a:t>
             </a:r>
             <a:endParaRPr lang="fr-CH" dirty="0"/>
           </a:p>
@@ -4080,7 +4239,6 @@
               <a:rPr lang="fr-CH" dirty="0" smtClean="0"/>
               <a:t>Présentation du projet - Brain</a:t>
             </a:r>
-            <a:endParaRPr lang="fr-CH" dirty="0" smtClean="0"/>
           </a:p>
           <a:p>
             <a:r>
@@ -4095,18 +4253,12 @@
               <a:rPr lang="fr-CH" dirty="0" smtClean="0"/>
               <a:t> jojo</a:t>
             </a:r>
-            <a:endParaRPr lang="fr-CH" dirty="0" smtClean="0"/>
           </a:p>
           <a:p>
             <a:r>
               <a:rPr lang="fr-CH" dirty="0" smtClean="0"/>
-              <a:t>Architecture </a:t>
-            </a:r>
-            <a:r>
-              <a:rPr lang="fr-CH" dirty="0" smtClean="0"/>
-              <a:t>de l’application - Champignon</a:t>
-            </a:r>
-            <a:endParaRPr lang="fr-CH" dirty="0" smtClean="0"/>
+              <a:t>Architecture de l’application - Champignon</a:t>
+            </a:r>
           </a:p>
           <a:p>
             <a:r>
@@ -4117,16 +4269,11 @@
               <a:rPr lang="fr-CH" dirty="0" smtClean="0"/>
               <a:t>ifficultés rencontrées – Riz chaud</a:t>
             </a:r>
-            <a:endParaRPr lang="fr-CH" dirty="0" smtClean="0"/>
           </a:p>
           <a:p>
             <a:r>
               <a:rPr lang="fr-CH" dirty="0" smtClean="0"/>
-              <a:t>Problèmes </a:t>
-            </a:r>
-            <a:r>
-              <a:rPr lang="fr-CH" dirty="0" smtClean="0"/>
-              <a:t>connus - Ronchon</a:t>
+              <a:t>Problèmes connus - Ronchon</a:t>
             </a:r>
           </a:p>
           <a:p>
@@ -4145,7 +4292,6 @@
               <a:rPr lang="fr-CH" dirty="0" smtClean="0"/>
               <a:t>Conclusion - Brain</a:t>
             </a:r>
-            <a:endParaRPr lang="fr-CH" dirty="0" smtClean="0"/>
           </a:p>
           <a:p>
             <a:pPr lvl="1"/>
@@ -4504,7 +4650,6 @@
               <a:rPr lang="fr-CH" dirty="0" smtClean="0"/>
               <a:t>HTML</a:t>
             </a:r>
-            <a:endParaRPr lang="fr-CH" dirty="0" smtClean="0"/>
           </a:p>
         </p:txBody>
       </p:sp>
@@ -4817,7 +4962,6 @@
               <a:rPr lang="fr-CH" dirty="0" smtClean="0"/>
               <a:t>Beaucoup de choix </a:t>
             </a:r>
-            <a:endParaRPr lang="fr-CH" dirty="0" smtClean="0"/>
           </a:p>
           <a:p>
             <a:r>

--- a/presentation/GraphY.pptx
+++ b/presentation/GraphY.pptx
@@ -124,6 +124,18 @@
 </p:presentation>
 </file>
 
+<file path=ppt/commentAuthors.xml><?xml version="1.0" encoding="utf-8"?>
+<p:cmAuthorLst xmlns:a="http://schemas.openxmlformats.org/drawingml/2006/main" xmlns:r="http://schemas.openxmlformats.org/officeDocument/2006/relationships" xmlns:p="http://schemas.openxmlformats.org/presentationml/2006/main">
+  <p:cmAuthor id="1" name="Patrick Deslé Djomo" initials="PDD" lastIdx="3" clrIdx="0">
+    <p:extLst>
+      <p:ext uri="{19B8F6BF-5375-455C-9EA6-DF929625EA0E}">
+        <p15:presenceInfo xmlns:p15="http://schemas.microsoft.com/office/powerpoint/2012/main" userId="83454cb298a537fa" providerId="Windows Live"/>
+      </p:ext>
+    </p:extLst>
+  </p:cmAuthor>
+</p:cmAuthorLst>
+</file>
+
 <file path=ppt/notesMasters/notesMaster1.xml><?xml version="1.0" encoding="utf-8"?>
 <p:notesMaster xmlns:a="http://schemas.openxmlformats.org/drawingml/2006/main" xmlns:r="http://schemas.openxmlformats.org/officeDocument/2006/relationships" xmlns:p="http://schemas.openxmlformats.org/presentationml/2006/main">
   <p:cSld>
@@ -686,48 +698,85 @@
           <a:bodyPr/>
           <a:lstStyle/>
           <a:p>
-            <a:pPr marL="171450" indent="-171450">
-              <a:buFontTx/>
-              <a:buChar char="-"/>
-            </a:pPr>
             <a:r>
               <a:rPr lang="fr-CH" dirty="0" smtClean="0"/>
-              <a:t>Expliquer chaque couche</a:t>
-            </a:r>
-          </a:p>
-          <a:p>
-            <a:pPr marL="628650" lvl="1" indent="-171450">
-              <a:buFontTx/>
-              <a:buChar char="-"/>
-            </a:pPr>
+              <a:t>-Tout d'abord, nous avons divisé le projet en sous couches donc on</a:t>
+            </a:r>
+            <a:r>
+              <a:rPr lang="fr-CH" baseline="0" dirty="0" smtClean="0"/>
+              <a:t> reviendra dessus dans le slide qui suit</a:t>
+            </a:r>
             <a:r>
               <a:rPr lang="fr-CH" dirty="0" smtClean="0"/>
-              <a:t>Avec</a:t>
+              <a:t>.</a:t>
+            </a:r>
+          </a:p>
+          <a:p>
+            <a:r>
+              <a:rPr lang="fr-CH" dirty="0" smtClean="0"/>
+              <a:t>-ensuite</a:t>
             </a:r>
             <a:r>
               <a:rPr lang="fr-CH" baseline="0" dirty="0" smtClean="0"/>
-              <a:t> ses dépendances</a:t>
-            </a:r>
-          </a:p>
-          <a:p>
-            <a:pPr marL="171450" lvl="0" indent="-171450">
-              <a:buFontTx/>
-              <a:buChar char="-"/>
-            </a:pPr>
+              <a:t> nous avons utilisé le pattern </a:t>
+            </a:r>
+            <a:r>
+              <a:rPr lang="fr-CH" baseline="0" dirty="0" err="1" smtClean="0"/>
+              <a:t>visitor</a:t>
+            </a:r>
             <a:r>
               <a:rPr lang="fr-CH" baseline="0" dirty="0" smtClean="0"/>
-              <a:t>Expliquer la réutilisabilité</a:t>
-            </a:r>
-          </a:p>
-          <a:p>
-            <a:pPr marL="628650" lvl="1" indent="-171450">
-              <a:buFontTx/>
-              <a:buChar char="-"/>
-            </a:pPr>
+              <a:t> pour implémenter nos algorithmes.</a:t>
+            </a:r>
+          </a:p>
+          <a:p>
             <a:r>
               <a:rPr lang="fr-CH" baseline="0" dirty="0" smtClean="0"/>
-              <a:t>Pour toutes les couches</a:t>
-            </a:r>
+              <a:t>-L’application a été </a:t>
+            </a:r>
+            <a:r>
+              <a:rPr lang="fr-CH" baseline="0" dirty="0" err="1" smtClean="0"/>
+              <a:t>dévéloppée</a:t>
+            </a:r>
+            <a:r>
+              <a:rPr lang="fr-CH" baseline="0" dirty="0" smtClean="0"/>
+              <a:t> en </a:t>
+            </a:r>
+            <a:r>
+              <a:rPr lang="fr-CH" baseline="0" dirty="0" err="1" smtClean="0"/>
+              <a:t>c++</a:t>
+            </a:r>
+            <a:r>
+              <a:rPr lang="fr-CH" baseline="0" dirty="0" smtClean="0"/>
+              <a:t>11 standard avec la </a:t>
+            </a:r>
+            <a:r>
+              <a:rPr lang="fr-CH" baseline="0" dirty="0" err="1" smtClean="0"/>
+              <a:t>biblothèque</a:t>
+            </a:r>
+            <a:r>
+              <a:rPr lang="fr-CH" baseline="0" dirty="0" smtClean="0"/>
+              <a:t> qt5. </a:t>
+            </a:r>
+            <a:r>
+              <a:rPr lang="fr-CH" baseline="0" smtClean="0"/>
+              <a:t>par ailleurs</a:t>
+            </a:r>
+            <a:r>
+              <a:rPr lang="fr-CH" baseline="0" dirty="0" smtClean="0"/>
+              <a:t>, nous aussi utilisé </a:t>
+            </a:r>
+            <a:r>
+              <a:rPr lang="fr-CH" baseline="0" dirty="0" err="1" smtClean="0"/>
+              <a:t>Boost.Spirit</a:t>
+            </a:r>
+            <a:r>
+              <a:rPr lang="fr-CH" baseline="0" dirty="0" smtClean="0"/>
+              <a:t> pour implémenter le parseur.</a:t>
+            </a:r>
+            <a:endParaRPr lang="fr-CH" dirty="0" smtClean="0"/>
+          </a:p>
+          <a:p>
             <a:endParaRPr lang="fr-CH" dirty="0"/>
           </a:p>
         </p:txBody>
@@ -749,7 +798,7 @@
           <a:p>
             <a:fld id="{135558CC-D944-408D-80C8-CC88573B5A11}" type="slidenum">
               <a:rPr lang="fr-CH" smtClean="0"/>
-              <a:t>5</a:t>
+              <a:t>4</a:t>
             </a:fld>
             <a:endParaRPr lang="fr-CH" dirty="0"/>
           </a:p>
@@ -758,7 +807,7 @@
     </p:spTree>
     <p:extLst>
       <p:ext uri="{BB962C8B-B14F-4D97-AF65-F5344CB8AC3E}">
-        <p14:creationId xmlns:p14="http://schemas.microsoft.com/office/powerpoint/2010/main" val="2688613341"/>
+        <p14:creationId xmlns:p14="http://schemas.microsoft.com/office/powerpoint/2010/main" val="1473012900"/>
       </p:ext>
     </p:extLst>
   </p:cSld>
@@ -4188,43 +4237,60 @@
           <a:p>
             <a:r>
               <a:rPr lang="fr-CH" dirty="0" smtClean="0"/>
-              <a:t>Présentation du projet</a:t>
+              <a:t>Présentation du projet - Brain</a:t>
             </a:r>
           </a:p>
           <a:p>
             <a:r>
               <a:rPr lang="fr-CH" dirty="0" smtClean="0"/>
-              <a:t>Approche de la problématique</a:t>
-            </a:r>
-          </a:p>
-          <a:p>
+              <a:t>Approche de la problématique – </a:t>
+            </a:r>
+            <a:r>
+              <a:rPr lang="fr-CH" dirty="0" err="1" smtClean="0"/>
+              <a:t>Modjo</a:t>
+            </a:r>
             <a:r>
               <a:rPr lang="fr-CH" dirty="0" smtClean="0"/>
-              <a:t>Architecture de l’application</a:t>
+              <a:t> jojo</a:t>
             </a:r>
           </a:p>
           <a:p>
             <a:r>
               <a:rPr lang="fr-CH" dirty="0" smtClean="0"/>
-              <a:t>Difficultés rencontrées</a:t>
-            </a:r>
-          </a:p>
-          <a:p>
+              <a:t>Architecture de l’application - Champignon</a:t>
+            </a:r>
+          </a:p>
+          <a:p>
+            <a:r>
+              <a:rPr lang="fr-CH" dirty="0"/>
+              <a:t>D</a:t>
+            </a:r>
             <a:r>
               <a:rPr lang="fr-CH" dirty="0" smtClean="0"/>
-              <a:t>Problèmes connus</a:t>
+              <a:t>ifficultés rencontrées – Riz chaud</a:t>
             </a:r>
           </a:p>
           <a:p>
             <a:r>
               <a:rPr lang="fr-CH" dirty="0" smtClean="0"/>
-              <a:t>Améliorations</a:t>
+              <a:t>Problèmes connus - Ronchon</a:t>
             </a:r>
           </a:p>
           <a:p>
             <a:r>
               <a:rPr lang="fr-CH" dirty="0" smtClean="0"/>
-              <a:t>Conclusion</a:t>
+              <a:t>Améliorations - </a:t>
+            </a:r>
+            <a:r>
+              <a:rPr lang="fr-CH" dirty="0" err="1" smtClean="0"/>
+              <a:t>Hardu</a:t>
+            </a:r>
+            <a:endParaRPr lang="fr-CH" dirty="0" smtClean="0"/>
+          </a:p>
+          <a:p>
+            <a:r>
+              <a:rPr lang="fr-CH" dirty="0" smtClean="0"/>
+              <a:t>Conclusion - Brain</a:t>
             </a:r>
           </a:p>
           <a:p>
@@ -4574,14 +4640,16 @@
           <a:p>
             <a:pPr lvl="1"/>
             <a:r>
-              <a:rPr lang="fr-CH" dirty="0" err="1" smtClean="0"/>
-              <a:t>Qt</a:t>
-            </a:r>
-            <a:r>
-              <a:rPr lang="fr-CH" smtClean="0"/>
-              <a:t> 5</a:t>
-            </a:r>
-            <a:endParaRPr lang="fr-CH" dirty="0" smtClean="0"/>
+              <a:rPr lang="fr-CH" dirty="0" smtClean="0"/>
+              <a:t>Qt 5</a:t>
+            </a:r>
+          </a:p>
+          <a:p>
+            <a:pPr lvl="1"/>
+            <a:r>
+              <a:rPr lang="fr-CH" dirty="0" smtClean="0"/>
+              <a:t>HTML</a:t>
+            </a:r>
           </a:p>
         </p:txBody>
       </p:sp>
@@ -4703,7 +4771,7 @@
           </p:nvPr>
         </p:nvPicPr>
         <p:blipFill>
-          <a:blip r:embed="rId3">
+          <a:blip r:embed="rId2">
             <a:extLst>
               <a:ext uri="{28A0092B-C50C-407E-A947-70E740481C1C}">
                 <a14:useLocalDpi xmlns:a14="http://schemas.microsoft.com/office/drawing/2010/main" val="0"/>

--- a/presentation/GraphY.pptx
+++ b/presentation/GraphY.pptx
@@ -808,6 +808,404 @@
     <p:extLst>
       <p:ext uri="{BB962C8B-B14F-4D97-AF65-F5344CB8AC3E}">
         <p14:creationId xmlns:p14="http://schemas.microsoft.com/office/powerpoint/2010/main" val="1473012900"/>
+      </p:ext>
+    </p:extLst>
+  </p:cSld>
+  <p:clrMapOvr>
+    <a:masterClrMapping/>
+  </p:clrMapOvr>
+</p:notes>
+</file>
+
+<file path=ppt/notesSlides/notesSlide4.xml><?xml version="1.0" encoding="utf-8"?>
+<p:notes xmlns:a="http://schemas.openxmlformats.org/drawingml/2006/main" xmlns:r="http://schemas.openxmlformats.org/officeDocument/2006/relationships" xmlns:p="http://schemas.openxmlformats.org/presentationml/2006/main">
+  <p:cSld>
+    <p:spTree>
+      <p:nvGrpSpPr>
+        <p:cNvPr id="1" name=""/>
+        <p:cNvGrpSpPr/>
+        <p:nvPr/>
+      </p:nvGrpSpPr>
+      <p:grpSpPr>
+        <a:xfrm>
+          <a:off x="0" y="0"/>
+          <a:ext cx="0" cy="0"/>
+          <a:chOff x="0" y="0"/>
+          <a:chExt cx="0" cy="0"/>
+        </a:xfrm>
+      </p:grpSpPr>
+      <p:sp>
+        <p:nvSpPr>
+          <p:cNvPr id="2" name="Espace réservé de l'image des diapositives 1"/>
+          <p:cNvSpPr>
+            <a:spLocks noGrp="1" noRot="1" noChangeAspect="1"/>
+          </p:cNvSpPr>
+          <p:nvPr>
+            <p:ph type="sldImg"/>
+          </p:nvPr>
+        </p:nvSpPr>
+        <p:spPr/>
+      </p:sp>
+      <p:sp>
+        <p:nvSpPr>
+          <p:cNvPr id="3" name="Espace réservé des commentaires 2"/>
+          <p:cNvSpPr>
+            <a:spLocks noGrp="1"/>
+          </p:cNvSpPr>
+          <p:nvPr>
+            <p:ph type="body" idx="1"/>
+          </p:nvPr>
+        </p:nvSpPr>
+        <p:spPr/>
+        <p:txBody>
+          <a:bodyPr/>
+          <a:lstStyle/>
+          <a:p>
+            <a:pPr marL="171450" indent="-171450">
+              <a:buFontTx/>
+              <a:buChar char="-"/>
+            </a:pPr>
+            <a:r>
+              <a:rPr lang="fr-CH" dirty="0" smtClean="0"/>
+              <a:t>Expliquer chaque</a:t>
+            </a:r>
+            <a:r>
+              <a:rPr lang="fr-CH" baseline="0" dirty="0" smtClean="0"/>
+              <a:t> couche</a:t>
+            </a:r>
+          </a:p>
+          <a:p>
+            <a:pPr marL="628650" lvl="1" indent="-171450">
+              <a:buFontTx/>
+              <a:buChar char="-"/>
+            </a:pPr>
+            <a:r>
+              <a:rPr lang="fr-CH" baseline="0" dirty="0" smtClean="0"/>
+              <a:t>Et ses dépendances</a:t>
+            </a:r>
+          </a:p>
+          <a:p>
+            <a:pPr marL="171450" lvl="0" indent="-171450">
+              <a:buFontTx/>
+              <a:buChar char="-"/>
+            </a:pPr>
+            <a:r>
+              <a:rPr lang="fr-CH" baseline="0" dirty="0" smtClean="0"/>
+              <a:t>Expliquer la réutilisabilité</a:t>
+            </a:r>
+          </a:p>
+          <a:p>
+            <a:pPr marL="628650" lvl="1" indent="-171450">
+              <a:buFontTx/>
+              <a:buChar char="-"/>
+            </a:pPr>
+            <a:r>
+              <a:rPr lang="fr-CH" baseline="0" dirty="0" smtClean="0"/>
+              <a:t>Pour chaque couche</a:t>
+            </a:r>
+            <a:endParaRPr lang="fr-CH" dirty="0"/>
+          </a:p>
+        </p:txBody>
+      </p:sp>
+      <p:sp>
+        <p:nvSpPr>
+          <p:cNvPr id="4" name="Espace réservé du numéro de diapositive 3"/>
+          <p:cNvSpPr>
+            <a:spLocks noGrp="1"/>
+          </p:cNvSpPr>
+          <p:nvPr>
+            <p:ph type="sldNum" sz="quarter" idx="10"/>
+          </p:nvPr>
+        </p:nvSpPr>
+        <p:spPr/>
+        <p:txBody>
+          <a:bodyPr/>
+          <a:lstStyle/>
+          <a:p>
+            <a:fld id="{135558CC-D944-408D-80C8-CC88573B5A11}" type="slidenum">
+              <a:rPr lang="fr-CH" smtClean="0"/>
+              <a:t>5</a:t>
+            </a:fld>
+            <a:endParaRPr lang="fr-CH" dirty="0"/>
+          </a:p>
+        </p:txBody>
+      </p:sp>
+    </p:spTree>
+    <p:extLst>
+      <p:ext uri="{BB962C8B-B14F-4D97-AF65-F5344CB8AC3E}">
+        <p14:creationId xmlns:p14="http://schemas.microsoft.com/office/powerpoint/2010/main" val="3077873374"/>
+      </p:ext>
+    </p:extLst>
+  </p:cSld>
+  <p:clrMapOvr>
+    <a:masterClrMapping/>
+  </p:clrMapOvr>
+</p:notes>
+</file>
+
+<file path=ppt/notesSlides/notesSlide5.xml><?xml version="1.0" encoding="utf-8"?>
+<p:notes xmlns:a="http://schemas.openxmlformats.org/drawingml/2006/main" xmlns:r="http://schemas.openxmlformats.org/officeDocument/2006/relationships" xmlns:p="http://schemas.openxmlformats.org/presentationml/2006/main">
+  <p:cSld>
+    <p:spTree>
+      <p:nvGrpSpPr>
+        <p:cNvPr id="1" name=""/>
+        <p:cNvGrpSpPr/>
+        <p:nvPr/>
+      </p:nvGrpSpPr>
+      <p:grpSpPr>
+        <a:xfrm>
+          <a:off x="0" y="0"/>
+          <a:ext cx="0" cy="0"/>
+          <a:chOff x="0" y="0"/>
+          <a:chExt cx="0" cy="0"/>
+        </a:xfrm>
+      </p:grpSpPr>
+      <p:sp>
+        <p:nvSpPr>
+          <p:cNvPr id="2" name="Espace réservé de l'image des diapositives 1"/>
+          <p:cNvSpPr>
+            <a:spLocks noGrp="1" noRot="1" noChangeAspect="1"/>
+          </p:cNvSpPr>
+          <p:nvPr>
+            <p:ph type="sldImg"/>
+          </p:nvPr>
+        </p:nvSpPr>
+        <p:spPr/>
+      </p:sp>
+      <p:sp>
+        <p:nvSpPr>
+          <p:cNvPr id="3" name="Espace réservé des commentaires 2"/>
+          <p:cNvSpPr>
+            <a:spLocks noGrp="1"/>
+          </p:cNvSpPr>
+          <p:nvPr>
+            <p:ph type="body" idx="1"/>
+          </p:nvPr>
+        </p:nvSpPr>
+        <p:spPr/>
+        <p:txBody>
+          <a:bodyPr/>
+          <a:lstStyle/>
+          <a:p>
+            <a:r>
+              <a:rPr lang="fr-CH" dirty="0" smtClean="0"/>
+              <a:t>Apprentissage </a:t>
+            </a:r>
+            <a:r>
+              <a:rPr lang="fr-CH" dirty="0" err="1" smtClean="0"/>
+              <a:t>Qt</a:t>
+            </a:r>
+            <a:endParaRPr lang="fr-CH" dirty="0" smtClean="0"/>
+          </a:p>
+          <a:p>
+            <a:r>
+              <a:rPr lang="fr-CH" dirty="0" smtClean="0"/>
+              <a:t>    - Beaucoup de choix pour réaliser la même chose</a:t>
+            </a:r>
+          </a:p>
+          <a:p>
+            <a:r>
+              <a:rPr lang="fr-CH" dirty="0" smtClean="0"/>
+              <a:t>    - Perte de temps lorsqu’on part dans la mauvaise direction</a:t>
+            </a:r>
+          </a:p>
+          <a:p>
+            <a:endParaRPr lang="fr-CH" dirty="0" smtClean="0"/>
+          </a:p>
+          <a:p>
+            <a:r>
+              <a:rPr lang="fr-CH" dirty="0" smtClean="0"/>
+              <a:t>Conception plus longue que prévue</a:t>
+            </a:r>
+          </a:p>
+          <a:p>
+            <a:r>
+              <a:rPr lang="fr-CH" dirty="0" smtClean="0"/>
+              <a:t>    - Décalage des tâches</a:t>
+            </a:r>
+          </a:p>
+          <a:p>
+            <a:endParaRPr lang="fr-CH" dirty="0" smtClean="0"/>
+          </a:p>
+          <a:p>
+            <a:r>
+              <a:rPr lang="fr-CH" dirty="0" smtClean="0"/>
+              <a:t>Couche graphe sous-estimée</a:t>
+            </a:r>
+          </a:p>
+          <a:p>
+            <a:r>
+              <a:rPr lang="fr-CH" dirty="0" smtClean="0"/>
+              <a:t>    - conception faite et refaite car n’était pas optimale</a:t>
+            </a:r>
+          </a:p>
+          <a:p>
+            <a:endParaRPr lang="fr-CH" dirty="0" smtClean="0"/>
+          </a:p>
+          <a:p>
+            <a:r>
+              <a:rPr lang="fr-CH" dirty="0" smtClean="0"/>
+              <a:t>Mise en commun des différentes couches</a:t>
+            </a:r>
+          </a:p>
+          <a:p>
+            <a:r>
+              <a:rPr lang="fr-CH" dirty="0" smtClean="0"/>
+              <a:t>    - identifier la provenance des bugs occasionnés</a:t>
+            </a:r>
+            <a:endParaRPr lang="fr-CH" dirty="0"/>
+          </a:p>
+        </p:txBody>
+      </p:sp>
+      <p:sp>
+        <p:nvSpPr>
+          <p:cNvPr id="4" name="Espace réservé du numéro de diapositive 3"/>
+          <p:cNvSpPr>
+            <a:spLocks noGrp="1"/>
+          </p:cNvSpPr>
+          <p:nvPr>
+            <p:ph type="sldNum" sz="quarter" idx="10"/>
+          </p:nvPr>
+        </p:nvSpPr>
+        <p:spPr/>
+        <p:txBody>
+          <a:bodyPr/>
+          <a:lstStyle/>
+          <a:p>
+            <a:fld id="{135558CC-D944-408D-80C8-CC88573B5A11}" type="slidenum">
+              <a:rPr lang="fr-CH" smtClean="0"/>
+              <a:t>6</a:t>
+            </a:fld>
+            <a:endParaRPr lang="fr-CH" dirty="0"/>
+          </a:p>
+        </p:txBody>
+      </p:sp>
+    </p:spTree>
+    <p:extLst>
+      <p:ext uri="{BB962C8B-B14F-4D97-AF65-F5344CB8AC3E}">
+        <p14:creationId xmlns:p14="http://schemas.microsoft.com/office/powerpoint/2010/main" val="1596446032"/>
+      </p:ext>
+    </p:extLst>
+  </p:cSld>
+  <p:clrMapOvr>
+    <a:masterClrMapping/>
+  </p:clrMapOvr>
+</p:notes>
+</file>
+
+<file path=ppt/notesSlides/notesSlide6.xml><?xml version="1.0" encoding="utf-8"?>
+<p:notes xmlns:a="http://schemas.openxmlformats.org/drawingml/2006/main" xmlns:r="http://schemas.openxmlformats.org/officeDocument/2006/relationships" xmlns:p="http://schemas.openxmlformats.org/presentationml/2006/main">
+  <p:cSld>
+    <p:spTree>
+      <p:nvGrpSpPr>
+        <p:cNvPr id="1" name=""/>
+        <p:cNvGrpSpPr/>
+        <p:nvPr/>
+      </p:nvGrpSpPr>
+      <p:grpSpPr>
+        <a:xfrm>
+          <a:off x="0" y="0"/>
+          <a:ext cx="0" cy="0"/>
+          <a:chOff x="0" y="0"/>
+          <a:chExt cx="0" cy="0"/>
+        </a:xfrm>
+      </p:grpSpPr>
+      <p:sp>
+        <p:nvSpPr>
+          <p:cNvPr id="2" name="Espace réservé de l'image des diapositives 1"/>
+          <p:cNvSpPr>
+            <a:spLocks noGrp="1" noRot="1" noChangeAspect="1"/>
+          </p:cNvSpPr>
+          <p:nvPr>
+            <p:ph type="sldImg"/>
+          </p:nvPr>
+        </p:nvSpPr>
+        <p:spPr/>
+      </p:sp>
+      <p:sp>
+        <p:nvSpPr>
+          <p:cNvPr id="3" name="Espace réservé des commentaires 2"/>
+          <p:cNvSpPr>
+            <a:spLocks noGrp="1"/>
+          </p:cNvSpPr>
+          <p:nvPr>
+            <p:ph type="body" idx="1"/>
+          </p:nvPr>
+        </p:nvSpPr>
+        <p:spPr/>
+        <p:txBody>
+          <a:bodyPr/>
+          <a:lstStyle/>
+          <a:p>
+            <a:r>
+              <a:rPr lang="fr-CH" dirty="0" smtClean="0"/>
+              <a:t>Certains algorithmes retournent</a:t>
+            </a:r>
+            <a:r>
+              <a:rPr lang="fr-CH" baseline="0" dirty="0" smtClean="0"/>
+              <a:t> des nœuds avec des index modifiés ce qui provoque des erreurs lors de la visualisation et dans l’interpréteur.</a:t>
+            </a:r>
+          </a:p>
+          <a:p>
+            <a:r>
+              <a:rPr lang="fr-CH" baseline="0" dirty="0" smtClean="0"/>
+              <a:t>Fuites mémoires détectée à l’aide du programme Dr Memory (Windows). Affiche un rapport détaillé avec les méthodes </a:t>
+            </a:r>
+            <a:r>
+              <a:rPr lang="fr-CH" baseline="0" dirty="0" err="1" smtClean="0"/>
+              <a:t>possants</a:t>
+            </a:r>
+            <a:r>
+              <a:rPr lang="fr-CH" baseline="0" dirty="0" smtClean="0"/>
+              <a:t> problème (objet pas </a:t>
+            </a:r>
+            <a:r>
+              <a:rPr lang="fr-CH" baseline="0" dirty="0" err="1" smtClean="0"/>
+              <a:t>désaloués</a:t>
+            </a:r>
+            <a:r>
+              <a:rPr lang="fr-CH" baseline="0" dirty="0" smtClean="0"/>
+              <a:t>).</a:t>
+            </a:r>
+          </a:p>
+          <a:p>
+            <a:endParaRPr lang="fr-CH" baseline="0" dirty="0" smtClean="0"/>
+          </a:p>
+          <a:p>
+            <a:r>
+              <a:rPr lang="fr-CH" baseline="0" dirty="0" smtClean="0"/>
+              <a:t>Bugs détectés à la fin, on sait ou ils sont, facile à corriger par la suite.</a:t>
+            </a:r>
+          </a:p>
+        </p:txBody>
+      </p:sp>
+      <p:sp>
+        <p:nvSpPr>
+          <p:cNvPr id="4" name="Espace réservé du numéro de diapositive 3"/>
+          <p:cNvSpPr>
+            <a:spLocks noGrp="1"/>
+          </p:cNvSpPr>
+          <p:nvPr>
+            <p:ph type="sldNum" sz="quarter" idx="10"/>
+          </p:nvPr>
+        </p:nvSpPr>
+        <p:spPr/>
+        <p:txBody>
+          <a:bodyPr/>
+          <a:lstStyle/>
+          <a:p>
+            <a:fld id="{135558CC-D944-408D-80C8-CC88573B5A11}" type="slidenum">
+              <a:rPr lang="fr-CH" smtClean="0"/>
+              <a:t>7</a:t>
+            </a:fld>
+            <a:endParaRPr lang="fr-CH" dirty="0"/>
+          </a:p>
+        </p:txBody>
+      </p:sp>
+    </p:spTree>
+    <p:extLst>
+      <p:ext uri="{BB962C8B-B14F-4D97-AF65-F5344CB8AC3E}">
+        <p14:creationId xmlns:p14="http://schemas.microsoft.com/office/powerpoint/2010/main" val="2800087807"/>
       </p:ext>
     </p:extLst>
   </p:cSld>
@@ -4237,27 +4635,19 @@
           <a:p>
             <a:r>
               <a:rPr lang="fr-CH" dirty="0" smtClean="0"/>
-              <a:t>Présentation du projet - Brain</a:t>
+              <a:t>Présentation du projet </a:t>
             </a:r>
           </a:p>
           <a:p>
             <a:r>
               <a:rPr lang="fr-CH" dirty="0" smtClean="0"/>
-              <a:t>Approche de la problématique – </a:t>
-            </a:r>
-            <a:r>
-              <a:rPr lang="fr-CH" dirty="0" err="1" smtClean="0"/>
-              <a:t>Modjo</a:t>
-            </a:r>
+              <a:t>Approche de la problématique </a:t>
+            </a:r>
+          </a:p>
+          <a:p>
             <a:r>
               <a:rPr lang="fr-CH" dirty="0" smtClean="0"/>
-              <a:t> jojo</a:t>
-            </a:r>
-          </a:p>
-          <a:p>
-            <a:r>
-              <a:rPr lang="fr-CH" dirty="0" smtClean="0"/>
-              <a:t>Architecture de l’application - Champignon</a:t>
+              <a:t>Architecture de l’application </a:t>
             </a:r>
           </a:p>
           <a:p>
@@ -4267,30 +4657,25 @@
             </a:r>
             <a:r>
               <a:rPr lang="fr-CH" dirty="0" smtClean="0"/>
-              <a:t>ifficultés rencontrées – Riz chaud</a:t>
+              <a:t>ifficultés rencontrées </a:t>
             </a:r>
           </a:p>
           <a:p>
             <a:r>
               <a:rPr lang="fr-CH" dirty="0" smtClean="0"/>
-              <a:t>Problèmes connus - Ronchon</a:t>
+              <a:t>Problèmes connus </a:t>
             </a:r>
           </a:p>
           <a:p>
             <a:r>
               <a:rPr lang="fr-CH" dirty="0" smtClean="0"/>
-              <a:t>Améliorations - </a:t>
-            </a:r>
-            <a:r>
-              <a:rPr lang="fr-CH" dirty="0" err="1" smtClean="0"/>
-              <a:t>Hardu</a:t>
-            </a:r>
-            <a:endParaRPr lang="fr-CH" dirty="0" smtClean="0"/>
+              <a:t>Améliorations </a:t>
+            </a:r>
           </a:p>
           <a:p>
             <a:r>
               <a:rPr lang="fr-CH" dirty="0" smtClean="0"/>
-              <a:t>Conclusion - Brain</a:t>
+              <a:t>Conclusion </a:t>
             </a:r>
           </a:p>
           <a:p>
@@ -4771,7 +5156,7 @@
           </p:nvPr>
         </p:nvPicPr>
         <p:blipFill>
-          <a:blip r:embed="rId2">
+          <a:blip r:embed="rId3">
             <a:extLst>
               <a:ext uri="{28A0092B-C50C-407E-A947-70E740481C1C}">
                 <a14:useLocalDpi xmlns:a14="http://schemas.microsoft.com/office/drawing/2010/main" val="0"/>
@@ -5039,7 +5424,7 @@
           <p:nvPr/>
         </p:nvPicPr>
         <p:blipFill>
-          <a:blip r:embed="rId2">
+          <a:blip r:embed="rId3">
             <a:extLst>
               <a:ext uri="{28A0092B-C50C-407E-A947-70E740481C1C}">
                 <a14:useLocalDpi xmlns:a14="http://schemas.microsoft.com/office/drawing/2010/main" val="0"/>

--- a/presentation/GraphY.pptx
+++ b/presentation/GraphY.pptx
@@ -377,7 +377,7 @@
           <a:p>
             <a:fld id="{135558CC-D944-408D-80C8-CC88573B5A11}" type="slidenum">
               <a:rPr lang="fr-CH" smtClean="0"/>
-              <a:t>‹N°›</a:t>
+              <a:t>‹#›</a:t>
             </a:fld>
             <a:endParaRPr lang="fr-CH" dirty="0"/>
           </a:p>
@@ -614,6 +614,70 @@
           <a:bodyPr/>
           <a:lstStyle/>
           <a:p>
+            <a:r>
+              <a:rPr lang="fr-CH" dirty="0" smtClean="0"/>
+              <a:t>Présentation du projet - Browne</a:t>
+            </a:r>
+          </a:p>
+          <a:p>
+            <a:r>
+              <a:rPr lang="fr-CH" dirty="0" smtClean="0"/>
+              <a:t>Approche de la problématique – </a:t>
+            </a:r>
+            <a:r>
+              <a:rPr lang="fr-CH" dirty="0" err="1" smtClean="0"/>
+              <a:t>Djomo</a:t>
+            </a:r>
+            <a:endParaRPr lang="fr-CH" dirty="0" smtClean="0"/>
+          </a:p>
+          <a:p>
+            <a:r>
+              <a:rPr lang="fr-CH" dirty="0" smtClean="0"/>
+              <a:t>Architecture de l’application - Champion</a:t>
+            </a:r>
+          </a:p>
+          <a:p>
+            <a:r>
+              <a:rPr lang="fr-CH" dirty="0" smtClean="0"/>
+              <a:t>Difficultés rencontrées – </a:t>
+            </a:r>
+            <a:r>
+              <a:rPr lang="fr-CH" dirty="0" err="1" smtClean="0"/>
+              <a:t>Richoz</a:t>
+            </a:r>
+            <a:endParaRPr lang="fr-CH" dirty="0" smtClean="0"/>
+          </a:p>
+          <a:p>
+            <a:r>
+              <a:rPr lang="fr-CH" dirty="0" smtClean="0"/>
+              <a:t>Problèmes connus - </a:t>
+            </a:r>
+            <a:r>
+              <a:rPr lang="fr-CH" dirty="0" err="1" smtClean="0"/>
+              <a:t>Rochat</a:t>
+            </a:r>
+            <a:endParaRPr lang="fr-CH" dirty="0" smtClean="0"/>
+          </a:p>
+          <a:p>
+            <a:r>
+              <a:rPr lang="fr-CH" dirty="0" smtClean="0"/>
+              <a:t>Améliorations - Hardy</a:t>
+            </a:r>
+          </a:p>
+          <a:p>
+            <a:r>
+              <a:rPr lang="fr-CH" dirty="0" smtClean="0"/>
+              <a:t>Conclusion - Browne</a:t>
+            </a:r>
+          </a:p>
+          <a:p>
+            <a:pPr lvl="1"/>
+            <a:r>
+              <a:rPr lang="fr-CH" dirty="0" smtClean="0"/>
+              <a:t>Démonstration</a:t>
+            </a:r>
+          </a:p>
+          <a:p>
             <a:endParaRPr lang="fr-FR" dirty="0"/>
           </a:p>
         </p:txBody>
@@ -635,7 +699,7 @@
           <a:p>
             <a:fld id="{135558CC-D944-408D-80C8-CC88573B5A11}" type="slidenum">
               <a:rPr lang="fr-CH" smtClean="0"/>
-              <a:t>3</a:t>
+              <a:t>2</a:t>
             </a:fld>
             <a:endParaRPr lang="fr-CH" dirty="0"/>
           </a:p>
@@ -644,7 +708,7 @@
     </p:spTree>
     <p:extLst>
       <p:ext uri="{BB962C8B-B14F-4D97-AF65-F5344CB8AC3E}">
-        <p14:creationId xmlns:p14="http://schemas.microsoft.com/office/powerpoint/2010/main" val="3227801442"/>
+        <p14:creationId xmlns:p14="http://schemas.microsoft.com/office/powerpoint/2010/main" val="2504804725"/>
       </p:ext>
     </p:extLst>
   </p:cSld>
@@ -673,7 +737,7 @@
       </p:grpSpPr>
       <p:sp>
         <p:nvSpPr>
-          <p:cNvPr id="2" name="Espace réservé de l'image des diapositives 1"/>
+          <p:cNvPr id="2" name="Slide Image Placeholder 1"/>
           <p:cNvSpPr>
             <a:spLocks noGrp="1" noRot="1" noChangeAspect="1"/>
           </p:cNvSpPr>
@@ -685,7 +749,7 @@
       </p:sp>
       <p:sp>
         <p:nvSpPr>
-          <p:cNvPr id="3" name="Espace réservé des commentaires 2"/>
+          <p:cNvPr id="3" name="Notes Placeholder 2"/>
           <p:cNvSpPr>
             <a:spLocks noGrp="1"/>
           </p:cNvSpPr>
@@ -699,91 +763,28 @@
           <a:lstStyle/>
           <a:p>
             <a:r>
-              <a:rPr lang="fr-CH" dirty="0" smtClean="0"/>
-              <a:t>-Tout d'abord, nous avons divisé le projet en sous couches donc on</a:t>
-            </a:r>
-            <a:r>
-              <a:rPr lang="fr-CH" baseline="0" dirty="0" smtClean="0"/>
-              <a:t> reviendra dessus dans le slide qui suit</a:t>
-            </a:r>
-            <a:r>
-              <a:rPr lang="fr-CH" dirty="0" smtClean="0"/>
-              <a:t>.</a:t>
-            </a:r>
-          </a:p>
-          <a:p>
-            <a:r>
-              <a:rPr lang="fr-CH" dirty="0" smtClean="0"/>
-              <a:t>-ensuite</a:t>
-            </a:r>
-            <a:r>
-              <a:rPr lang="fr-CH" baseline="0" dirty="0" smtClean="0"/>
-              <a:t> nous avons utilisé le pattern </a:t>
-            </a:r>
-            <a:r>
-              <a:rPr lang="fr-CH" baseline="0" dirty="0" err="1" smtClean="0"/>
-              <a:t>visitor</a:t>
-            </a:r>
-            <a:r>
-              <a:rPr lang="fr-CH" baseline="0" dirty="0" smtClean="0"/>
-              <a:t> pour implémenter nos algorithmes.</a:t>
-            </a:r>
-          </a:p>
-          <a:p>
-            <a:r>
-              <a:rPr lang="fr-CH" baseline="0" dirty="0" smtClean="0"/>
-              <a:t>-L’application a été </a:t>
-            </a:r>
-            <a:r>
-              <a:rPr lang="fr-CH" baseline="0" dirty="0" err="1" smtClean="0"/>
-              <a:t>dévéloppée</a:t>
-            </a:r>
-            <a:r>
-              <a:rPr lang="fr-CH" baseline="0" dirty="0" smtClean="0"/>
-              <a:t> en </a:t>
-            </a:r>
-            <a:r>
-              <a:rPr lang="fr-CH" baseline="0" dirty="0" err="1" smtClean="0"/>
-              <a:t>c++</a:t>
-            </a:r>
-            <a:r>
-              <a:rPr lang="fr-CH" baseline="0" dirty="0" smtClean="0"/>
-              <a:t>11 standard avec la </a:t>
-            </a:r>
-            <a:r>
-              <a:rPr lang="fr-CH" baseline="0" dirty="0" err="1" smtClean="0"/>
-              <a:t>biblothèque</a:t>
-            </a:r>
-            <a:r>
-              <a:rPr lang="fr-CH" baseline="0" dirty="0" smtClean="0"/>
-              <a:t> qt5. </a:t>
-            </a:r>
-            <a:r>
-              <a:rPr lang="fr-CH" baseline="0" smtClean="0"/>
-              <a:t>par ailleurs</a:t>
-            </a:r>
-            <a:r>
-              <a:rPr lang="fr-CH" baseline="0" dirty="0" smtClean="0"/>
-              <a:t>, nous aussi utilisé </a:t>
-            </a:r>
-            <a:r>
-              <a:rPr lang="fr-CH" baseline="0" dirty="0" err="1" smtClean="0"/>
-              <a:t>Boost.Spirit</a:t>
-            </a:r>
-            <a:r>
-              <a:rPr lang="fr-CH" baseline="0" dirty="0" smtClean="0"/>
-              <a:t> pour implémenter le parseur.</a:t>
-            </a:r>
-            <a:endParaRPr lang="fr-CH" dirty="0" smtClean="0"/>
-          </a:p>
-          <a:p>
-            <a:endParaRPr lang="fr-CH" dirty="0"/>
-          </a:p>
-        </p:txBody>
-      </p:sp>
-      <p:sp>
-        <p:nvSpPr>
-          <p:cNvPr id="4" name="Espace réservé du numéro de diapositive 3"/>
+              <a:rPr lang="fr-FR" dirty="0" smtClean="0"/>
+              <a:t>-&gt;</a:t>
+            </a:r>
+            <a:r>
+              <a:rPr lang="fr-FR" dirty="0" err="1" smtClean="0"/>
+              <a:t>Djomo</a:t>
+            </a:r>
+            <a:r>
+              <a:rPr lang="fr-FR" dirty="0" smtClean="0"/>
+              <a:t> :</a:t>
+            </a:r>
+            <a:r>
+              <a:rPr lang="fr-FR" baseline="0" dirty="0" smtClean="0"/>
+              <a:t> Approche de la problématique</a:t>
+            </a:r>
+            <a:endParaRPr lang="fr-FR" dirty="0"/>
+          </a:p>
+        </p:txBody>
+      </p:sp>
+      <p:sp>
+        <p:nvSpPr>
+          <p:cNvPr id="4" name="Slide Number Placeholder 3"/>
           <p:cNvSpPr>
             <a:spLocks noGrp="1"/>
           </p:cNvSpPr>
@@ -798,7 +799,7 @@
           <a:p>
             <a:fld id="{135558CC-D944-408D-80C8-CC88573B5A11}" type="slidenum">
               <a:rPr lang="fr-CH" smtClean="0"/>
-              <a:t>4</a:t>
+              <a:t>3</a:t>
             </a:fld>
             <a:endParaRPr lang="fr-CH" dirty="0"/>
           </a:p>
@@ -807,7 +808,7 @@
     </p:spTree>
     <p:extLst>
       <p:ext uri="{BB962C8B-B14F-4D97-AF65-F5344CB8AC3E}">
-        <p14:creationId xmlns:p14="http://schemas.microsoft.com/office/powerpoint/2010/main" val="1473012900"/>
+        <p14:creationId xmlns:p14="http://schemas.microsoft.com/office/powerpoint/2010/main" val="3227801442"/>
       </p:ext>
     </p:extLst>
   </p:cSld>
@@ -861,48 +862,85 @@
           <a:bodyPr/>
           <a:lstStyle/>
           <a:p>
-            <a:pPr marL="171450" indent="-171450">
-              <a:buFontTx/>
-              <a:buChar char="-"/>
-            </a:pPr>
             <a:r>
               <a:rPr lang="fr-CH" dirty="0" smtClean="0"/>
-              <a:t>Expliquer chaque</a:t>
+              <a:t>-Tout d'abord, nous avons divisé le projet en sous couches donc on</a:t>
             </a:r>
             <a:r>
               <a:rPr lang="fr-CH" baseline="0" dirty="0" smtClean="0"/>
-              <a:t> couche</a:t>
-            </a:r>
-          </a:p>
-          <a:p>
-            <a:pPr marL="628650" lvl="1" indent="-171450">
-              <a:buFontTx/>
-              <a:buChar char="-"/>
-            </a:pPr>
+              <a:t> reviendra dessus dans le slide qui suit</a:t>
+            </a:r>
+            <a:r>
+              <a:rPr lang="fr-CH" dirty="0" smtClean="0"/>
+              <a:t>.</a:t>
+            </a:r>
+          </a:p>
+          <a:p>
+            <a:r>
+              <a:rPr lang="fr-CH" dirty="0" smtClean="0"/>
+              <a:t>-ensuite</a:t>
+            </a:r>
             <a:r>
               <a:rPr lang="fr-CH" baseline="0" dirty="0" smtClean="0"/>
-              <a:t>Et ses dépendances</a:t>
-            </a:r>
-          </a:p>
-          <a:p>
-            <a:pPr marL="171450" lvl="0" indent="-171450">
-              <a:buFontTx/>
-              <a:buChar char="-"/>
-            </a:pPr>
+              <a:t> nous avons utilisé le pattern </a:t>
+            </a:r>
+            <a:r>
+              <a:rPr lang="fr-CH" baseline="0" dirty="0" err="1" smtClean="0"/>
+              <a:t>visitor</a:t>
+            </a:r>
             <a:r>
               <a:rPr lang="fr-CH" baseline="0" dirty="0" smtClean="0"/>
-              <a:t>Expliquer la réutilisabilité</a:t>
-            </a:r>
-          </a:p>
-          <a:p>
-            <a:pPr marL="628650" lvl="1" indent="-171450">
-              <a:buFontTx/>
-              <a:buChar char="-"/>
-            </a:pPr>
+              <a:t> pour implémenter nos algorithmes.</a:t>
+            </a:r>
+          </a:p>
+          <a:p>
             <a:r>
               <a:rPr lang="fr-CH" baseline="0" dirty="0" smtClean="0"/>
-              <a:t>Pour chaque couche</a:t>
-            </a:r>
+              <a:t>-L’application a été </a:t>
+            </a:r>
+            <a:r>
+              <a:rPr lang="fr-CH" baseline="0" dirty="0" err="1" smtClean="0"/>
+              <a:t>dévéloppée</a:t>
+            </a:r>
+            <a:r>
+              <a:rPr lang="fr-CH" baseline="0" dirty="0" smtClean="0"/>
+              <a:t> en </a:t>
+            </a:r>
+            <a:r>
+              <a:rPr lang="fr-CH" baseline="0" dirty="0" err="1" smtClean="0"/>
+              <a:t>c++</a:t>
+            </a:r>
+            <a:r>
+              <a:rPr lang="fr-CH" baseline="0" dirty="0" smtClean="0"/>
+              <a:t>11 standard avec la </a:t>
+            </a:r>
+            <a:r>
+              <a:rPr lang="fr-CH" baseline="0" dirty="0" err="1" smtClean="0"/>
+              <a:t>biblothèque</a:t>
+            </a:r>
+            <a:r>
+              <a:rPr lang="fr-CH" baseline="0" dirty="0" smtClean="0"/>
+              <a:t> qt5. </a:t>
+            </a:r>
+            <a:r>
+              <a:rPr lang="fr-CH" baseline="0" smtClean="0"/>
+              <a:t>par ailleurs</a:t>
+            </a:r>
+            <a:r>
+              <a:rPr lang="fr-CH" baseline="0" dirty="0" smtClean="0"/>
+              <a:t>, nous aussi utilisé </a:t>
+            </a:r>
+            <a:r>
+              <a:rPr lang="fr-CH" baseline="0" dirty="0" err="1" smtClean="0"/>
+              <a:t>Boost.Spirit</a:t>
+            </a:r>
+            <a:r>
+              <a:rPr lang="fr-CH" baseline="0" dirty="0" smtClean="0"/>
+              <a:t> pour implémenter le parseur.</a:t>
+            </a:r>
+            <a:endParaRPr lang="fr-CH" dirty="0" smtClean="0"/>
+          </a:p>
+          <a:p>
             <a:endParaRPr lang="fr-CH" dirty="0"/>
           </a:p>
         </p:txBody>
@@ -924,7 +962,7 @@
           <a:p>
             <a:fld id="{135558CC-D944-408D-80C8-CC88573B5A11}" type="slidenum">
               <a:rPr lang="fr-CH" smtClean="0"/>
-              <a:t>5</a:t>
+              <a:t>4</a:t>
             </a:fld>
             <a:endParaRPr lang="fr-CH" dirty="0"/>
           </a:p>
@@ -933,7 +971,7 @@
     </p:spTree>
     <p:extLst>
       <p:ext uri="{BB962C8B-B14F-4D97-AF65-F5344CB8AC3E}">
-        <p14:creationId xmlns:p14="http://schemas.microsoft.com/office/powerpoint/2010/main" val="3077873374"/>
+        <p14:creationId xmlns:p14="http://schemas.microsoft.com/office/powerpoint/2010/main" val="1473012900"/>
       </p:ext>
     </p:extLst>
   </p:cSld>
@@ -987,71 +1025,47 @@
           <a:bodyPr/>
           <a:lstStyle/>
           <a:p>
+            <a:pPr marL="171450" indent="-171450">
+              <a:buFontTx/>
+              <a:buChar char="-"/>
+            </a:pPr>
             <a:r>
               <a:rPr lang="fr-CH" dirty="0" smtClean="0"/>
-              <a:t>Apprentissage </a:t>
-            </a:r>
-            <a:r>
-              <a:rPr lang="fr-CH" dirty="0" err="1" smtClean="0"/>
-              <a:t>Qt</a:t>
-            </a:r>
-            <a:endParaRPr lang="fr-CH" dirty="0" smtClean="0"/>
-          </a:p>
-          <a:p>
-            <a:r>
-              <a:rPr lang="fr-CH" dirty="0" smtClean="0"/>
-              <a:t>    - Beaucoup de choix pour réaliser la même chose</a:t>
-            </a:r>
-          </a:p>
-          <a:p>
-            <a:r>
-              <a:rPr lang="fr-CH" dirty="0" smtClean="0"/>
-              <a:t>    - Perte de temps lorsqu’on part dans la mauvaise direction</a:t>
-            </a:r>
-          </a:p>
-          <a:p>
-            <a:endParaRPr lang="fr-CH" dirty="0" smtClean="0"/>
-          </a:p>
-          <a:p>
-            <a:r>
-              <a:rPr lang="fr-CH" dirty="0" smtClean="0"/>
-              <a:t>Conception plus longue que prévue</a:t>
-            </a:r>
-          </a:p>
-          <a:p>
-            <a:r>
-              <a:rPr lang="fr-CH" dirty="0" smtClean="0"/>
-              <a:t>    - Décalage des tâches</a:t>
-            </a:r>
-          </a:p>
-          <a:p>
-            <a:endParaRPr lang="fr-CH" dirty="0" smtClean="0"/>
-          </a:p>
-          <a:p>
-            <a:r>
-              <a:rPr lang="fr-CH" dirty="0" smtClean="0"/>
-              <a:t>Couche graphe sous-estimée</a:t>
-            </a:r>
-          </a:p>
-          <a:p>
-            <a:r>
-              <a:rPr lang="fr-CH" dirty="0" smtClean="0"/>
-              <a:t>    - conception faite et refaite car n’était pas optimale</a:t>
-            </a:r>
-          </a:p>
-          <a:p>
-            <a:endParaRPr lang="fr-CH" dirty="0" smtClean="0"/>
-          </a:p>
-          <a:p>
-            <a:r>
-              <a:rPr lang="fr-CH" dirty="0" smtClean="0"/>
-              <a:t>Mise en commun des différentes couches</a:t>
-            </a:r>
-          </a:p>
-          <a:p>
-            <a:r>
-              <a:rPr lang="fr-CH" dirty="0" smtClean="0"/>
-              <a:t>    - identifier la provenance des bugs occasionnés</a:t>
+              <a:t>Expliquer chaque</a:t>
+            </a:r>
+            <a:r>
+              <a:rPr lang="fr-CH" baseline="0" dirty="0" smtClean="0"/>
+              <a:t> couche</a:t>
+            </a:r>
+          </a:p>
+          <a:p>
+            <a:pPr marL="628650" lvl="1" indent="-171450">
+              <a:buFontTx/>
+              <a:buChar char="-"/>
+            </a:pPr>
+            <a:r>
+              <a:rPr lang="fr-CH" baseline="0" dirty="0" smtClean="0"/>
+              <a:t>Et ses dépendances</a:t>
+            </a:r>
+          </a:p>
+          <a:p>
+            <a:pPr marL="171450" lvl="0" indent="-171450">
+              <a:buFontTx/>
+              <a:buChar char="-"/>
+            </a:pPr>
+            <a:r>
+              <a:rPr lang="fr-CH" baseline="0" dirty="0" smtClean="0"/>
+              <a:t>Expliquer la réutilisabilité</a:t>
+            </a:r>
+          </a:p>
+          <a:p>
+            <a:pPr marL="628650" lvl="1" indent="-171450">
+              <a:buFontTx/>
+              <a:buChar char="-"/>
+            </a:pPr>
+            <a:r>
+              <a:rPr lang="fr-CH" baseline="0" dirty="0" smtClean="0"/>
+              <a:t>Pour chaque couche</a:t>
             </a:r>
             <a:endParaRPr lang="fr-CH" dirty="0"/>
           </a:p>
@@ -1074,7 +1088,7 @@
           <a:p>
             <a:fld id="{135558CC-D944-408D-80C8-CC88573B5A11}" type="slidenum">
               <a:rPr lang="fr-CH" smtClean="0"/>
-              <a:t>6</a:t>
+              <a:t>5</a:t>
             </a:fld>
             <a:endParaRPr lang="fr-CH" dirty="0"/>
           </a:p>
@@ -1083,7 +1097,7 @@
     </p:spTree>
     <p:extLst>
       <p:ext uri="{BB962C8B-B14F-4D97-AF65-F5344CB8AC3E}">
-        <p14:creationId xmlns:p14="http://schemas.microsoft.com/office/powerpoint/2010/main" val="1596446032"/>
+        <p14:creationId xmlns:p14="http://schemas.microsoft.com/office/powerpoint/2010/main" val="3077873374"/>
       </p:ext>
     </p:extLst>
   </p:cSld>
@@ -1139,6 +1153,156 @@
           <a:p>
             <a:r>
               <a:rPr lang="fr-CH" dirty="0" smtClean="0"/>
+              <a:t>Apprentissage </a:t>
+            </a:r>
+            <a:r>
+              <a:rPr lang="fr-CH" dirty="0" err="1" smtClean="0"/>
+              <a:t>Qt</a:t>
+            </a:r>
+            <a:endParaRPr lang="fr-CH" dirty="0" smtClean="0"/>
+          </a:p>
+          <a:p>
+            <a:r>
+              <a:rPr lang="fr-CH" dirty="0" smtClean="0"/>
+              <a:t>    - Beaucoup de choix pour réaliser la même chose</a:t>
+            </a:r>
+          </a:p>
+          <a:p>
+            <a:r>
+              <a:rPr lang="fr-CH" dirty="0" smtClean="0"/>
+              <a:t>    - Perte de temps lorsqu’on part dans la mauvaise direction</a:t>
+            </a:r>
+          </a:p>
+          <a:p>
+            <a:endParaRPr lang="fr-CH" dirty="0" smtClean="0"/>
+          </a:p>
+          <a:p>
+            <a:r>
+              <a:rPr lang="fr-CH" dirty="0" smtClean="0"/>
+              <a:t>Conception plus longue que prévue</a:t>
+            </a:r>
+          </a:p>
+          <a:p>
+            <a:r>
+              <a:rPr lang="fr-CH" dirty="0" smtClean="0"/>
+              <a:t>    - Décalage des tâches</a:t>
+            </a:r>
+          </a:p>
+          <a:p>
+            <a:endParaRPr lang="fr-CH" dirty="0" smtClean="0"/>
+          </a:p>
+          <a:p>
+            <a:r>
+              <a:rPr lang="fr-CH" dirty="0" smtClean="0"/>
+              <a:t>Couche graphe sous-estimée</a:t>
+            </a:r>
+          </a:p>
+          <a:p>
+            <a:r>
+              <a:rPr lang="fr-CH" dirty="0" smtClean="0"/>
+              <a:t>    - conception faite et refaite car n’était pas optimale</a:t>
+            </a:r>
+          </a:p>
+          <a:p>
+            <a:endParaRPr lang="fr-CH" dirty="0" smtClean="0"/>
+          </a:p>
+          <a:p>
+            <a:r>
+              <a:rPr lang="fr-CH" dirty="0" smtClean="0"/>
+              <a:t>Mise en commun des différentes couches</a:t>
+            </a:r>
+          </a:p>
+          <a:p>
+            <a:r>
+              <a:rPr lang="fr-CH" dirty="0" smtClean="0"/>
+              <a:t>    - identifier la provenance des bugs occasionnés</a:t>
+            </a:r>
+            <a:endParaRPr lang="fr-CH" dirty="0"/>
+          </a:p>
+        </p:txBody>
+      </p:sp>
+      <p:sp>
+        <p:nvSpPr>
+          <p:cNvPr id="4" name="Espace réservé du numéro de diapositive 3"/>
+          <p:cNvSpPr>
+            <a:spLocks noGrp="1"/>
+          </p:cNvSpPr>
+          <p:nvPr>
+            <p:ph type="sldNum" sz="quarter" idx="10"/>
+          </p:nvPr>
+        </p:nvSpPr>
+        <p:spPr/>
+        <p:txBody>
+          <a:bodyPr/>
+          <a:lstStyle/>
+          <a:p>
+            <a:fld id="{135558CC-D944-408D-80C8-CC88573B5A11}" type="slidenum">
+              <a:rPr lang="fr-CH" smtClean="0"/>
+              <a:t>6</a:t>
+            </a:fld>
+            <a:endParaRPr lang="fr-CH" dirty="0"/>
+          </a:p>
+        </p:txBody>
+      </p:sp>
+    </p:spTree>
+    <p:extLst>
+      <p:ext uri="{BB962C8B-B14F-4D97-AF65-F5344CB8AC3E}">
+        <p14:creationId xmlns:p14="http://schemas.microsoft.com/office/powerpoint/2010/main" val="1596446032"/>
+      </p:ext>
+    </p:extLst>
+  </p:cSld>
+  <p:clrMapOvr>
+    <a:masterClrMapping/>
+  </p:clrMapOvr>
+</p:notes>
+</file>
+
+<file path=ppt/notesSlides/notesSlide7.xml><?xml version="1.0" encoding="utf-8"?>
+<p:notes xmlns:a="http://schemas.openxmlformats.org/drawingml/2006/main" xmlns:r="http://schemas.openxmlformats.org/officeDocument/2006/relationships" xmlns:p="http://schemas.openxmlformats.org/presentationml/2006/main">
+  <p:cSld>
+    <p:spTree>
+      <p:nvGrpSpPr>
+        <p:cNvPr id="1" name=""/>
+        <p:cNvGrpSpPr/>
+        <p:nvPr/>
+      </p:nvGrpSpPr>
+      <p:grpSpPr>
+        <a:xfrm>
+          <a:off x="0" y="0"/>
+          <a:ext cx="0" cy="0"/>
+          <a:chOff x="0" y="0"/>
+          <a:chExt cx="0" cy="0"/>
+        </a:xfrm>
+      </p:grpSpPr>
+      <p:sp>
+        <p:nvSpPr>
+          <p:cNvPr id="2" name="Espace réservé de l'image des diapositives 1"/>
+          <p:cNvSpPr>
+            <a:spLocks noGrp="1" noRot="1" noChangeAspect="1"/>
+          </p:cNvSpPr>
+          <p:nvPr>
+            <p:ph type="sldImg"/>
+          </p:nvPr>
+        </p:nvSpPr>
+        <p:spPr/>
+      </p:sp>
+      <p:sp>
+        <p:nvSpPr>
+          <p:cNvPr id="3" name="Espace réservé des commentaires 2"/>
+          <p:cNvSpPr>
+            <a:spLocks noGrp="1"/>
+          </p:cNvSpPr>
+          <p:nvPr>
+            <p:ph type="body" idx="1"/>
+          </p:nvPr>
+        </p:nvSpPr>
+        <p:spPr/>
+        <p:txBody>
+          <a:bodyPr/>
+          <a:lstStyle/>
+          <a:p>
+            <a:r>
+              <a:rPr lang="fr-CH" dirty="0" smtClean="0"/>
               <a:t>Certains algorithmes retournent</a:t>
             </a:r>
             <a:r>
@@ -1206,6 +1370,98 @@
     <p:extLst>
       <p:ext uri="{BB962C8B-B14F-4D97-AF65-F5344CB8AC3E}">
         <p14:creationId xmlns:p14="http://schemas.microsoft.com/office/powerpoint/2010/main" val="2800087807"/>
+      </p:ext>
+    </p:extLst>
+  </p:cSld>
+  <p:clrMapOvr>
+    <a:masterClrMapping/>
+  </p:clrMapOvr>
+</p:notes>
+</file>
+
+<file path=ppt/notesSlides/notesSlide8.xml><?xml version="1.0" encoding="utf-8"?>
+<p:notes xmlns:a="http://schemas.openxmlformats.org/drawingml/2006/main" xmlns:r="http://schemas.openxmlformats.org/officeDocument/2006/relationships" xmlns:p="http://schemas.openxmlformats.org/presentationml/2006/main">
+  <p:cSld>
+    <p:spTree>
+      <p:nvGrpSpPr>
+        <p:cNvPr id="1" name=""/>
+        <p:cNvGrpSpPr/>
+        <p:nvPr/>
+      </p:nvGrpSpPr>
+      <p:grpSpPr>
+        <a:xfrm>
+          <a:off x="0" y="0"/>
+          <a:ext cx="0" cy="0"/>
+          <a:chOff x="0" y="0"/>
+          <a:chExt cx="0" cy="0"/>
+        </a:xfrm>
+      </p:grpSpPr>
+      <p:sp>
+        <p:nvSpPr>
+          <p:cNvPr id="2" name="Slide Image Placeholder 1"/>
+          <p:cNvSpPr>
+            <a:spLocks noGrp="1" noRot="1" noChangeAspect="1"/>
+          </p:cNvSpPr>
+          <p:nvPr>
+            <p:ph type="sldImg"/>
+          </p:nvPr>
+        </p:nvSpPr>
+        <p:spPr/>
+      </p:sp>
+      <p:sp>
+        <p:nvSpPr>
+          <p:cNvPr id="3" name="Notes Placeholder 2"/>
+          <p:cNvSpPr>
+            <a:spLocks noGrp="1"/>
+          </p:cNvSpPr>
+          <p:nvPr>
+            <p:ph type="body" idx="1"/>
+          </p:nvPr>
+        </p:nvSpPr>
+        <p:spPr/>
+        <p:txBody>
+          <a:bodyPr/>
+          <a:lstStyle/>
+          <a:p>
+            <a:r>
+              <a:rPr lang="fr-FR" dirty="0" smtClean="0"/>
+              <a:t>Bugs -&gt; liés</a:t>
+            </a:r>
+            <a:r>
+              <a:rPr lang="fr-FR" baseline="0" dirty="0" smtClean="0"/>
+              <a:t> à la nature de l’application OUVERT</a:t>
+            </a:r>
+            <a:endParaRPr lang="fr-FR" dirty="0"/>
+          </a:p>
+        </p:txBody>
+      </p:sp>
+      <p:sp>
+        <p:nvSpPr>
+          <p:cNvPr id="4" name="Slide Number Placeholder 3"/>
+          <p:cNvSpPr>
+            <a:spLocks noGrp="1"/>
+          </p:cNvSpPr>
+          <p:nvPr>
+            <p:ph type="sldNum" sz="quarter" idx="10"/>
+          </p:nvPr>
+        </p:nvSpPr>
+        <p:spPr/>
+        <p:txBody>
+          <a:bodyPr/>
+          <a:lstStyle/>
+          <a:p>
+            <a:fld id="{135558CC-D944-408D-80C8-CC88573B5A11}" type="slidenum">
+              <a:rPr lang="fr-CH" smtClean="0"/>
+              <a:t>9</a:t>
+            </a:fld>
+            <a:endParaRPr lang="fr-CH" dirty="0"/>
+          </a:p>
+        </p:txBody>
+      </p:sp>
+    </p:spTree>
+    <p:extLst>
+      <p:ext uri="{BB962C8B-B14F-4D97-AF65-F5344CB8AC3E}">
+        <p14:creationId xmlns:p14="http://schemas.microsoft.com/office/powerpoint/2010/main" val="2942197959"/>
       </p:ext>
     </p:extLst>
   </p:cSld>
@@ -1381,7 +1637,7 @@
             <a:fld id="{D57F1E4F-1CFF-5643-939E-217C01CDF565}" type="slidenum">
               <a:rPr lang="en-US" smtClean="0"/>
               <a:pPr/>
-              <a:t>‹N°›</a:t>
+              <a:t>‹#›</a:t>
             </a:fld>
             <a:endParaRPr lang="en-US" dirty="0"/>
           </a:p>
@@ -1563,7 +1819,7 @@
             <a:fld id="{D57F1E4F-1CFF-5643-939E-217C01CDF565}" type="slidenum">
               <a:rPr lang="en-US" smtClean="0"/>
               <a:pPr/>
-              <a:t>‹N°›</a:t>
+              <a:t>‹#›</a:t>
             </a:fld>
             <a:endParaRPr lang="en-US" dirty="0"/>
           </a:p>
@@ -1748,7 +2004,7 @@
             <a:fld id="{D57F1E4F-1CFF-5643-939E-217C01CDF565}" type="slidenum">
               <a:rPr lang="en-US" smtClean="0"/>
               <a:pPr/>
-              <a:t>‹N°›</a:t>
+              <a:t>‹#›</a:t>
             </a:fld>
             <a:endParaRPr lang="en-US" dirty="0"/>
           </a:p>
@@ -1923,7 +2179,7 @@
             <a:fld id="{D57F1E4F-1CFF-5643-939E-217C01CDF565}" type="slidenum">
               <a:rPr lang="en-US" smtClean="0"/>
               <a:pPr/>
-              <a:t>‹N°›</a:t>
+              <a:t>‹#›</a:t>
             </a:fld>
             <a:endParaRPr lang="en-US" dirty="0"/>
           </a:p>
@@ -2216,7 +2472,7 @@
             <a:fld id="{D57F1E4F-1CFF-5643-939E-217C01CDF565}" type="slidenum">
               <a:rPr lang="en-US" smtClean="0"/>
               <a:pPr/>
-              <a:t>‹N°›</a:t>
+              <a:t>‹#›</a:t>
             </a:fld>
             <a:endParaRPr lang="en-US" dirty="0"/>
           </a:p>
@@ -2490,7 +2746,7 @@
             <a:fld id="{D57F1E4F-1CFF-5643-939E-217C01CDF565}" type="slidenum">
               <a:rPr lang="en-US" smtClean="0"/>
               <a:pPr/>
-              <a:t>‹N°›</a:t>
+              <a:t>‹#›</a:t>
             </a:fld>
             <a:endParaRPr lang="en-US" dirty="0"/>
           </a:p>
@@ -2879,7 +3135,7 @@
             <a:fld id="{D57F1E4F-1CFF-5643-939E-217C01CDF565}" type="slidenum">
               <a:rPr lang="en-US" smtClean="0"/>
               <a:pPr/>
-              <a:t>‹N°›</a:t>
+              <a:t>‹#›</a:t>
             </a:fld>
             <a:endParaRPr lang="en-US" dirty="0"/>
           </a:p>
@@ -3039,7 +3295,7 @@
             <a:fld id="{D57F1E4F-1CFF-5643-939E-217C01CDF565}" type="slidenum">
               <a:rPr lang="en-US" smtClean="0"/>
               <a:pPr/>
-              <a:t>‹N°›</a:t>
+              <a:t>‹#›</a:t>
             </a:fld>
             <a:endParaRPr lang="en-US" dirty="0"/>
           </a:p>
@@ -3199,7 +3455,7 @@
             <a:fld id="{D57F1E4F-1CFF-5643-939E-217C01CDF565}" type="slidenum">
               <a:rPr lang="en-US" smtClean="0"/>
               <a:pPr/>
-              <a:t>‹N°›</a:t>
+              <a:t>‹#›</a:t>
             </a:fld>
             <a:endParaRPr lang="en-US" dirty="0"/>
           </a:p>
@@ -3495,7 +3751,7 @@
             <a:fld id="{D57F1E4F-1CFF-5643-939E-217C01CDF565}" type="slidenum">
               <a:rPr lang="en-US" smtClean="0"/>
               <a:pPr/>
-              <a:t>‹N°›</a:t>
+              <a:t>‹#›</a:t>
             </a:fld>
             <a:endParaRPr lang="en-US" dirty="0"/>
           </a:p>
@@ -3764,7 +4020,7 @@
             <a:fld id="{D57F1E4F-1CFF-5643-939E-217C01CDF565}" type="slidenum">
               <a:rPr lang="en-US" smtClean="0"/>
               <a:pPr/>
-              <a:t>‹N°›</a:t>
+              <a:t>‹#›</a:t>
             </a:fld>
             <a:endParaRPr lang="en-US" dirty="0"/>
           </a:p>
@@ -4020,7 +4276,7 @@
             <a:fld id="{D57F1E4F-1CFF-5643-939E-217C01CDF565}" type="slidenum">
               <a:rPr lang="en-US" smtClean="0"/>
               <a:pPr/>
-              <a:t>‹N°›</a:t>
+              <a:t>‹#›</a:t>
             </a:fld>
             <a:endParaRPr lang="en-US" dirty="0"/>
           </a:p>
@@ -5941,8 +6197,9 @@
             <a:pPr lvl="1"/>
             <a:r>
               <a:rPr lang="fr-FR" dirty="0" smtClean="0"/>
-              <a:t>Satisfaits de l’application</a:t>
-            </a:r>
+              <a:t>Globalement satisfaits</a:t>
+            </a:r>
+            <a:endParaRPr lang="fr-FR" dirty="0" smtClean="0"/>
           </a:p>
           <a:p>
             <a:pPr lvl="2"/>
@@ -5955,8 +6212,26 @@
             <a:pPr lvl="1"/>
             <a:r>
               <a:rPr lang="fr-FR" dirty="0" smtClean="0"/>
-              <a:t>Couches indépendantes et réutilisables</a:t>
-            </a:r>
+              <a:t>Couches indépendantes et </a:t>
+            </a:r>
+            <a:r>
+              <a:rPr lang="fr-FR" dirty="0" smtClean="0"/>
+              <a:t>réutilisables</a:t>
+            </a:r>
+          </a:p>
+          <a:p>
+            <a:r>
+              <a:rPr lang="fr-FR" dirty="0"/>
+              <a:t>Planification</a:t>
+            </a:r>
+          </a:p>
+          <a:p>
+            <a:pPr lvl="1"/>
+            <a:r>
+              <a:rPr lang="fr-FR" dirty="0"/>
+              <a:t>Tâches personnelles pas assez parallélisées </a:t>
+            </a:r>
+            <a:endParaRPr lang="fr-FR" dirty="0" smtClean="0"/>
           </a:p>
           <a:p>
             <a:r>
@@ -5987,19 +6262,6 @@
             <a:r>
               <a:rPr lang="fr-FR" dirty="0" smtClean="0"/>
               <a:t> faire plus souvent</a:t>
-            </a:r>
-          </a:p>
-          <a:p>
-            <a:r>
-              <a:rPr lang="fr-FR" dirty="0" smtClean="0"/>
-              <a:t>Planification</a:t>
-            </a:r>
-          </a:p>
-          <a:p>
-            <a:pPr lvl="1"/>
-            <a:r>
-              <a:rPr lang="fr-FR" dirty="0" smtClean="0"/>
-              <a:t>Tâches personnelles pas assez parallélisées </a:t>
             </a:r>
           </a:p>
           <a:p>
